--- a/trunk/beeblz/beeblz-facebook/doc/facebook_sna_v0.1_20101216_배영규.pptx
+++ b/trunk/beeblz/beeblz-facebook/doc/facebook_sna_v0.1_20101216_배영규.pptx
@@ -5,7 +5,7 @@
     <p:sldMasterId id="2147483648" r:id="rId1"/>
   </p:sldMasterIdLst>
   <p:notesMasterIdLst>
-    <p:notesMasterId r:id="rId20"/>
+    <p:notesMasterId r:id="rId21"/>
   </p:notesMasterIdLst>
   <p:sldIdLst>
     <p:sldId id="256" r:id="rId2"/>
@@ -20,12 +20,13 @@
     <p:sldId id="273" r:id="rId11"/>
     <p:sldId id="266" r:id="rId12"/>
     <p:sldId id="264" r:id="rId13"/>
-    <p:sldId id="267" r:id="rId14"/>
-    <p:sldId id="269" r:id="rId15"/>
-    <p:sldId id="270" r:id="rId16"/>
-    <p:sldId id="268" r:id="rId17"/>
-    <p:sldId id="265" r:id="rId18"/>
-    <p:sldId id="257" r:id="rId19"/>
+    <p:sldId id="274" r:id="rId14"/>
+    <p:sldId id="267" r:id="rId15"/>
+    <p:sldId id="269" r:id="rId16"/>
+    <p:sldId id="270" r:id="rId17"/>
+    <p:sldId id="268" r:id="rId18"/>
+    <p:sldId id="265" r:id="rId19"/>
+    <p:sldId id="257" r:id="rId20"/>
   </p:sldIdLst>
   <p:sldSz cx="9144000" cy="6858000" type="screen4x3"/>
   <p:notesSz cx="6858000" cy="9144000"/>
@@ -210,7 +211,7 @@
             <a:fld id="{21DA05FE-2E34-4811-A625-7B96675ED22B}" type="datetimeFigureOut">
               <a:rPr lang="ko-KR" altLang="en-US" smtClean="0"/>
               <a:pPr/>
-              <a:t>2010-12-21</a:t>
+              <a:t>2010-12-22</a:t>
             </a:fld>
             <a:endParaRPr lang="ko-KR" altLang="en-US" dirty="0"/>
           </a:p>
@@ -2184,15 +2185,7 @@
           <a:p>
             <a:r>
               <a:rPr lang="en-US" altLang="ko-KR" dirty="0" smtClean="0"/>
-              <a:t>Screen. </a:t>
-            </a:r>
-            <a:r>
-              <a:rPr lang="en-US" altLang="ko-KR" dirty="0" smtClean="0"/>
-              <a:t>Web</a:t>
-            </a:r>
-            <a:r>
-              <a:rPr lang="en-US" altLang="ko-KR" dirty="0" smtClean="0"/>
-              <a:t> </a:t>
+              <a:t>Screen. Web </a:t>
             </a:r>
             <a:r>
               <a:rPr lang="ko-KR" altLang="en-US" dirty="0" err="1" smtClean="0"/>
@@ -3857,14 +3850,6 @@
               </a:rPr>
               <a:t>▼</a:t>
             </a:r>
-            <a:endParaRPr lang="ko-KR" altLang="en-US" sz="900" dirty="0">
-              <a:solidFill>
-                <a:schemeClr val="tx1">
-                  <a:lumMod val="50000"/>
-                  <a:lumOff val="50000"/>
-                </a:schemeClr>
-              </a:solidFill>
-            </a:endParaRPr>
           </a:p>
         </p:txBody>
       </p:sp>
@@ -8774,7 +8759,7 @@
         </p:nvSpPr>
         <p:spPr>
           <a:xfrm>
-            <a:off x="5914050" y="4271151"/>
+            <a:off x="5914050" y="4255249"/>
             <a:ext cx="170118" cy="144000"/>
           </a:xfrm>
           <a:prstGeom prst="roundRect">
@@ -8942,7 +8927,7 @@
         </p:nvSpPr>
         <p:spPr>
           <a:xfrm>
-            <a:off x="6110270" y="4271151"/>
+            <a:off x="6110270" y="4255249"/>
             <a:ext cx="170118" cy="144000"/>
           </a:xfrm>
           <a:prstGeom prst="roundRect">
@@ -9707,7 +9692,7 @@
         </p:nvGrpSpPr>
         <p:grpSpPr>
           <a:xfrm>
-            <a:off x="6921158" y="1376044"/>
+            <a:off x="6921158" y="1287810"/>
             <a:ext cx="2102086" cy="215444"/>
             <a:chOff x="6921158" y="1376044"/>
             <a:chExt cx="2102086" cy="215444"/>
@@ -9842,7 +9827,7 @@
         </p:nvSpPr>
         <p:spPr>
           <a:xfrm>
-            <a:off x="6863005" y="1571778"/>
+            <a:off x="6863005" y="1483544"/>
             <a:ext cx="2151810" cy="954107"/>
           </a:xfrm>
           <a:prstGeom prst="rect">
@@ -9871,14 +9856,7 @@
                 <a:latin typeface="나눔고딕" pitchFamily="50" charset="-127"/>
                 <a:ea typeface="나눔고딕" pitchFamily="50" charset="-127"/>
               </a:rPr>
-              <a:t> 이용하여 클러스터 개수를 </a:t>
-            </a:r>
-            <a:r>
-              <a:rPr lang="ko-KR" altLang="en-US" sz="800" dirty="0" smtClean="0">
-                <a:latin typeface="나눔고딕" pitchFamily="50" charset="-127"/>
-                <a:ea typeface="나눔고딕" pitchFamily="50" charset="-127"/>
-              </a:rPr>
-              <a:t>조절한다</a:t>
+              <a:t> 이용하여 클러스터 개수를 조절한다</a:t>
             </a:r>
             <a:r>
               <a:rPr lang="en-US" altLang="ko-KR" sz="800" dirty="0" smtClean="0">
@@ -10277,11 +10255,18 @@
               <a:t>동안 나의 </a:t>
             </a:r>
             <a:r>
+              <a:rPr lang="en-US" altLang="ko-KR" sz="800" dirty="0" smtClean="0">
+                <a:latin typeface="나눔고딕" pitchFamily="50" charset="-127"/>
+                <a:ea typeface="나눔고딕" pitchFamily="50" charset="-127"/>
+              </a:rPr>
+              <a:t>post(status</a:t>
+            </a:r>
+            <a:r>
               <a:rPr lang="en-US" altLang="ko-KR" sz="800" dirty="0">
                 <a:latin typeface="나눔고딕" pitchFamily="50" charset="-127"/>
                 <a:ea typeface="나눔고딕" pitchFamily="50" charset="-127"/>
               </a:rPr>
-              <a:t>contents(status, link, photo, video)</a:t>
+              <a:t>, link, photo, video)</a:t>
             </a:r>
             <a:r>
               <a:rPr lang="ko-KR" altLang="en-US" sz="800" dirty="0">
@@ -10387,11 +10372,18 @@
               <a:t>동안 내 친구의 </a:t>
             </a:r>
             <a:r>
+              <a:rPr lang="en-US" altLang="ko-KR" sz="800" dirty="0" smtClean="0">
+                <a:latin typeface="나눔고딕" pitchFamily="50" charset="-127"/>
+                <a:ea typeface="나눔고딕" pitchFamily="50" charset="-127"/>
+              </a:rPr>
+              <a:t>post(status</a:t>
+            </a:r>
+            <a:r>
               <a:rPr lang="en-US" altLang="ko-KR" sz="800" dirty="0">
                 <a:latin typeface="나눔고딕" pitchFamily="50" charset="-127"/>
                 <a:ea typeface="나눔고딕" pitchFamily="50" charset="-127"/>
               </a:rPr>
-              <a:t>contents(status, link, photo, video)</a:t>
+              <a:t>, link, photo, video)</a:t>
             </a:r>
             <a:r>
               <a:rPr lang="ko-KR" altLang="en-US" sz="800" dirty="0">
@@ -10457,7 +10449,7 @@
         </p:nvGrpSpPr>
         <p:grpSpPr>
           <a:xfrm>
-            <a:off x="6921158" y="2511247"/>
+            <a:off x="6921158" y="2358405"/>
             <a:ext cx="2102086" cy="215444"/>
             <a:chOff x="6921158" y="1376044"/>
             <a:chExt cx="2102086" cy="215444"/>
@@ -11455,6 +11447,66 @@
           </a:p>
         </p:txBody>
       </p:sp>
+      <p:sp>
+        <p:nvSpPr>
+          <p:cNvPr id="101" name="직사각형 100"/>
+          <p:cNvSpPr/>
+          <p:nvPr/>
+        </p:nvSpPr>
+        <p:spPr>
+          <a:xfrm>
+            <a:off x="6863005" y="2544041"/>
+            <a:ext cx="2151810" cy="215444"/>
+          </a:xfrm>
+          <a:prstGeom prst="rect">
+            <a:avLst/>
+          </a:prstGeom>
+          <a:noFill/>
+        </p:spPr>
+        <p:txBody>
+          <a:bodyPr wrap="square">
+            <a:spAutoFit/>
+          </a:bodyPr>
+          <a:lstStyle/>
+          <a:p>
+            <a:pPr marL="180975" indent="-180975">
+              <a:buAutoNum type="arabicParenR"/>
+            </a:pPr>
+            <a:r>
+              <a:rPr lang="ko-KR" altLang="en-US" sz="800" dirty="0" smtClean="0">
+                <a:latin typeface="나눔고딕" pitchFamily="50" charset="-127"/>
+                <a:ea typeface="나눔고딕" pitchFamily="50" charset="-127"/>
+              </a:rPr>
+              <a:t>자세한 내용은 </a:t>
+            </a:r>
+            <a:r>
+              <a:rPr lang="en-US" altLang="ko-KR" sz="800" dirty="0" smtClean="0">
+                <a:latin typeface="나눔고딕" pitchFamily="50" charset="-127"/>
+                <a:ea typeface="나눔고딕" pitchFamily="50" charset="-127"/>
+              </a:rPr>
+              <a:t>“Graph </a:t>
+            </a:r>
+            <a:r>
+              <a:rPr lang="en-US" altLang="ko-KR" sz="800" dirty="0" smtClean="0">
+                <a:latin typeface="나눔고딕" pitchFamily="50" charset="-127"/>
+                <a:ea typeface="나눔고딕" pitchFamily="50" charset="-127"/>
+              </a:rPr>
+              <a:t>Area” </a:t>
+            </a:r>
+            <a:r>
+              <a:rPr lang="ko-KR" altLang="en-US" sz="800" dirty="0" smtClean="0">
+                <a:latin typeface="나눔고딕" pitchFamily="50" charset="-127"/>
+                <a:ea typeface="나눔고딕" pitchFamily="50" charset="-127"/>
+              </a:rPr>
+              <a:t>화면 참조</a:t>
+            </a:r>
+            <a:endParaRPr lang="ko-KR" altLang="en-US" sz="800" dirty="0">
+              <a:latin typeface="나눔고딕" pitchFamily="50" charset="-127"/>
+              <a:ea typeface="나눔고딕" pitchFamily="50" charset="-127"/>
+            </a:endParaRPr>
+          </a:p>
+        </p:txBody>
+      </p:sp>
     </p:spTree>
     <p:extLst>
       <p:ext uri="{BB962C8B-B14F-4D97-AF65-F5344CB8AC3E}">
@@ -11509,7 +11561,11 @@
           <a:p>
             <a:r>
               <a:rPr lang="en-US" altLang="ko-KR" dirty="0" smtClean="0"/>
-              <a:t>Screen. My Friends</a:t>
+              <a:t>Screen. </a:t>
+            </a:r>
+            <a:r>
+              <a:rPr lang="en-US" altLang="ko-KR" dirty="0" smtClean="0"/>
+              <a:t>Graph Area</a:t>
             </a:r>
             <a:endParaRPr lang="ko-KR" altLang="en-US" dirty="0"/>
           </a:p>
@@ -11837,6 +11893,458 @@
               </a:rPr>
               <a:t>.</a:t>
             </a:r>
+            <a:endParaRPr lang="en-US" altLang="ko-KR" sz="800" dirty="0" smtClean="0">
+              <a:latin typeface="나눔고딕" pitchFamily="50" charset="-127"/>
+              <a:ea typeface="나눔고딕" pitchFamily="50" charset="-127"/>
+            </a:endParaRPr>
+          </a:p>
+        </p:txBody>
+      </p:sp>
+    </p:spTree>
+    <p:extLst>
+      <p:ext uri="{BB962C8B-B14F-4D97-AF65-F5344CB8AC3E}">
+        <p14:creationId xmlns:p14="http://schemas.microsoft.com/office/powerpoint/2010/main" val="2077585095"/>
+      </p:ext>
+    </p:extLst>
+  </p:cSld>
+  <p:clrMapOvr>
+    <a:masterClrMapping/>
+  </p:clrMapOvr>
+  <p:timing>
+    <p:tnLst>
+      <p:par>
+        <p:cTn id="1" dur="indefinite" restart="never" nodeType="tmRoot"/>
+      </p:par>
+    </p:tnLst>
+  </p:timing>
+</p:sld>
+</file>
+
+<file path=ppt/slides/slide14.xml><?xml version="1.0" encoding="utf-8"?>
+<p:sld xmlns:a="http://schemas.openxmlformats.org/drawingml/2006/main" xmlns:r="http://schemas.openxmlformats.org/officeDocument/2006/relationships" xmlns:p="http://schemas.openxmlformats.org/presentationml/2006/main">
+  <p:cSld>
+    <p:spTree>
+      <p:nvGrpSpPr>
+        <p:cNvPr id="1" name=""/>
+        <p:cNvGrpSpPr/>
+        <p:nvPr/>
+      </p:nvGrpSpPr>
+      <p:grpSpPr>
+        <a:xfrm>
+          <a:off x="0" y="0"/>
+          <a:ext cx="0" cy="0"/>
+          <a:chOff x="0" y="0"/>
+          <a:chExt cx="0" cy="0"/>
+        </a:xfrm>
+      </p:grpSpPr>
+      <p:sp>
+        <p:nvSpPr>
+          <p:cNvPr id="2" name="제목 1"/>
+          <p:cNvSpPr>
+            <a:spLocks noGrp="1"/>
+          </p:cNvSpPr>
+          <p:nvPr>
+            <p:ph type="title"/>
+          </p:nvPr>
+        </p:nvSpPr>
+        <p:spPr/>
+        <p:txBody>
+          <a:bodyPr/>
+          <a:lstStyle/>
+          <a:p>
+            <a:r>
+              <a:rPr lang="en-US" altLang="ko-KR" dirty="0" smtClean="0"/>
+              <a:t>Screen. My Friends</a:t>
+            </a:r>
+            <a:endParaRPr lang="ko-KR" altLang="en-US" dirty="0"/>
+          </a:p>
+        </p:txBody>
+      </p:sp>
+      <p:sp>
+        <p:nvSpPr>
+          <p:cNvPr id="8" name="Rectangle 7"/>
+          <p:cNvSpPr>
+            <a:spLocks noChangeArrowheads="1"/>
+          </p:cNvSpPr>
+          <p:nvPr/>
+        </p:nvSpPr>
+        <p:spPr bwMode="auto">
+          <a:xfrm>
+            <a:off x="6854574" y="1080493"/>
+            <a:ext cx="2160240" cy="5228828"/>
+          </a:xfrm>
+          <a:prstGeom prst="rect">
+            <a:avLst/>
+          </a:prstGeom>
+          <a:noFill/>
+          <a:ln w="9525" algn="ctr">
+            <a:solidFill>
+              <a:srgbClr val="C0C0C0"/>
+            </a:solidFill>
+            <a:miter lim="800000"/>
+            <a:headEnd/>
+            <a:tailEnd/>
+          </a:ln>
+          <a:effectLst/>
+        </p:spPr>
+        <p:txBody>
+          <a:bodyPr wrap="none" anchor="ctr"/>
+          <a:lstStyle/>
+          <a:p>
+            <a:pPr>
+              <a:defRPr/>
+            </a:pPr>
+            <a:endParaRPr lang="ko-KR" altLang="en-US" dirty="0">
+              <a:solidFill>
+                <a:prstClr val="black"/>
+              </a:solidFill>
+              <a:latin typeface="나눔고딕" pitchFamily="50" charset="-127"/>
+              <a:ea typeface="나눔고딕" pitchFamily="50" charset="-127"/>
+            </a:endParaRPr>
+          </a:p>
+        </p:txBody>
+      </p:sp>
+      <p:sp>
+        <p:nvSpPr>
+          <p:cNvPr id="9" name="Rectangle 9"/>
+          <p:cNvSpPr>
+            <a:spLocks noChangeArrowheads="1"/>
+          </p:cNvSpPr>
+          <p:nvPr/>
+        </p:nvSpPr>
+        <p:spPr bwMode="auto">
+          <a:xfrm>
+            <a:off x="6863004" y="1080492"/>
+            <a:ext cx="2160240" cy="177800"/>
+          </a:xfrm>
+          <a:prstGeom prst="rect">
+            <a:avLst/>
+          </a:prstGeom>
+          <a:solidFill>
+            <a:srgbClr val="000000"/>
+          </a:solidFill>
+          <a:ln w="9525">
+            <a:noFill/>
+            <a:miter lim="800000"/>
+            <a:headEnd/>
+            <a:tailEnd/>
+          </a:ln>
+          <a:effectLst/>
+        </p:spPr>
+        <p:txBody>
+          <a:bodyPr wrap="none" anchor="ctr"/>
+          <a:lstStyle/>
+          <a:p>
+            <a:pPr>
+              <a:defRPr/>
+            </a:pPr>
+            <a:r>
+              <a:rPr lang="en-US" altLang="ko-KR" sz="900" b="1" dirty="0">
+                <a:solidFill>
+                  <a:prstClr val="white"/>
+                </a:solidFill>
+                <a:latin typeface="Arial" charset="0"/>
+                <a:ea typeface="나눔고딕" pitchFamily="50" charset="-127"/>
+              </a:rPr>
+              <a:t>Description</a:t>
+            </a:r>
+          </a:p>
+        </p:txBody>
+      </p:sp>
+      <p:sp>
+        <p:nvSpPr>
+          <p:cNvPr id="10" name="직사각형 29"/>
+          <p:cNvSpPr>
+            <a:spLocks noChangeArrowheads="1"/>
+          </p:cNvSpPr>
+          <p:nvPr/>
+        </p:nvSpPr>
+        <p:spPr bwMode="auto">
+          <a:xfrm>
+            <a:off x="109539" y="1080492"/>
+            <a:ext cx="6622702" cy="5228829"/>
+          </a:xfrm>
+          <a:prstGeom prst="rect">
+            <a:avLst/>
+          </a:prstGeom>
+          <a:noFill/>
+          <a:ln w="9525" algn="ctr">
+            <a:solidFill>
+              <a:srgbClr val="C0C0C0"/>
+            </a:solidFill>
+            <a:miter lim="800000"/>
+            <a:headEnd/>
+            <a:tailEnd/>
+          </a:ln>
+        </p:spPr>
+        <p:txBody>
+          <a:bodyPr wrap="none" anchor="ctr"/>
+          <a:lstStyle/>
+          <a:p>
+            <a:pPr defTabSz="1233488" fontAlgn="base">
+              <a:spcBef>
+                <a:spcPct val="0"/>
+              </a:spcBef>
+              <a:spcAft>
+                <a:spcPct val="0"/>
+              </a:spcAft>
+            </a:pPr>
+            <a:endParaRPr lang="ko-KR" altLang="en-US" sz="2400" dirty="0" smtClean="0">
+              <a:solidFill>
+                <a:srgbClr val="000000"/>
+              </a:solidFill>
+              <a:latin typeface="굴림" pitchFamily="50" charset="-127"/>
+              <a:ea typeface="굴림" pitchFamily="50" charset="-127"/>
+            </a:endParaRPr>
+          </a:p>
+        </p:txBody>
+      </p:sp>
+      <p:grpSp>
+        <p:nvGrpSpPr>
+          <p:cNvPr id="23" name="그룹 22"/>
+          <p:cNvGrpSpPr/>
+          <p:nvPr/>
+        </p:nvGrpSpPr>
+        <p:grpSpPr>
+          <a:xfrm>
+            <a:off x="6921158" y="1376044"/>
+            <a:ext cx="2102086" cy="215444"/>
+            <a:chOff x="6921158" y="1376044"/>
+            <a:chExt cx="2102086" cy="215444"/>
+          </a:xfrm>
+        </p:grpSpPr>
+        <p:sp>
+          <p:nvSpPr>
+            <p:cNvPr id="62" name="Text Box 37"/>
+            <p:cNvSpPr txBox="1">
+              <a:spLocks noChangeArrowheads="1"/>
+            </p:cNvSpPr>
+            <p:nvPr/>
+          </p:nvSpPr>
+          <p:spPr bwMode="auto">
+            <a:xfrm>
+              <a:off x="7065158" y="1376044"/>
+              <a:ext cx="1958086" cy="215444"/>
+            </a:xfrm>
+            <a:prstGeom prst="rect">
+              <a:avLst/>
+            </a:prstGeom>
+            <a:noFill/>
+            <a:ln w="9525" algn="ctr">
+              <a:noFill/>
+              <a:miter lim="800000"/>
+              <a:headEnd/>
+              <a:tailEnd/>
+            </a:ln>
+          </p:spPr>
+          <p:txBody>
+            <a:bodyPr wrap="square">
+              <a:spAutoFit/>
+            </a:bodyPr>
+            <a:lstStyle/>
+            <a:p>
+              <a:pPr algn="l" rtl="0" fontAlgn="base" latinLnBrk="1">
+                <a:spcBef>
+                  <a:spcPct val="0"/>
+                </a:spcBef>
+                <a:spcAft>
+                  <a:spcPct val="0"/>
+                </a:spcAft>
+              </a:pPr>
+              <a:r>
+                <a:rPr kumimoji="1" lang="en-US" altLang="ko-KR" sz="800" b="1" dirty="0" smtClean="0">
+                  <a:solidFill>
+                    <a:srgbClr val="000000"/>
+                  </a:solidFill>
+                  <a:latin typeface="나눔고딕" pitchFamily="50" charset="-127"/>
+                  <a:ea typeface="나눔고딕" pitchFamily="50" charset="-127"/>
+                </a:rPr>
+                <a:t>Cluster </a:t>
+              </a:r>
+              <a:r>
+                <a:rPr kumimoji="1" lang="ko-KR" altLang="en-US" sz="800" b="1" dirty="0" smtClean="0">
+                  <a:solidFill>
+                    <a:srgbClr val="000000"/>
+                  </a:solidFill>
+                  <a:latin typeface="나눔고딕" pitchFamily="50" charset="-127"/>
+                  <a:ea typeface="나눔고딕" pitchFamily="50" charset="-127"/>
+                </a:rPr>
+                <a:t>번호 선택 </a:t>
+              </a:r>
+              <a:r>
+                <a:rPr kumimoji="1" lang="ko-KR" altLang="en-US" sz="800" b="1" dirty="0" err="1" smtClean="0">
+                  <a:solidFill>
+                    <a:srgbClr val="000000"/>
+                  </a:solidFill>
+                  <a:latin typeface="나눔고딕" pitchFamily="50" charset="-127"/>
+                  <a:ea typeface="나눔고딕" pitchFamily="50" charset="-127"/>
+                </a:rPr>
+                <a:t>콤보박스</a:t>
+              </a:r>
+              <a:endParaRPr kumimoji="1" lang="ko-KR" altLang="en-US" sz="800" b="1" kern="1200" dirty="0">
+                <a:solidFill>
+                  <a:srgbClr val="000000"/>
+                </a:solidFill>
+                <a:latin typeface="나눔고딕" pitchFamily="50" charset="-127"/>
+                <a:ea typeface="나눔고딕" pitchFamily="50" charset="-127"/>
+                <a:cs typeface="+mn-cs"/>
+              </a:endParaRPr>
+            </a:p>
+          </p:txBody>
+        </p:sp>
+        <p:sp>
+          <p:nvSpPr>
+            <p:cNvPr id="74" name="Oval 251"/>
+            <p:cNvSpPr/>
+            <p:nvPr/>
+          </p:nvSpPr>
+          <p:spPr>
+            <a:xfrm>
+              <a:off x="6921158" y="1417574"/>
+              <a:ext cx="144000" cy="144000"/>
+            </a:xfrm>
+            <a:prstGeom prst="ellipse">
+              <a:avLst/>
+            </a:prstGeom>
+            <a:solidFill>
+              <a:srgbClr val="FF0000"/>
+            </a:solidFill>
+            <a:ln>
+              <a:noFill/>
+            </a:ln>
+          </p:spPr>
+          <p:style>
+            <a:lnRef idx="2">
+              <a:schemeClr val="accent1">
+                <a:shade val="50000"/>
+              </a:schemeClr>
+            </a:lnRef>
+            <a:fillRef idx="1">
+              <a:schemeClr val="accent1"/>
+            </a:fillRef>
+            <a:effectRef idx="0">
+              <a:schemeClr val="accent1"/>
+            </a:effectRef>
+            <a:fontRef idx="minor">
+              <a:schemeClr val="lt1"/>
+            </a:fontRef>
+          </p:style>
+          <p:txBody>
+            <a:bodyPr anchor="ctr"/>
+            <a:lstStyle/>
+            <a:p>
+              <a:pPr algn="ctr">
+                <a:defRPr/>
+              </a:pPr>
+              <a:r>
+                <a:rPr lang="en-US" altLang="ko-KR" sz="800" b="1" dirty="0">
+                  <a:solidFill>
+                    <a:prstClr val="white"/>
+                  </a:solidFill>
+                </a:rPr>
+                <a:t>1</a:t>
+              </a:r>
+              <a:endParaRPr lang="ko-KR" altLang="en-US" sz="800" b="1" dirty="0">
+                <a:solidFill>
+                  <a:prstClr val="white"/>
+                </a:solidFill>
+              </a:endParaRPr>
+            </a:p>
+          </p:txBody>
+        </p:sp>
+      </p:grpSp>
+      <p:sp>
+        <p:nvSpPr>
+          <p:cNvPr id="75" name="직사각형 74"/>
+          <p:cNvSpPr/>
+          <p:nvPr/>
+        </p:nvSpPr>
+        <p:spPr>
+          <a:xfrm>
+            <a:off x="6863005" y="1571778"/>
+            <a:ext cx="2151810" cy="461665"/>
+          </a:xfrm>
+          <a:prstGeom prst="rect">
+            <a:avLst/>
+          </a:prstGeom>
+          <a:noFill/>
+        </p:spPr>
+        <p:txBody>
+          <a:bodyPr wrap="square">
+            <a:spAutoFit/>
+          </a:bodyPr>
+          <a:lstStyle/>
+          <a:p>
+            <a:pPr marL="180975" indent="-180975">
+              <a:buAutoNum type="arabicParenR"/>
+            </a:pPr>
+            <a:r>
+              <a:rPr lang="ko-KR" altLang="en-US" sz="800" dirty="0" err="1" smtClean="0">
+                <a:latin typeface="나눔고딕" pitchFamily="50" charset="-127"/>
+                <a:ea typeface="나눔고딕" pitchFamily="50" charset="-127"/>
+              </a:rPr>
+              <a:t>클러스터링된</a:t>
+            </a:r>
+            <a:r>
+              <a:rPr lang="ko-KR" altLang="en-US" sz="800" dirty="0" smtClean="0">
+                <a:latin typeface="나눔고딕" pitchFamily="50" charset="-127"/>
+                <a:ea typeface="나눔고딕" pitchFamily="50" charset="-127"/>
+              </a:rPr>
+              <a:t> </a:t>
+            </a:r>
+            <a:r>
+              <a:rPr lang="en-US" altLang="ko-KR" sz="800" dirty="0" smtClean="0">
+                <a:latin typeface="나눔고딕" pitchFamily="50" charset="-127"/>
+                <a:ea typeface="나눔고딕" pitchFamily="50" charset="-127"/>
+              </a:rPr>
+              <a:t>cluster </a:t>
+            </a:r>
+            <a:r>
+              <a:rPr lang="ko-KR" altLang="en-US" sz="800" dirty="0" smtClean="0">
+                <a:latin typeface="나눔고딕" pitchFamily="50" charset="-127"/>
+                <a:ea typeface="나눔고딕" pitchFamily="50" charset="-127"/>
+              </a:rPr>
+              <a:t>번호를 선택하면 해당 </a:t>
+            </a:r>
+            <a:r>
+              <a:rPr lang="en-US" altLang="ko-KR" sz="800" dirty="0" smtClean="0">
+                <a:latin typeface="나눔고딕" pitchFamily="50" charset="-127"/>
+                <a:ea typeface="나눔고딕" pitchFamily="50" charset="-127"/>
+              </a:rPr>
+              <a:t>cluster</a:t>
+            </a:r>
+            <a:r>
+              <a:rPr lang="ko-KR" altLang="en-US" sz="800" dirty="0" smtClean="0">
+                <a:latin typeface="나눔고딕" pitchFamily="50" charset="-127"/>
+                <a:ea typeface="나눔고딕" pitchFamily="50" charset="-127"/>
+              </a:rPr>
+              <a:t>에 속한 </a:t>
+            </a:r>
+            <a:r>
+              <a:rPr lang="en-US" altLang="ko-KR" sz="800" dirty="0" smtClean="0">
+                <a:latin typeface="나눔고딕" pitchFamily="50" charset="-127"/>
+                <a:ea typeface="나눔고딕" pitchFamily="50" charset="-127"/>
+              </a:rPr>
+              <a:t>My Friends </a:t>
+            </a:r>
+            <a:r>
+              <a:rPr lang="ko-KR" altLang="en-US" sz="800" dirty="0" smtClean="0">
+                <a:latin typeface="나눔고딕" pitchFamily="50" charset="-127"/>
+                <a:ea typeface="나눔고딕" pitchFamily="50" charset="-127"/>
+              </a:rPr>
+              <a:t>리스트를 아래 테이블에 표시한다</a:t>
+            </a:r>
+            <a:r>
+              <a:rPr lang="en-US" altLang="ko-KR" sz="800" dirty="0" smtClean="0">
+                <a:latin typeface="나눔고딕" pitchFamily="50" charset="-127"/>
+                <a:ea typeface="나눔고딕" pitchFamily="50" charset="-127"/>
+              </a:rPr>
+              <a:t>.</a:t>
+            </a:r>
+            <a:endParaRPr lang="en-US" altLang="ko-KR" sz="800" dirty="0" smtClean="0">
+              <a:latin typeface="나눔고딕" pitchFamily="50" charset="-127"/>
+              <a:ea typeface="나눔고딕" pitchFamily="50" charset="-127"/>
+            </a:endParaRPr>
           </a:p>
         </p:txBody>
       </p:sp>
@@ -11963,14 +12471,6 @@
               </a:rPr>
               <a:t>▼</a:t>
             </a:r>
-            <a:endParaRPr lang="ko-KR" altLang="en-US" sz="900" dirty="0">
-              <a:solidFill>
-                <a:schemeClr val="tx1">
-                  <a:lumMod val="50000"/>
-                  <a:lumOff val="50000"/>
-                </a:schemeClr>
-              </a:solidFill>
-            </a:endParaRPr>
           </a:p>
         </p:txBody>
       </p:sp>
@@ -17793,7 +18293,7 @@
         </p:nvSpPr>
         <p:spPr>
           <a:xfrm>
-            <a:off x="1005661" y="1916832"/>
+            <a:off x="232355" y="1628800"/>
             <a:ext cx="180976" cy="180975"/>
           </a:xfrm>
           <a:prstGeom prst="ellipse">
@@ -17878,66 +18378,6 @@
             <a:endParaRPr lang="ko-KR" altLang="en-US" sz="800" dirty="0">
               <a:latin typeface="나눔고딕" pitchFamily="50" charset="-127"/>
               <a:ea typeface="나눔고딕" pitchFamily="50" charset="-127"/>
-            </a:endParaRPr>
-          </a:p>
-        </p:txBody>
-      </p:sp>
-      <p:sp>
-        <p:nvSpPr>
-          <p:cNvPr id="122" name="Oval 251"/>
-          <p:cNvSpPr/>
-          <p:nvPr/>
-        </p:nvSpPr>
-        <p:spPr>
-          <a:xfrm>
-            <a:off x="5868144" y="1628800"/>
-            <a:ext cx="180976" cy="180975"/>
-          </a:xfrm>
-          <a:prstGeom prst="ellipse">
-            <a:avLst/>
-          </a:prstGeom>
-          <a:solidFill>
-            <a:srgbClr val="C00000"/>
-          </a:solidFill>
-          <a:ln>
-            <a:noFill/>
-          </a:ln>
-        </p:spPr>
-        <p:style>
-          <a:lnRef idx="2">
-            <a:schemeClr val="accent1">
-              <a:shade val="50000"/>
-            </a:schemeClr>
-          </a:lnRef>
-          <a:fillRef idx="1">
-            <a:schemeClr val="accent1"/>
-          </a:fillRef>
-          <a:effectRef idx="0">
-            <a:schemeClr val="accent1"/>
-          </a:effectRef>
-          <a:fontRef idx="minor">
-            <a:schemeClr val="lt1"/>
-          </a:fontRef>
-        </p:style>
-        <p:txBody>
-          <a:bodyPr anchor="ctr"/>
-          <a:lstStyle/>
-          <a:p>
-            <a:pPr algn="ctr">
-              <a:defRPr/>
-            </a:pPr>
-            <a:r>
-              <a:rPr lang="en-US" altLang="ko-KR" sz="800" b="1" dirty="0" smtClean="0">
-                <a:solidFill>
-                  <a:prstClr val="white"/>
-                </a:solidFill>
-              </a:rPr>
-              <a:t>4</a:t>
-            </a:r>
-            <a:endParaRPr lang="ko-KR" altLang="en-US" sz="800" b="1" dirty="0">
-              <a:solidFill>
-                <a:prstClr val="white"/>
-              </a:solidFill>
             </a:endParaRPr>
           </a:p>
         </p:txBody>
@@ -18087,6 +18527,2126 @@
           </a:p>
         </p:txBody>
       </p:sp>
+      <p:sp>
+        <p:nvSpPr>
+          <p:cNvPr id="21" name="Oval 251"/>
+          <p:cNvSpPr/>
+          <p:nvPr/>
+        </p:nvSpPr>
+        <p:spPr>
+          <a:xfrm>
+            <a:off x="5796136" y="1928533"/>
+            <a:ext cx="170118" cy="144000"/>
+          </a:xfrm>
+          <a:prstGeom prst="roundRect">
+            <a:avLst/>
+          </a:prstGeom>
+          <a:solidFill>
+            <a:schemeClr val="bg1">
+              <a:lumMod val="75000"/>
+            </a:schemeClr>
+          </a:solidFill>
+          <a:ln>
+            <a:noFill/>
+          </a:ln>
+        </p:spPr>
+        <p:style>
+          <a:lnRef idx="2">
+            <a:schemeClr val="accent1">
+              <a:shade val="50000"/>
+            </a:schemeClr>
+          </a:lnRef>
+          <a:fillRef idx="1">
+            <a:schemeClr val="accent1"/>
+          </a:fillRef>
+          <a:effectRef idx="0">
+            <a:schemeClr val="accent1"/>
+          </a:effectRef>
+          <a:fontRef idx="minor">
+            <a:schemeClr val="lt1"/>
+          </a:fontRef>
+        </p:style>
+        <p:txBody>
+          <a:bodyPr anchor="ctr"/>
+          <a:lstStyle/>
+          <a:p>
+            <a:pPr algn="ctr">
+              <a:defRPr/>
+            </a:pPr>
+            <a:endParaRPr lang="ko-KR" altLang="en-US" sz="800" b="1" dirty="0">
+              <a:solidFill>
+                <a:schemeClr val="bg1"/>
+              </a:solidFill>
+              <a:latin typeface="나눔고딕" pitchFamily="50" charset="-127"/>
+              <a:ea typeface="나눔고딕" pitchFamily="50" charset="-127"/>
+            </a:endParaRPr>
+          </a:p>
+        </p:txBody>
+      </p:sp>
+      <p:sp>
+        <p:nvSpPr>
+          <p:cNvPr id="22" name="Oval 251"/>
+          <p:cNvSpPr/>
+          <p:nvPr/>
+        </p:nvSpPr>
+        <p:spPr>
+          <a:xfrm>
+            <a:off x="6014545" y="1928533"/>
+            <a:ext cx="170118" cy="144000"/>
+          </a:xfrm>
+          <a:prstGeom prst="roundRect">
+            <a:avLst/>
+          </a:prstGeom>
+          <a:solidFill>
+            <a:schemeClr val="bg1">
+              <a:lumMod val="75000"/>
+            </a:schemeClr>
+          </a:solidFill>
+          <a:ln>
+            <a:noFill/>
+          </a:ln>
+        </p:spPr>
+        <p:style>
+          <a:lnRef idx="2">
+            <a:schemeClr val="accent1">
+              <a:shade val="50000"/>
+            </a:schemeClr>
+          </a:lnRef>
+          <a:fillRef idx="1">
+            <a:schemeClr val="accent1"/>
+          </a:fillRef>
+          <a:effectRef idx="0">
+            <a:schemeClr val="accent1"/>
+          </a:effectRef>
+          <a:fontRef idx="minor">
+            <a:schemeClr val="lt1"/>
+          </a:fontRef>
+        </p:style>
+        <p:txBody>
+          <a:bodyPr anchor="ctr"/>
+          <a:lstStyle/>
+          <a:p>
+            <a:pPr algn="ctr">
+              <a:defRPr/>
+            </a:pPr>
+            <a:endParaRPr lang="ko-KR" altLang="en-US" sz="800" b="1" dirty="0">
+              <a:solidFill>
+                <a:schemeClr val="bg1"/>
+              </a:solidFill>
+              <a:latin typeface="나눔고딕" pitchFamily="50" charset="-127"/>
+              <a:ea typeface="나눔고딕" pitchFamily="50" charset="-127"/>
+            </a:endParaRPr>
+          </a:p>
+        </p:txBody>
+      </p:sp>
+      <p:grpSp>
+        <p:nvGrpSpPr>
+          <p:cNvPr id="24" name="그룹 23"/>
+          <p:cNvGrpSpPr/>
+          <p:nvPr/>
+        </p:nvGrpSpPr>
+        <p:grpSpPr>
+          <a:xfrm>
+            <a:off x="6921158" y="2030853"/>
+            <a:ext cx="2102086" cy="215444"/>
+            <a:chOff x="6921158" y="1376044"/>
+            <a:chExt cx="2102086" cy="215444"/>
+          </a:xfrm>
+        </p:grpSpPr>
+        <p:sp>
+          <p:nvSpPr>
+            <p:cNvPr id="25" name="Text Box 37"/>
+            <p:cNvSpPr txBox="1">
+              <a:spLocks noChangeArrowheads="1"/>
+            </p:cNvSpPr>
+            <p:nvPr/>
+          </p:nvSpPr>
+          <p:spPr bwMode="auto">
+            <a:xfrm>
+              <a:off x="7065158" y="1376044"/>
+              <a:ext cx="1958086" cy="215444"/>
+            </a:xfrm>
+            <a:prstGeom prst="rect">
+              <a:avLst/>
+            </a:prstGeom>
+            <a:noFill/>
+            <a:ln w="9525" algn="ctr">
+              <a:noFill/>
+              <a:miter lim="800000"/>
+              <a:headEnd/>
+              <a:tailEnd/>
+            </a:ln>
+          </p:spPr>
+          <p:txBody>
+            <a:bodyPr wrap="square">
+              <a:spAutoFit/>
+            </a:bodyPr>
+            <a:lstStyle/>
+            <a:p>
+              <a:pPr algn="l" rtl="0" fontAlgn="base" latinLnBrk="1">
+                <a:spcBef>
+                  <a:spcPct val="0"/>
+                </a:spcBef>
+                <a:spcAft>
+                  <a:spcPct val="0"/>
+                </a:spcAft>
+              </a:pPr>
+              <a:r>
+                <a:rPr kumimoji="1" lang="en-US" altLang="ko-KR" sz="800" b="1" dirty="0" smtClean="0">
+                  <a:solidFill>
+                    <a:srgbClr val="000000"/>
+                  </a:solidFill>
+                  <a:latin typeface="나눔고딕" pitchFamily="50" charset="-127"/>
+                  <a:ea typeface="나눔고딕" pitchFamily="50" charset="-127"/>
+                </a:rPr>
+                <a:t>My Friends </a:t>
+              </a:r>
+              <a:r>
+                <a:rPr kumimoji="1" lang="ko-KR" altLang="en-US" sz="800" b="1" dirty="0" smtClean="0">
+                  <a:solidFill>
+                    <a:srgbClr val="000000"/>
+                  </a:solidFill>
+                  <a:latin typeface="나눔고딕" pitchFamily="50" charset="-127"/>
+                  <a:ea typeface="나눔고딕" pitchFamily="50" charset="-127"/>
+                </a:rPr>
+                <a:t>리스트 테이블</a:t>
+              </a:r>
+              <a:endParaRPr kumimoji="1" lang="ko-KR" altLang="en-US" sz="800" b="1" kern="1200" dirty="0">
+                <a:solidFill>
+                  <a:srgbClr val="000000"/>
+                </a:solidFill>
+                <a:latin typeface="나눔고딕" pitchFamily="50" charset="-127"/>
+                <a:ea typeface="나눔고딕" pitchFamily="50" charset="-127"/>
+                <a:cs typeface="+mn-cs"/>
+              </a:endParaRPr>
+            </a:p>
+          </p:txBody>
+        </p:sp>
+        <p:sp>
+          <p:nvSpPr>
+            <p:cNvPr id="26" name="Oval 251"/>
+            <p:cNvSpPr/>
+            <p:nvPr/>
+          </p:nvSpPr>
+          <p:spPr>
+            <a:xfrm>
+              <a:off x="6921158" y="1417574"/>
+              <a:ext cx="144000" cy="144000"/>
+            </a:xfrm>
+            <a:prstGeom prst="ellipse">
+              <a:avLst/>
+            </a:prstGeom>
+            <a:solidFill>
+              <a:srgbClr val="FF0000"/>
+            </a:solidFill>
+            <a:ln>
+              <a:noFill/>
+            </a:ln>
+          </p:spPr>
+          <p:style>
+            <a:lnRef idx="2">
+              <a:schemeClr val="accent1">
+                <a:shade val="50000"/>
+              </a:schemeClr>
+            </a:lnRef>
+            <a:fillRef idx="1">
+              <a:schemeClr val="accent1"/>
+            </a:fillRef>
+            <a:effectRef idx="0">
+              <a:schemeClr val="accent1"/>
+            </a:effectRef>
+            <a:fontRef idx="minor">
+              <a:schemeClr val="lt1"/>
+            </a:fontRef>
+          </p:style>
+          <p:txBody>
+            <a:bodyPr anchor="ctr"/>
+            <a:lstStyle/>
+            <a:p>
+              <a:pPr algn="ctr">
+                <a:defRPr/>
+              </a:pPr>
+              <a:r>
+                <a:rPr lang="en-US" altLang="ko-KR" sz="800" b="1" dirty="0" smtClean="0">
+                  <a:solidFill>
+                    <a:prstClr val="white"/>
+                  </a:solidFill>
+                </a:rPr>
+                <a:t>2</a:t>
+              </a:r>
+              <a:endParaRPr lang="ko-KR" altLang="en-US" sz="800" b="1" dirty="0">
+                <a:solidFill>
+                  <a:prstClr val="white"/>
+                </a:solidFill>
+              </a:endParaRPr>
+            </a:p>
+          </p:txBody>
+        </p:sp>
+      </p:grpSp>
+      <p:sp>
+        <p:nvSpPr>
+          <p:cNvPr id="27" name="직사각형 26"/>
+          <p:cNvSpPr/>
+          <p:nvPr/>
+        </p:nvSpPr>
+        <p:spPr>
+          <a:xfrm>
+            <a:off x="6863005" y="2226587"/>
+            <a:ext cx="2151810" cy="1323439"/>
+          </a:xfrm>
+          <a:prstGeom prst="rect">
+            <a:avLst/>
+          </a:prstGeom>
+          <a:noFill/>
+        </p:spPr>
+        <p:txBody>
+          <a:bodyPr wrap="square">
+            <a:spAutoFit/>
+          </a:bodyPr>
+          <a:lstStyle/>
+          <a:p>
+            <a:pPr marL="180975" indent="-180975">
+              <a:buAutoNum type="arabicParenR"/>
+            </a:pPr>
+            <a:r>
+              <a:rPr lang="ko-KR" altLang="en-US" sz="800" dirty="0" smtClean="0">
+                <a:latin typeface="나눔고딕" pitchFamily="50" charset="-127"/>
+                <a:ea typeface="나눔고딕" pitchFamily="50" charset="-127"/>
+              </a:rPr>
+              <a:t>테이블의 </a:t>
+            </a:r>
+            <a:r>
+              <a:rPr lang="ko-KR" altLang="en-US" sz="800" dirty="0" err="1" smtClean="0">
+                <a:latin typeface="나눔고딕" pitchFamily="50" charset="-127"/>
+                <a:ea typeface="나눔고딕" pitchFamily="50" charset="-127"/>
+              </a:rPr>
+              <a:t>컬럼</a:t>
+            </a:r>
+            <a:r>
+              <a:rPr lang="ko-KR" altLang="en-US" sz="800" dirty="0" smtClean="0">
+                <a:latin typeface="나눔고딕" pitchFamily="50" charset="-127"/>
+                <a:ea typeface="나눔고딕" pitchFamily="50" charset="-127"/>
+              </a:rPr>
+              <a:t> 헤더를 클릭하면 해당 </a:t>
+            </a:r>
+            <a:r>
+              <a:rPr lang="ko-KR" altLang="en-US" sz="800" dirty="0" err="1" smtClean="0">
+                <a:latin typeface="나눔고딕" pitchFamily="50" charset="-127"/>
+                <a:ea typeface="나눔고딕" pitchFamily="50" charset="-127"/>
+              </a:rPr>
+              <a:t>컬럼기준으로</a:t>
+            </a:r>
+            <a:r>
+              <a:rPr lang="ko-KR" altLang="en-US" sz="800" dirty="0" smtClean="0">
+                <a:latin typeface="나눔고딕" pitchFamily="50" charset="-127"/>
+                <a:ea typeface="나눔고딕" pitchFamily="50" charset="-127"/>
+              </a:rPr>
+              <a:t> 오름차순</a:t>
+            </a:r>
+            <a:r>
+              <a:rPr lang="en-US" altLang="ko-KR" sz="800" dirty="0" smtClean="0">
+                <a:latin typeface="나눔고딕" pitchFamily="50" charset="-127"/>
+                <a:ea typeface="나눔고딕" pitchFamily="50" charset="-127"/>
+              </a:rPr>
+              <a:t>/</a:t>
+            </a:r>
+            <a:r>
+              <a:rPr lang="ko-KR" altLang="en-US" sz="800" dirty="0" smtClean="0">
+                <a:latin typeface="나눔고딕" pitchFamily="50" charset="-127"/>
+                <a:ea typeface="나눔고딕" pitchFamily="50" charset="-127"/>
+              </a:rPr>
+              <a:t>내림차순으로 </a:t>
+            </a:r>
+            <a:r>
+              <a:rPr lang="ko-KR" altLang="en-US" sz="800" dirty="0" err="1" smtClean="0">
+                <a:latin typeface="나눔고딕" pitchFamily="50" charset="-127"/>
+                <a:ea typeface="나눔고딕" pitchFamily="50" charset="-127"/>
+              </a:rPr>
+              <a:t>소팅한다</a:t>
+            </a:r>
+            <a:r>
+              <a:rPr lang="en-US" altLang="ko-KR" sz="800" dirty="0" smtClean="0">
+                <a:latin typeface="나눔고딕" pitchFamily="50" charset="-127"/>
+                <a:ea typeface="나눔고딕" pitchFamily="50" charset="-127"/>
+              </a:rPr>
+              <a:t>.</a:t>
+            </a:r>
+          </a:p>
+          <a:p>
+            <a:pPr marL="180975" indent="-180975">
+              <a:buAutoNum type="arabicParenR"/>
+            </a:pPr>
+            <a:r>
+              <a:rPr lang="ko-KR" altLang="en-US" sz="800" dirty="0" smtClean="0">
+                <a:latin typeface="나눔고딕" pitchFamily="50" charset="-127"/>
+                <a:ea typeface="나눔고딕" pitchFamily="50" charset="-127"/>
+              </a:rPr>
+              <a:t>특정 </a:t>
+            </a:r>
+            <a:r>
+              <a:rPr lang="en-US" altLang="ko-KR" sz="800" dirty="0" smtClean="0">
+                <a:latin typeface="나눔고딕" pitchFamily="50" charset="-127"/>
+                <a:ea typeface="나눔고딕" pitchFamily="50" charset="-127"/>
+              </a:rPr>
+              <a:t>row</a:t>
+            </a:r>
+            <a:r>
+              <a:rPr lang="ko-KR" altLang="en-US" sz="800" dirty="0" smtClean="0">
+                <a:latin typeface="나눔고딕" pitchFamily="50" charset="-127"/>
+                <a:ea typeface="나눔고딕" pitchFamily="50" charset="-127"/>
+              </a:rPr>
+              <a:t>를 더블클릭 하면</a:t>
+            </a:r>
+            <a:r>
+              <a:rPr lang="en-US" altLang="ko-KR" sz="800" dirty="0" smtClean="0">
+                <a:latin typeface="나눔고딕" pitchFamily="50" charset="-127"/>
+                <a:ea typeface="나눔고딕" pitchFamily="50" charset="-127"/>
+              </a:rPr>
+              <a:t>, </a:t>
+            </a:r>
+            <a:r>
+              <a:rPr lang="ko-KR" altLang="en-US" sz="800" dirty="0" smtClean="0">
+                <a:latin typeface="나눔고딕" pitchFamily="50" charset="-127"/>
+                <a:ea typeface="나눔고딕" pitchFamily="50" charset="-127"/>
+              </a:rPr>
+              <a:t>하단의 </a:t>
+            </a:r>
+            <a:r>
+              <a:rPr lang="en-US" altLang="ko-KR" sz="800" dirty="0" smtClean="0">
+                <a:latin typeface="나눔고딕" pitchFamily="50" charset="-127"/>
+                <a:ea typeface="나눔고딕" pitchFamily="50" charset="-127"/>
+              </a:rPr>
+              <a:t>[Friends of Friend(</a:t>
+            </a:r>
+            <a:r>
+              <a:rPr lang="ko-KR" altLang="en-US" sz="800" dirty="0" smtClean="0">
+                <a:latin typeface="나눔고딕" pitchFamily="50" charset="-127"/>
+                <a:ea typeface="나눔고딕" pitchFamily="50" charset="-127"/>
+              </a:rPr>
+              <a:t>선택된 친구이름표시</a:t>
+            </a:r>
+            <a:r>
+              <a:rPr lang="en-US" altLang="ko-KR" sz="800" dirty="0" smtClean="0">
+                <a:latin typeface="나눔고딕" pitchFamily="50" charset="-127"/>
+                <a:ea typeface="나눔고딕" pitchFamily="50" charset="-127"/>
+              </a:rPr>
+              <a:t>)] </a:t>
+            </a:r>
+            <a:r>
+              <a:rPr lang="ko-KR" altLang="en-US" sz="800" dirty="0" smtClean="0">
+                <a:latin typeface="나눔고딕" pitchFamily="50" charset="-127"/>
+                <a:ea typeface="나눔고딕" pitchFamily="50" charset="-127"/>
+              </a:rPr>
+              <a:t>테이블에 나와 상호친구 리스트를 표시하고</a:t>
+            </a:r>
+            <a:r>
+              <a:rPr lang="en-US" altLang="ko-KR" sz="800" dirty="0" smtClean="0">
+                <a:latin typeface="나눔고딕" pitchFamily="50" charset="-127"/>
+                <a:ea typeface="나눔고딕" pitchFamily="50" charset="-127"/>
+              </a:rPr>
+              <a:t>, [Friend(</a:t>
+            </a:r>
+            <a:r>
+              <a:rPr lang="ko-KR" altLang="en-US" sz="800" dirty="0" smtClean="0">
+                <a:latin typeface="나눔고딕" pitchFamily="50" charset="-127"/>
+                <a:ea typeface="나눔고딕" pitchFamily="50" charset="-127"/>
+              </a:rPr>
+              <a:t>선택된 친구이름표시</a:t>
+            </a:r>
+            <a:r>
+              <a:rPr lang="en-US" altLang="ko-KR" sz="800" dirty="0" smtClean="0">
+                <a:latin typeface="나눔고딕" pitchFamily="50" charset="-127"/>
+                <a:ea typeface="나눔고딕" pitchFamily="50" charset="-127"/>
+              </a:rPr>
+              <a:t>) may know] </a:t>
+            </a:r>
+            <a:r>
+              <a:rPr lang="ko-KR" altLang="en-US" sz="800" dirty="0" smtClean="0">
+                <a:latin typeface="나눔고딕" pitchFamily="50" charset="-127"/>
+                <a:ea typeface="나눔고딕" pitchFamily="50" charset="-127"/>
+              </a:rPr>
+              <a:t>테이블에 동일한 </a:t>
+            </a:r>
+            <a:r>
+              <a:rPr lang="en-US" altLang="ko-KR" sz="800" dirty="0" smtClean="0">
+                <a:latin typeface="나눔고딕" pitchFamily="50" charset="-127"/>
+                <a:ea typeface="나눔고딕" pitchFamily="50" charset="-127"/>
+              </a:rPr>
+              <a:t>cluster</a:t>
+            </a:r>
+            <a:r>
+              <a:rPr lang="ko-KR" altLang="en-US" sz="800" dirty="0" smtClean="0">
+                <a:latin typeface="나눔고딕" pitchFamily="50" charset="-127"/>
+                <a:ea typeface="나눔고딕" pitchFamily="50" charset="-127"/>
+              </a:rPr>
+              <a:t>에 속한 친구의 친구가 아닌 사람들 리스트를 표시한다</a:t>
+            </a:r>
+            <a:r>
+              <a:rPr lang="en-US" altLang="ko-KR" sz="800" dirty="0" smtClean="0">
+                <a:latin typeface="나눔고딕" pitchFamily="50" charset="-127"/>
+                <a:ea typeface="나눔고딕" pitchFamily="50" charset="-127"/>
+              </a:rPr>
+              <a:t>.</a:t>
+            </a:r>
+            <a:endParaRPr lang="en-US" altLang="ko-KR" sz="800" dirty="0" smtClean="0">
+              <a:latin typeface="나눔고딕" pitchFamily="50" charset="-127"/>
+              <a:ea typeface="나눔고딕" pitchFamily="50" charset="-127"/>
+            </a:endParaRPr>
+          </a:p>
+        </p:txBody>
+      </p:sp>
+      <p:grpSp>
+        <p:nvGrpSpPr>
+          <p:cNvPr id="28" name="그룹 27"/>
+          <p:cNvGrpSpPr/>
+          <p:nvPr/>
+        </p:nvGrpSpPr>
+        <p:grpSpPr>
+          <a:xfrm>
+            <a:off x="6921158" y="3563689"/>
+            <a:ext cx="2102086" cy="338554"/>
+            <a:chOff x="6921158" y="1376044"/>
+            <a:chExt cx="2102086" cy="338554"/>
+          </a:xfrm>
+        </p:grpSpPr>
+        <p:sp>
+          <p:nvSpPr>
+            <p:cNvPr id="29" name="Text Box 37"/>
+            <p:cNvSpPr txBox="1">
+              <a:spLocks noChangeArrowheads="1"/>
+            </p:cNvSpPr>
+            <p:nvPr/>
+          </p:nvSpPr>
+          <p:spPr bwMode="auto">
+            <a:xfrm>
+              <a:off x="7065158" y="1376044"/>
+              <a:ext cx="1958086" cy="338554"/>
+            </a:xfrm>
+            <a:prstGeom prst="rect">
+              <a:avLst/>
+            </a:prstGeom>
+            <a:noFill/>
+            <a:ln w="9525" algn="ctr">
+              <a:noFill/>
+              <a:miter lim="800000"/>
+              <a:headEnd/>
+              <a:tailEnd/>
+            </a:ln>
+          </p:spPr>
+          <p:txBody>
+            <a:bodyPr wrap="square">
+              <a:spAutoFit/>
+            </a:bodyPr>
+            <a:lstStyle/>
+            <a:p>
+              <a:pPr algn="l" rtl="0" fontAlgn="base" latinLnBrk="1">
+                <a:spcBef>
+                  <a:spcPct val="0"/>
+                </a:spcBef>
+                <a:spcAft>
+                  <a:spcPct val="0"/>
+                </a:spcAft>
+              </a:pPr>
+              <a:r>
+                <a:rPr kumimoji="1" lang="en-US" altLang="ko-KR" sz="800" b="1" dirty="0" smtClean="0">
+                  <a:solidFill>
+                    <a:srgbClr val="000000"/>
+                  </a:solidFill>
+                  <a:latin typeface="나눔고딕" pitchFamily="50" charset="-127"/>
+                  <a:ea typeface="나눔고딕" pitchFamily="50" charset="-127"/>
+                </a:rPr>
+                <a:t>[Find friends of friend who are not my friends &amp; Rank them all] </a:t>
+              </a:r>
+              <a:r>
+                <a:rPr kumimoji="1" lang="ko-KR" altLang="en-US" sz="800" b="1" dirty="0" smtClean="0">
+                  <a:solidFill>
+                    <a:srgbClr val="000000"/>
+                  </a:solidFill>
+                  <a:latin typeface="나눔고딕" pitchFamily="50" charset="-127"/>
+                  <a:ea typeface="나눔고딕" pitchFamily="50" charset="-127"/>
+                </a:rPr>
+                <a:t>버튼</a:t>
+              </a:r>
+              <a:endParaRPr kumimoji="1" lang="ko-KR" altLang="en-US" sz="800" b="1" kern="1200" dirty="0">
+                <a:solidFill>
+                  <a:srgbClr val="000000"/>
+                </a:solidFill>
+                <a:latin typeface="나눔고딕" pitchFamily="50" charset="-127"/>
+                <a:ea typeface="나눔고딕" pitchFamily="50" charset="-127"/>
+                <a:cs typeface="+mn-cs"/>
+              </a:endParaRPr>
+            </a:p>
+          </p:txBody>
+        </p:sp>
+        <p:sp>
+          <p:nvSpPr>
+            <p:cNvPr id="30" name="Oval 251"/>
+            <p:cNvSpPr/>
+            <p:nvPr/>
+          </p:nvSpPr>
+          <p:spPr>
+            <a:xfrm>
+              <a:off x="6921158" y="1417574"/>
+              <a:ext cx="144000" cy="144000"/>
+            </a:xfrm>
+            <a:prstGeom prst="ellipse">
+              <a:avLst/>
+            </a:prstGeom>
+            <a:solidFill>
+              <a:srgbClr val="FF0000"/>
+            </a:solidFill>
+            <a:ln>
+              <a:noFill/>
+            </a:ln>
+          </p:spPr>
+          <p:style>
+            <a:lnRef idx="2">
+              <a:schemeClr val="accent1">
+                <a:shade val="50000"/>
+              </a:schemeClr>
+            </a:lnRef>
+            <a:fillRef idx="1">
+              <a:schemeClr val="accent1"/>
+            </a:fillRef>
+            <a:effectRef idx="0">
+              <a:schemeClr val="accent1"/>
+            </a:effectRef>
+            <a:fontRef idx="minor">
+              <a:schemeClr val="lt1"/>
+            </a:fontRef>
+          </p:style>
+          <p:txBody>
+            <a:bodyPr anchor="ctr"/>
+            <a:lstStyle/>
+            <a:p>
+              <a:pPr algn="ctr">
+                <a:defRPr/>
+              </a:pPr>
+              <a:r>
+                <a:rPr lang="en-US" altLang="ko-KR" sz="800" b="1" dirty="0" smtClean="0">
+                  <a:solidFill>
+                    <a:prstClr val="white"/>
+                  </a:solidFill>
+                </a:rPr>
+                <a:t>4</a:t>
+              </a:r>
+              <a:endParaRPr lang="ko-KR" altLang="en-US" sz="800" b="1" dirty="0">
+                <a:solidFill>
+                  <a:prstClr val="white"/>
+                </a:solidFill>
+              </a:endParaRPr>
+            </a:p>
+          </p:txBody>
+        </p:sp>
+      </p:grpSp>
+      <p:sp>
+        <p:nvSpPr>
+          <p:cNvPr id="31" name="직사각형 30"/>
+          <p:cNvSpPr/>
+          <p:nvPr/>
+        </p:nvSpPr>
+        <p:spPr>
+          <a:xfrm>
+            <a:off x="6863005" y="3903439"/>
+            <a:ext cx="2151810" cy="1569660"/>
+          </a:xfrm>
+          <a:prstGeom prst="rect">
+            <a:avLst/>
+          </a:prstGeom>
+          <a:noFill/>
+        </p:spPr>
+        <p:txBody>
+          <a:bodyPr wrap="square">
+            <a:spAutoFit/>
+          </a:bodyPr>
+          <a:lstStyle/>
+          <a:p>
+            <a:pPr marL="180975" indent="-180975">
+              <a:buAutoNum type="arabicParenR"/>
+            </a:pPr>
+            <a:r>
+              <a:rPr lang="ko-KR" altLang="en-US" sz="800" dirty="0" smtClean="0">
+                <a:latin typeface="나눔고딕" pitchFamily="50" charset="-127"/>
+                <a:ea typeface="나눔고딕" pitchFamily="50" charset="-127"/>
+              </a:rPr>
+              <a:t>특정기간</a:t>
+            </a:r>
+            <a:r>
+              <a:rPr lang="en-US" altLang="ko-KR" sz="800" dirty="0">
+                <a:latin typeface="나눔고딕" pitchFamily="50" charset="-127"/>
+                <a:ea typeface="나눔고딕" pitchFamily="50" charset="-127"/>
+              </a:rPr>
+              <a:t>(1</a:t>
+            </a:r>
+            <a:r>
+              <a:rPr lang="ko-KR" altLang="en-US" sz="800" dirty="0">
+                <a:latin typeface="나눔고딕" pitchFamily="50" charset="-127"/>
+                <a:ea typeface="나눔고딕" pitchFamily="50" charset="-127"/>
+              </a:rPr>
+              <a:t>개월</a:t>
+            </a:r>
+            <a:r>
+              <a:rPr lang="en-US" altLang="ko-KR" sz="800" dirty="0">
+                <a:latin typeface="나눔고딕" pitchFamily="50" charset="-127"/>
+                <a:ea typeface="나눔고딕" pitchFamily="50" charset="-127"/>
+              </a:rPr>
+              <a:t>)</a:t>
+            </a:r>
+            <a:r>
+              <a:rPr lang="ko-KR" altLang="en-US" sz="800" dirty="0">
+                <a:latin typeface="나눔고딕" pitchFamily="50" charset="-127"/>
+                <a:ea typeface="나눔고딕" pitchFamily="50" charset="-127"/>
+              </a:rPr>
+              <a:t>동안 내 친구의 </a:t>
+            </a:r>
+            <a:r>
+              <a:rPr lang="en-US" altLang="ko-KR" sz="800" dirty="0">
+                <a:latin typeface="나눔고딕" pitchFamily="50" charset="-127"/>
+                <a:ea typeface="나눔고딕" pitchFamily="50" charset="-127"/>
+              </a:rPr>
+              <a:t>post(status, link, photo, video)</a:t>
+            </a:r>
+            <a:r>
+              <a:rPr lang="ko-KR" altLang="en-US" sz="800" dirty="0">
+                <a:latin typeface="나눔고딕" pitchFamily="50" charset="-127"/>
+                <a:ea typeface="나눔고딕" pitchFamily="50" charset="-127"/>
+              </a:rPr>
+              <a:t>에 </a:t>
+            </a:r>
+            <a:r>
+              <a:rPr lang="en-US" altLang="ko-KR" sz="800" dirty="0">
+                <a:latin typeface="나눔고딕" pitchFamily="50" charset="-127"/>
+                <a:ea typeface="나눔고딕" pitchFamily="50" charset="-127"/>
+              </a:rPr>
+              <a:t>comment , like</a:t>
+            </a:r>
+            <a:r>
+              <a:rPr lang="ko-KR" altLang="en-US" sz="800" dirty="0">
+                <a:latin typeface="나눔고딕" pitchFamily="50" charset="-127"/>
+                <a:ea typeface="나눔고딕" pitchFamily="50" charset="-127"/>
+              </a:rPr>
+              <a:t>를 한 </a:t>
+            </a:r>
+            <a:r>
+              <a:rPr lang="ko-KR" altLang="en-US" sz="800" dirty="0" smtClean="0">
+                <a:latin typeface="나눔고딕" pitchFamily="50" charset="-127"/>
+                <a:ea typeface="나눔고딕" pitchFamily="50" charset="-127"/>
+              </a:rPr>
+              <a:t>친구의 친구들의 </a:t>
+            </a:r>
+            <a:r>
+              <a:rPr lang="en-US" altLang="ko-KR" sz="800" dirty="0">
+                <a:latin typeface="나눔고딕" pitchFamily="50" charset="-127"/>
+                <a:ea typeface="나눔고딕" pitchFamily="50" charset="-127"/>
+              </a:rPr>
+              <a:t>count </a:t>
+            </a:r>
+            <a:r>
+              <a:rPr lang="ko-KR" altLang="en-US" sz="800" dirty="0" smtClean="0">
+                <a:latin typeface="나눔고딕" pitchFamily="50" charset="-127"/>
+                <a:ea typeface="나눔고딕" pitchFamily="50" charset="-127"/>
+              </a:rPr>
+              <a:t>집계하여 </a:t>
+            </a:r>
+            <a:r>
+              <a:rPr lang="en-US" altLang="ko-KR" sz="800" dirty="0" smtClean="0">
+                <a:latin typeface="나눔고딕" pitchFamily="50" charset="-127"/>
+                <a:ea typeface="나눔고딕" pitchFamily="50" charset="-127"/>
+              </a:rPr>
+              <a:t>ranking </a:t>
+            </a:r>
+            <a:r>
+              <a:rPr lang="ko-KR" altLang="en-US" sz="800" dirty="0" smtClean="0">
+                <a:latin typeface="나눔고딕" pitchFamily="50" charset="-127"/>
+                <a:ea typeface="나눔고딕" pitchFamily="50" charset="-127"/>
+              </a:rPr>
+              <a:t>정보를 </a:t>
+            </a:r>
+            <a:r>
+              <a:rPr lang="en-US" altLang="ko-KR" sz="800" dirty="0" smtClean="0">
+                <a:latin typeface="나눔고딕" pitchFamily="50" charset="-127"/>
+                <a:ea typeface="나눔고딕" pitchFamily="50" charset="-127"/>
+              </a:rPr>
+              <a:t>[Friends of Friend]</a:t>
+            </a:r>
+            <a:r>
+              <a:rPr lang="ko-KR" altLang="en-US" sz="800" dirty="0" smtClean="0">
+                <a:latin typeface="나눔고딕" pitchFamily="50" charset="-127"/>
+                <a:ea typeface="나눔고딕" pitchFamily="50" charset="-127"/>
+              </a:rPr>
+              <a:t>테이블에 표시한다</a:t>
+            </a:r>
+            <a:r>
+              <a:rPr lang="en-US" altLang="ko-KR" sz="800" dirty="0" smtClean="0">
+                <a:latin typeface="나눔고딕" pitchFamily="50" charset="-127"/>
+                <a:ea typeface="나눔고딕" pitchFamily="50" charset="-127"/>
+              </a:rPr>
+              <a:t>.</a:t>
+            </a:r>
+          </a:p>
+          <a:p>
+            <a:pPr marL="180975" indent="-180975">
+              <a:buAutoNum type="arabicParenR"/>
+            </a:pPr>
+            <a:r>
+              <a:rPr lang="ko-KR" altLang="en-US" sz="800" dirty="0" smtClean="0">
+                <a:latin typeface="나눔고딕" pitchFamily="50" charset="-127"/>
+                <a:ea typeface="나눔고딕" pitchFamily="50" charset="-127"/>
+              </a:rPr>
+              <a:t>위에서 내 친구가 아닌 친구의 친구들 까지 찾아내어 리스트에 표시한다</a:t>
+            </a:r>
+            <a:r>
+              <a:rPr lang="en-US" altLang="ko-KR" sz="800" dirty="0" smtClean="0">
+                <a:latin typeface="나눔고딕" pitchFamily="50" charset="-127"/>
+                <a:ea typeface="나눔고딕" pitchFamily="50" charset="-127"/>
+              </a:rPr>
+              <a:t>.</a:t>
+            </a:r>
+          </a:p>
+          <a:p>
+            <a:pPr marL="180975" indent="-180975">
+              <a:buAutoNum type="arabicParenR"/>
+            </a:pPr>
+            <a:r>
+              <a:rPr lang="ko-KR" altLang="en-US" sz="800" dirty="0" smtClean="0">
+                <a:latin typeface="나눔고딕" pitchFamily="50" charset="-127"/>
+                <a:ea typeface="나눔고딕" pitchFamily="50" charset="-127"/>
+              </a:rPr>
+              <a:t>이때</a:t>
+            </a:r>
+            <a:r>
+              <a:rPr lang="en-US" altLang="ko-KR" sz="800" dirty="0" smtClean="0">
+                <a:latin typeface="나눔고딕" pitchFamily="50" charset="-127"/>
+                <a:ea typeface="나눔고딕" pitchFamily="50" charset="-127"/>
+              </a:rPr>
+              <a:t>, [Graph Area]</a:t>
+            </a:r>
+            <a:r>
+              <a:rPr lang="ko-KR" altLang="en-US" sz="800" dirty="0" smtClean="0">
+                <a:latin typeface="나눔고딕" pitchFamily="50" charset="-127"/>
+                <a:ea typeface="나눔고딕" pitchFamily="50" charset="-127"/>
+              </a:rPr>
+              <a:t>에 내 친구가 아닌 친구의 친구들 </a:t>
+            </a:r>
+            <a:r>
+              <a:rPr lang="en-US" altLang="ko-KR" sz="800" dirty="0" smtClean="0">
+                <a:latin typeface="나눔고딕" pitchFamily="50" charset="-127"/>
+                <a:ea typeface="나눔고딕" pitchFamily="50" charset="-127"/>
+              </a:rPr>
+              <a:t>node, edge</a:t>
+            </a:r>
+            <a:r>
+              <a:rPr lang="ko-KR" altLang="en-US" sz="800" dirty="0" smtClean="0">
+                <a:latin typeface="나눔고딕" pitchFamily="50" charset="-127"/>
+                <a:ea typeface="나눔고딕" pitchFamily="50" charset="-127"/>
+              </a:rPr>
+              <a:t>들을 그래프상에 추가한다</a:t>
+            </a:r>
+            <a:r>
+              <a:rPr lang="en-US" altLang="ko-KR" sz="800" dirty="0" smtClean="0">
+                <a:latin typeface="나눔고딕" pitchFamily="50" charset="-127"/>
+                <a:ea typeface="나눔고딕" pitchFamily="50" charset="-127"/>
+              </a:rPr>
+              <a:t>.</a:t>
+            </a:r>
+          </a:p>
+          <a:p>
+            <a:pPr marL="180975" indent="-180975">
+              <a:buAutoNum type="arabicParenR"/>
+            </a:pPr>
+            <a:r>
+              <a:rPr lang="ko-KR" altLang="en-US" sz="800" dirty="0" smtClean="0">
+                <a:latin typeface="나눔고딕" pitchFamily="50" charset="-127"/>
+                <a:ea typeface="나눔고딕" pitchFamily="50" charset="-127"/>
+              </a:rPr>
+              <a:t>자세한 내용은 </a:t>
+            </a:r>
+            <a:r>
+              <a:rPr lang="en-US" altLang="ko-KR" sz="800" dirty="0" smtClean="0">
+                <a:latin typeface="나눔고딕" pitchFamily="50" charset="-127"/>
+                <a:ea typeface="나눔고딕" pitchFamily="50" charset="-127"/>
+              </a:rPr>
+              <a:t>“Friends of Friend” </a:t>
+            </a:r>
+            <a:r>
+              <a:rPr lang="ko-KR" altLang="en-US" sz="800" dirty="0" smtClean="0">
+                <a:latin typeface="나눔고딕" pitchFamily="50" charset="-127"/>
+                <a:ea typeface="나눔고딕" pitchFamily="50" charset="-127"/>
+              </a:rPr>
+              <a:t>화면 참조</a:t>
+            </a:r>
+            <a:endParaRPr lang="en-US" altLang="ko-KR" sz="800" dirty="0" smtClean="0">
+              <a:latin typeface="나눔고딕" pitchFamily="50" charset="-127"/>
+              <a:ea typeface="나눔고딕" pitchFamily="50" charset="-127"/>
+            </a:endParaRPr>
+          </a:p>
+        </p:txBody>
+      </p:sp>
+      <p:sp>
+        <p:nvSpPr>
+          <p:cNvPr id="32" name="Rectangle 7"/>
+          <p:cNvSpPr>
+            <a:spLocks noChangeArrowheads="1"/>
+          </p:cNvSpPr>
+          <p:nvPr/>
+        </p:nvSpPr>
+        <p:spPr bwMode="auto">
+          <a:xfrm>
+            <a:off x="891977" y="3707125"/>
+            <a:ext cx="5616623" cy="1666091"/>
+          </a:xfrm>
+          <a:prstGeom prst="rect">
+            <a:avLst/>
+          </a:prstGeom>
+          <a:noFill/>
+          <a:ln w="9525" algn="ctr">
+            <a:solidFill>
+              <a:srgbClr val="C0C0C0"/>
+            </a:solidFill>
+            <a:miter lim="800000"/>
+            <a:headEnd/>
+            <a:tailEnd/>
+          </a:ln>
+          <a:effectLst/>
+        </p:spPr>
+        <p:txBody>
+          <a:bodyPr wrap="none" anchor="ctr"/>
+          <a:lstStyle/>
+          <a:p>
+            <a:pPr>
+              <a:defRPr/>
+            </a:pPr>
+            <a:endParaRPr lang="ko-KR" altLang="en-US" dirty="0">
+              <a:solidFill>
+                <a:prstClr val="black"/>
+              </a:solidFill>
+              <a:latin typeface="나눔고딕" pitchFamily="50" charset="-127"/>
+              <a:ea typeface="나눔고딕" pitchFamily="50" charset="-127"/>
+            </a:endParaRPr>
+          </a:p>
+        </p:txBody>
+      </p:sp>
+      <p:sp>
+        <p:nvSpPr>
+          <p:cNvPr id="33" name="Rectangle 9"/>
+          <p:cNvSpPr>
+            <a:spLocks noChangeArrowheads="1"/>
+          </p:cNvSpPr>
+          <p:nvPr/>
+        </p:nvSpPr>
+        <p:spPr bwMode="auto">
+          <a:xfrm>
+            <a:off x="900407" y="3707125"/>
+            <a:ext cx="5616623" cy="211122"/>
+          </a:xfrm>
+          <a:prstGeom prst="rect">
+            <a:avLst/>
+          </a:prstGeom>
+          <a:solidFill>
+            <a:srgbClr val="000000"/>
+          </a:solidFill>
+          <a:ln w="9525">
+            <a:noFill/>
+            <a:miter lim="800000"/>
+            <a:headEnd/>
+            <a:tailEnd/>
+          </a:ln>
+          <a:effectLst/>
+        </p:spPr>
+        <p:txBody>
+          <a:bodyPr wrap="none" anchor="ctr"/>
+          <a:lstStyle/>
+          <a:p>
+            <a:pPr>
+              <a:defRPr/>
+            </a:pPr>
+            <a:r>
+              <a:rPr lang="en-US" altLang="ko-KR" sz="900" b="1" dirty="0">
+                <a:solidFill>
+                  <a:prstClr val="white"/>
+                </a:solidFill>
+                <a:latin typeface="Arial" charset="0"/>
+                <a:ea typeface="나눔고딕" pitchFamily="50" charset="-127"/>
+              </a:rPr>
+              <a:t>Description</a:t>
+            </a:r>
+          </a:p>
+        </p:txBody>
+      </p:sp>
+      <p:grpSp>
+        <p:nvGrpSpPr>
+          <p:cNvPr id="34" name="그룹 33"/>
+          <p:cNvGrpSpPr/>
+          <p:nvPr/>
+        </p:nvGrpSpPr>
+        <p:grpSpPr>
+          <a:xfrm>
+            <a:off x="957745" y="4041358"/>
+            <a:ext cx="2102086" cy="215444"/>
+            <a:chOff x="6921158" y="1376044"/>
+            <a:chExt cx="2102086" cy="215444"/>
+          </a:xfrm>
+        </p:grpSpPr>
+        <p:sp>
+          <p:nvSpPr>
+            <p:cNvPr id="35" name="Text Box 37"/>
+            <p:cNvSpPr txBox="1">
+              <a:spLocks noChangeArrowheads="1"/>
+            </p:cNvSpPr>
+            <p:nvPr/>
+          </p:nvSpPr>
+          <p:spPr bwMode="auto">
+            <a:xfrm>
+              <a:off x="7065158" y="1376044"/>
+              <a:ext cx="1958086" cy="215444"/>
+            </a:xfrm>
+            <a:prstGeom prst="rect">
+              <a:avLst/>
+            </a:prstGeom>
+            <a:noFill/>
+            <a:ln w="9525" algn="ctr">
+              <a:noFill/>
+              <a:miter lim="800000"/>
+              <a:headEnd/>
+              <a:tailEnd/>
+            </a:ln>
+          </p:spPr>
+          <p:txBody>
+            <a:bodyPr wrap="square">
+              <a:spAutoFit/>
+            </a:bodyPr>
+            <a:lstStyle/>
+            <a:p>
+              <a:pPr algn="l" rtl="0" fontAlgn="base" latinLnBrk="1">
+                <a:spcBef>
+                  <a:spcPct val="0"/>
+                </a:spcBef>
+                <a:spcAft>
+                  <a:spcPct val="0"/>
+                </a:spcAft>
+              </a:pPr>
+              <a:r>
+                <a:rPr kumimoji="1" lang="en-US" altLang="ko-KR" sz="800" b="1" dirty="0" smtClean="0">
+                  <a:solidFill>
+                    <a:srgbClr val="000000"/>
+                  </a:solidFill>
+                  <a:latin typeface="나눔고딕" pitchFamily="50" charset="-127"/>
+                  <a:ea typeface="나눔고딕" pitchFamily="50" charset="-127"/>
+                </a:rPr>
+                <a:t>Ranking Result </a:t>
+              </a:r>
+              <a:r>
+                <a:rPr kumimoji="1" lang="ko-KR" altLang="en-US" sz="800" b="1" dirty="0" smtClean="0">
+                  <a:solidFill>
+                    <a:srgbClr val="000000"/>
+                  </a:solidFill>
+                  <a:latin typeface="나눔고딕" pitchFamily="50" charset="-127"/>
+                  <a:ea typeface="나눔고딕" pitchFamily="50" charset="-127"/>
+                </a:rPr>
+                <a:t>필드 설명</a:t>
+              </a:r>
+              <a:endParaRPr kumimoji="1" lang="ko-KR" altLang="en-US" sz="800" b="1" kern="1200" dirty="0">
+                <a:solidFill>
+                  <a:srgbClr val="000000"/>
+                </a:solidFill>
+                <a:latin typeface="나눔고딕" pitchFamily="50" charset="-127"/>
+                <a:ea typeface="나눔고딕" pitchFamily="50" charset="-127"/>
+                <a:cs typeface="+mn-cs"/>
+              </a:endParaRPr>
+            </a:p>
+          </p:txBody>
+        </p:sp>
+        <p:sp>
+          <p:nvSpPr>
+            <p:cNvPr id="36" name="Oval 251"/>
+            <p:cNvSpPr/>
+            <p:nvPr/>
+          </p:nvSpPr>
+          <p:spPr>
+            <a:xfrm>
+              <a:off x="6921158" y="1417574"/>
+              <a:ext cx="144000" cy="144000"/>
+            </a:xfrm>
+            <a:prstGeom prst="ellipse">
+              <a:avLst/>
+            </a:prstGeom>
+            <a:solidFill>
+              <a:srgbClr val="FF0000"/>
+            </a:solidFill>
+            <a:ln>
+              <a:noFill/>
+            </a:ln>
+          </p:spPr>
+          <p:style>
+            <a:lnRef idx="2">
+              <a:schemeClr val="accent1">
+                <a:shade val="50000"/>
+              </a:schemeClr>
+            </a:lnRef>
+            <a:fillRef idx="1">
+              <a:schemeClr val="accent1"/>
+            </a:fillRef>
+            <a:effectRef idx="0">
+              <a:schemeClr val="accent1"/>
+            </a:effectRef>
+            <a:fontRef idx="minor">
+              <a:schemeClr val="lt1"/>
+            </a:fontRef>
+          </p:style>
+          <p:txBody>
+            <a:bodyPr anchor="ctr"/>
+            <a:lstStyle/>
+            <a:p>
+              <a:pPr algn="ctr">
+                <a:defRPr/>
+              </a:pPr>
+              <a:r>
+                <a:rPr lang="en-US" altLang="ko-KR" sz="800" b="1" dirty="0" smtClean="0">
+                  <a:solidFill>
+                    <a:prstClr val="white"/>
+                  </a:solidFill>
+                </a:rPr>
+                <a:t>3</a:t>
+              </a:r>
+              <a:endParaRPr lang="ko-KR" altLang="en-US" sz="800" b="1" dirty="0">
+                <a:solidFill>
+                  <a:prstClr val="white"/>
+                </a:solidFill>
+              </a:endParaRPr>
+            </a:p>
+          </p:txBody>
+        </p:sp>
+      </p:grpSp>
+      <p:sp>
+        <p:nvSpPr>
+          <p:cNvPr id="37" name="직사각형 36"/>
+          <p:cNvSpPr/>
+          <p:nvPr/>
+        </p:nvSpPr>
+        <p:spPr>
+          <a:xfrm>
+            <a:off x="899592" y="4237092"/>
+            <a:ext cx="5609008" cy="954107"/>
+          </a:xfrm>
+          <a:prstGeom prst="rect">
+            <a:avLst/>
+          </a:prstGeom>
+          <a:noFill/>
+        </p:spPr>
+        <p:txBody>
+          <a:bodyPr wrap="square">
+            <a:spAutoFit/>
+          </a:bodyPr>
+          <a:lstStyle/>
+          <a:p>
+            <a:pPr marL="180975" indent="-180975">
+              <a:buAutoNum type="arabicParenR"/>
+            </a:pPr>
+            <a:r>
+              <a:rPr lang="en-US" altLang="ko-KR" sz="800" dirty="0" smtClean="0">
+                <a:solidFill>
+                  <a:srgbClr val="0070C0"/>
+                </a:solidFill>
+                <a:latin typeface="나눔고딕" pitchFamily="50" charset="-127"/>
+                <a:ea typeface="나눔고딕" pitchFamily="50" charset="-127"/>
+              </a:rPr>
+              <a:t>Friend’s comment</a:t>
+            </a:r>
+            <a:r>
+              <a:rPr lang="en-US" altLang="ko-KR" sz="800" dirty="0" smtClean="0">
+                <a:latin typeface="나눔고딕" pitchFamily="50" charset="-127"/>
+                <a:ea typeface="나눔고딕" pitchFamily="50" charset="-127"/>
+              </a:rPr>
+              <a:t>: </a:t>
+            </a:r>
+            <a:r>
+              <a:rPr lang="ko-KR" altLang="en-US" sz="800" dirty="0">
+                <a:latin typeface="나눔고딕" pitchFamily="50" charset="-127"/>
+                <a:ea typeface="나눔고딕" pitchFamily="50" charset="-127"/>
+              </a:rPr>
+              <a:t>특정기간</a:t>
+            </a:r>
+            <a:r>
+              <a:rPr lang="en-US" altLang="ko-KR" sz="800" dirty="0">
+                <a:latin typeface="나눔고딕" pitchFamily="50" charset="-127"/>
+                <a:ea typeface="나눔고딕" pitchFamily="50" charset="-127"/>
+              </a:rPr>
+              <a:t>(1</a:t>
+            </a:r>
+            <a:r>
+              <a:rPr lang="ko-KR" altLang="en-US" sz="800" dirty="0">
+                <a:latin typeface="나눔고딕" pitchFamily="50" charset="-127"/>
+                <a:ea typeface="나눔고딕" pitchFamily="50" charset="-127"/>
+              </a:rPr>
+              <a:t>개월</a:t>
+            </a:r>
+            <a:r>
+              <a:rPr lang="en-US" altLang="ko-KR" sz="800" dirty="0">
+                <a:latin typeface="나눔고딕" pitchFamily="50" charset="-127"/>
+                <a:ea typeface="나눔고딕" pitchFamily="50" charset="-127"/>
+              </a:rPr>
+              <a:t>)</a:t>
+            </a:r>
+            <a:r>
+              <a:rPr lang="ko-KR" altLang="en-US" sz="800" dirty="0">
+                <a:latin typeface="나눔고딕" pitchFamily="50" charset="-127"/>
+                <a:ea typeface="나눔고딕" pitchFamily="50" charset="-127"/>
+              </a:rPr>
+              <a:t>동안 </a:t>
+            </a:r>
+            <a:r>
+              <a:rPr lang="ko-KR" altLang="en-US" sz="800" dirty="0" smtClean="0">
+                <a:latin typeface="나눔고딕" pitchFamily="50" charset="-127"/>
+                <a:ea typeface="나눔고딕" pitchFamily="50" charset="-127"/>
+              </a:rPr>
+              <a:t>친구가 나의 </a:t>
+            </a:r>
+            <a:r>
+              <a:rPr lang="en-US" altLang="ko-KR" sz="800" dirty="0">
+                <a:latin typeface="나눔고딕" pitchFamily="50" charset="-127"/>
+                <a:ea typeface="나눔고딕" pitchFamily="50" charset="-127"/>
+              </a:rPr>
+              <a:t>post(status, link, photo, video)</a:t>
+            </a:r>
+            <a:r>
+              <a:rPr lang="ko-KR" altLang="en-US" sz="800" dirty="0">
+                <a:latin typeface="나눔고딕" pitchFamily="50" charset="-127"/>
+                <a:ea typeface="나눔고딕" pitchFamily="50" charset="-127"/>
+              </a:rPr>
+              <a:t>에 </a:t>
+            </a:r>
+            <a:r>
+              <a:rPr lang="en-US" altLang="ko-KR" sz="800" dirty="0" smtClean="0">
+                <a:latin typeface="나눔고딕" pitchFamily="50" charset="-127"/>
+                <a:ea typeface="나눔고딕" pitchFamily="50" charset="-127"/>
+              </a:rPr>
+              <a:t>comment</a:t>
+            </a:r>
+            <a:r>
+              <a:rPr lang="ko-KR" altLang="en-US" sz="800" dirty="0" smtClean="0">
+                <a:latin typeface="나눔고딕" pitchFamily="50" charset="-127"/>
+                <a:ea typeface="나눔고딕" pitchFamily="50" charset="-127"/>
+              </a:rPr>
+              <a:t>한 </a:t>
+            </a:r>
+            <a:r>
+              <a:rPr lang="en-US" altLang="ko-KR" sz="800" dirty="0">
+                <a:latin typeface="나눔고딕" pitchFamily="50" charset="-127"/>
+                <a:ea typeface="나눔고딕" pitchFamily="50" charset="-127"/>
+              </a:rPr>
+              <a:t>count </a:t>
+            </a:r>
+            <a:r>
+              <a:rPr lang="ko-KR" altLang="en-US" sz="800" dirty="0">
+                <a:latin typeface="나눔고딕" pitchFamily="50" charset="-127"/>
+                <a:ea typeface="나눔고딕" pitchFamily="50" charset="-127"/>
+              </a:rPr>
+              <a:t>집계</a:t>
+            </a:r>
+          </a:p>
+          <a:p>
+            <a:pPr marL="180975" indent="-180975">
+              <a:buFontTx/>
+              <a:buAutoNum type="arabicParenR"/>
+            </a:pPr>
+            <a:r>
+              <a:rPr lang="en-US" altLang="ko-KR" sz="800" dirty="0" smtClean="0">
+                <a:solidFill>
+                  <a:srgbClr val="0070C0"/>
+                </a:solidFill>
+                <a:latin typeface="나눔고딕" pitchFamily="50" charset="-127"/>
+                <a:ea typeface="나눔고딕" pitchFamily="50" charset="-127"/>
+              </a:rPr>
+              <a:t>My comment</a:t>
+            </a:r>
+            <a:r>
+              <a:rPr lang="en-US" altLang="ko-KR" sz="800" dirty="0" smtClean="0">
+                <a:latin typeface="나눔고딕" pitchFamily="50" charset="-127"/>
+                <a:ea typeface="나눔고딕" pitchFamily="50" charset="-127"/>
+              </a:rPr>
+              <a:t>: </a:t>
+            </a:r>
+            <a:r>
+              <a:rPr lang="ko-KR" altLang="en-US" sz="800" dirty="0">
+                <a:latin typeface="나눔고딕" pitchFamily="50" charset="-127"/>
+                <a:ea typeface="나눔고딕" pitchFamily="50" charset="-127"/>
+              </a:rPr>
+              <a:t>특정기간</a:t>
+            </a:r>
+            <a:r>
+              <a:rPr lang="en-US" altLang="ko-KR" sz="800" dirty="0">
+                <a:latin typeface="나눔고딕" pitchFamily="50" charset="-127"/>
+                <a:ea typeface="나눔고딕" pitchFamily="50" charset="-127"/>
+              </a:rPr>
+              <a:t>(1</a:t>
+            </a:r>
+            <a:r>
+              <a:rPr lang="ko-KR" altLang="en-US" sz="800" dirty="0">
+                <a:latin typeface="나눔고딕" pitchFamily="50" charset="-127"/>
+                <a:ea typeface="나눔고딕" pitchFamily="50" charset="-127"/>
+              </a:rPr>
+              <a:t>개월</a:t>
+            </a:r>
+            <a:r>
+              <a:rPr lang="en-US" altLang="ko-KR" sz="800" dirty="0">
+                <a:latin typeface="나눔고딕" pitchFamily="50" charset="-127"/>
+                <a:ea typeface="나눔고딕" pitchFamily="50" charset="-127"/>
+              </a:rPr>
+              <a:t>)</a:t>
+            </a:r>
+            <a:r>
+              <a:rPr lang="ko-KR" altLang="en-US" sz="800" dirty="0">
+                <a:latin typeface="나눔고딕" pitchFamily="50" charset="-127"/>
+                <a:ea typeface="나눔고딕" pitchFamily="50" charset="-127"/>
+              </a:rPr>
+              <a:t>동안 내</a:t>
+            </a:r>
+            <a:r>
+              <a:rPr lang="ko-KR" altLang="en-US" sz="800" dirty="0" smtClean="0">
+                <a:latin typeface="나눔고딕" pitchFamily="50" charset="-127"/>
+                <a:ea typeface="나눔고딕" pitchFamily="50" charset="-127"/>
+              </a:rPr>
+              <a:t>가 친구의 </a:t>
+            </a:r>
+            <a:r>
+              <a:rPr lang="en-US" altLang="ko-KR" sz="800" dirty="0">
+                <a:latin typeface="나눔고딕" pitchFamily="50" charset="-127"/>
+                <a:ea typeface="나눔고딕" pitchFamily="50" charset="-127"/>
+              </a:rPr>
+              <a:t>post(status, link, photo, video)</a:t>
+            </a:r>
+            <a:r>
+              <a:rPr lang="ko-KR" altLang="en-US" sz="800" dirty="0">
+                <a:latin typeface="나눔고딕" pitchFamily="50" charset="-127"/>
+                <a:ea typeface="나눔고딕" pitchFamily="50" charset="-127"/>
+              </a:rPr>
+              <a:t>에 </a:t>
+            </a:r>
+            <a:r>
+              <a:rPr lang="en-US" altLang="ko-KR" sz="800" dirty="0" smtClean="0">
+                <a:latin typeface="나눔고딕" pitchFamily="50" charset="-127"/>
+                <a:ea typeface="나눔고딕" pitchFamily="50" charset="-127"/>
+              </a:rPr>
+              <a:t>comment</a:t>
+            </a:r>
+            <a:r>
+              <a:rPr lang="ko-KR" altLang="en-US" sz="800" dirty="0" smtClean="0">
+                <a:latin typeface="나눔고딕" pitchFamily="50" charset="-127"/>
+                <a:ea typeface="나눔고딕" pitchFamily="50" charset="-127"/>
+              </a:rPr>
+              <a:t>한 </a:t>
+            </a:r>
+            <a:r>
+              <a:rPr lang="en-US" altLang="ko-KR" sz="800" dirty="0">
+                <a:latin typeface="나눔고딕" pitchFamily="50" charset="-127"/>
+                <a:ea typeface="나눔고딕" pitchFamily="50" charset="-127"/>
+              </a:rPr>
+              <a:t>count </a:t>
+            </a:r>
+            <a:r>
+              <a:rPr lang="ko-KR" altLang="en-US" sz="800" dirty="0">
+                <a:latin typeface="나눔고딕" pitchFamily="50" charset="-127"/>
+                <a:ea typeface="나눔고딕" pitchFamily="50" charset="-127"/>
+              </a:rPr>
+              <a:t>집계</a:t>
+            </a:r>
+          </a:p>
+          <a:p>
+            <a:pPr marL="180975" indent="-180975">
+              <a:buAutoNum type="arabicParenR"/>
+            </a:pPr>
+            <a:r>
+              <a:rPr lang="en-US" altLang="ko-KR" sz="800" dirty="0">
+                <a:solidFill>
+                  <a:srgbClr val="0070C0"/>
+                </a:solidFill>
+                <a:latin typeface="나눔고딕" pitchFamily="50" charset="-127"/>
+                <a:ea typeface="나눔고딕" pitchFamily="50" charset="-127"/>
+              </a:rPr>
+              <a:t>Friend’s </a:t>
+            </a:r>
+            <a:r>
+              <a:rPr lang="en-US" altLang="ko-KR" sz="800" dirty="0" smtClean="0">
+                <a:solidFill>
+                  <a:srgbClr val="0070C0"/>
+                </a:solidFill>
+                <a:latin typeface="나눔고딕" pitchFamily="50" charset="-127"/>
+                <a:ea typeface="나눔고딕" pitchFamily="50" charset="-127"/>
+              </a:rPr>
+              <a:t>like</a:t>
+            </a:r>
+            <a:r>
+              <a:rPr lang="en-US" altLang="ko-KR" sz="800" dirty="0" smtClean="0">
+                <a:latin typeface="나눔고딕" pitchFamily="50" charset="-127"/>
+                <a:ea typeface="나눔고딕" pitchFamily="50" charset="-127"/>
+              </a:rPr>
+              <a:t>: </a:t>
+            </a:r>
+            <a:r>
+              <a:rPr lang="ko-KR" altLang="en-US" sz="800" dirty="0">
+                <a:latin typeface="나눔고딕" pitchFamily="50" charset="-127"/>
+                <a:ea typeface="나눔고딕" pitchFamily="50" charset="-127"/>
+              </a:rPr>
+              <a:t>특정기간</a:t>
+            </a:r>
+            <a:r>
+              <a:rPr lang="en-US" altLang="ko-KR" sz="800" dirty="0">
+                <a:latin typeface="나눔고딕" pitchFamily="50" charset="-127"/>
+                <a:ea typeface="나눔고딕" pitchFamily="50" charset="-127"/>
+              </a:rPr>
+              <a:t>(1</a:t>
+            </a:r>
+            <a:r>
+              <a:rPr lang="ko-KR" altLang="en-US" sz="800" dirty="0">
+                <a:latin typeface="나눔고딕" pitchFamily="50" charset="-127"/>
+                <a:ea typeface="나눔고딕" pitchFamily="50" charset="-127"/>
+              </a:rPr>
+              <a:t>개월</a:t>
+            </a:r>
+            <a:r>
+              <a:rPr lang="en-US" altLang="ko-KR" sz="800" dirty="0">
+                <a:latin typeface="나눔고딕" pitchFamily="50" charset="-127"/>
+                <a:ea typeface="나눔고딕" pitchFamily="50" charset="-127"/>
+              </a:rPr>
+              <a:t>)</a:t>
+            </a:r>
+            <a:r>
+              <a:rPr lang="ko-KR" altLang="en-US" sz="800" dirty="0">
+                <a:latin typeface="나눔고딕" pitchFamily="50" charset="-127"/>
+                <a:ea typeface="나눔고딕" pitchFamily="50" charset="-127"/>
+              </a:rPr>
+              <a:t>동안 친구가 나의 </a:t>
+            </a:r>
+            <a:r>
+              <a:rPr lang="en-US" altLang="ko-KR" sz="800" dirty="0">
+                <a:latin typeface="나눔고딕" pitchFamily="50" charset="-127"/>
+                <a:ea typeface="나눔고딕" pitchFamily="50" charset="-127"/>
+              </a:rPr>
+              <a:t>post(status, link, photo, video)</a:t>
+            </a:r>
+            <a:r>
+              <a:rPr lang="ko-KR" altLang="en-US" sz="800" dirty="0">
+                <a:latin typeface="나눔고딕" pitchFamily="50" charset="-127"/>
+                <a:ea typeface="나눔고딕" pitchFamily="50" charset="-127"/>
+              </a:rPr>
+              <a:t>에 </a:t>
+            </a:r>
+            <a:r>
+              <a:rPr lang="en-US" altLang="ko-KR" sz="800" dirty="0" smtClean="0">
+                <a:latin typeface="나눔고딕" pitchFamily="50" charset="-127"/>
+                <a:ea typeface="나눔고딕" pitchFamily="50" charset="-127"/>
+              </a:rPr>
+              <a:t>like</a:t>
+            </a:r>
+            <a:r>
+              <a:rPr lang="ko-KR" altLang="en-US" sz="800" dirty="0" smtClean="0">
+                <a:latin typeface="나눔고딕" pitchFamily="50" charset="-127"/>
+                <a:ea typeface="나눔고딕" pitchFamily="50" charset="-127"/>
+              </a:rPr>
+              <a:t>한 </a:t>
+            </a:r>
+            <a:r>
+              <a:rPr lang="en-US" altLang="ko-KR" sz="800" dirty="0">
+                <a:latin typeface="나눔고딕" pitchFamily="50" charset="-127"/>
+                <a:ea typeface="나눔고딕" pitchFamily="50" charset="-127"/>
+              </a:rPr>
+              <a:t>count </a:t>
+            </a:r>
+            <a:r>
+              <a:rPr lang="ko-KR" altLang="en-US" sz="800" dirty="0">
+                <a:latin typeface="나눔고딕" pitchFamily="50" charset="-127"/>
+                <a:ea typeface="나눔고딕" pitchFamily="50" charset="-127"/>
+              </a:rPr>
+              <a:t>집계</a:t>
+            </a:r>
+          </a:p>
+          <a:p>
+            <a:pPr marL="180975" indent="-180975">
+              <a:buFontTx/>
+              <a:buAutoNum type="arabicParenR"/>
+            </a:pPr>
+            <a:r>
+              <a:rPr lang="en-US" altLang="ko-KR" sz="800" dirty="0">
+                <a:solidFill>
+                  <a:srgbClr val="0070C0"/>
+                </a:solidFill>
+                <a:latin typeface="나눔고딕" pitchFamily="50" charset="-127"/>
+                <a:ea typeface="나눔고딕" pitchFamily="50" charset="-127"/>
+              </a:rPr>
+              <a:t>My </a:t>
+            </a:r>
+            <a:r>
+              <a:rPr lang="en-US" altLang="ko-KR" sz="800" dirty="0" smtClean="0">
+                <a:solidFill>
+                  <a:srgbClr val="0070C0"/>
+                </a:solidFill>
+                <a:latin typeface="나눔고딕" pitchFamily="50" charset="-127"/>
+                <a:ea typeface="나눔고딕" pitchFamily="50" charset="-127"/>
+              </a:rPr>
+              <a:t>like</a:t>
+            </a:r>
+            <a:r>
+              <a:rPr lang="en-US" altLang="ko-KR" sz="800" dirty="0" smtClean="0">
+                <a:latin typeface="나눔고딕" pitchFamily="50" charset="-127"/>
+                <a:ea typeface="나눔고딕" pitchFamily="50" charset="-127"/>
+              </a:rPr>
+              <a:t>: </a:t>
+            </a:r>
+            <a:r>
+              <a:rPr lang="ko-KR" altLang="en-US" sz="800" dirty="0">
+                <a:latin typeface="나눔고딕" pitchFamily="50" charset="-127"/>
+                <a:ea typeface="나눔고딕" pitchFamily="50" charset="-127"/>
+              </a:rPr>
+              <a:t>특정기간</a:t>
+            </a:r>
+            <a:r>
+              <a:rPr lang="en-US" altLang="ko-KR" sz="800" dirty="0">
+                <a:latin typeface="나눔고딕" pitchFamily="50" charset="-127"/>
+                <a:ea typeface="나눔고딕" pitchFamily="50" charset="-127"/>
+              </a:rPr>
+              <a:t>(1</a:t>
+            </a:r>
+            <a:r>
+              <a:rPr lang="ko-KR" altLang="en-US" sz="800" dirty="0">
+                <a:latin typeface="나눔고딕" pitchFamily="50" charset="-127"/>
+                <a:ea typeface="나눔고딕" pitchFamily="50" charset="-127"/>
+              </a:rPr>
+              <a:t>개월</a:t>
+            </a:r>
+            <a:r>
+              <a:rPr lang="en-US" altLang="ko-KR" sz="800" dirty="0">
+                <a:latin typeface="나눔고딕" pitchFamily="50" charset="-127"/>
+                <a:ea typeface="나눔고딕" pitchFamily="50" charset="-127"/>
+              </a:rPr>
+              <a:t>)</a:t>
+            </a:r>
+            <a:r>
+              <a:rPr lang="ko-KR" altLang="en-US" sz="800" dirty="0">
+                <a:latin typeface="나눔고딕" pitchFamily="50" charset="-127"/>
+                <a:ea typeface="나눔고딕" pitchFamily="50" charset="-127"/>
+              </a:rPr>
+              <a:t>동안 내가 친구의 </a:t>
+            </a:r>
+            <a:r>
+              <a:rPr lang="en-US" altLang="ko-KR" sz="800" dirty="0">
+                <a:latin typeface="나눔고딕" pitchFamily="50" charset="-127"/>
+                <a:ea typeface="나눔고딕" pitchFamily="50" charset="-127"/>
+              </a:rPr>
+              <a:t>post(status, link, photo, video)</a:t>
+            </a:r>
+            <a:r>
+              <a:rPr lang="ko-KR" altLang="en-US" sz="800" dirty="0">
+                <a:latin typeface="나눔고딕" pitchFamily="50" charset="-127"/>
+                <a:ea typeface="나눔고딕" pitchFamily="50" charset="-127"/>
+              </a:rPr>
+              <a:t>에 </a:t>
+            </a:r>
+            <a:r>
+              <a:rPr lang="en-US" altLang="ko-KR" sz="800" dirty="0" smtClean="0">
+                <a:latin typeface="나눔고딕" pitchFamily="50" charset="-127"/>
+                <a:ea typeface="나눔고딕" pitchFamily="50" charset="-127"/>
+              </a:rPr>
+              <a:t>like</a:t>
+            </a:r>
+            <a:r>
+              <a:rPr lang="ko-KR" altLang="en-US" sz="800" dirty="0" smtClean="0">
+                <a:latin typeface="나눔고딕" pitchFamily="50" charset="-127"/>
+                <a:ea typeface="나눔고딕" pitchFamily="50" charset="-127"/>
+              </a:rPr>
+              <a:t>한 </a:t>
+            </a:r>
+            <a:r>
+              <a:rPr lang="en-US" altLang="ko-KR" sz="800" dirty="0" smtClean="0">
+                <a:latin typeface="나눔고딕" pitchFamily="50" charset="-127"/>
+                <a:ea typeface="나눔고딕" pitchFamily="50" charset="-127"/>
+              </a:rPr>
+              <a:t>count </a:t>
+            </a:r>
+            <a:r>
+              <a:rPr lang="ko-KR" altLang="en-US" sz="800" dirty="0" smtClean="0">
+                <a:latin typeface="나눔고딕" pitchFamily="50" charset="-127"/>
+                <a:ea typeface="나눔고딕" pitchFamily="50" charset="-127"/>
+              </a:rPr>
+              <a:t>집계</a:t>
+            </a:r>
+            <a:endParaRPr lang="en-US" altLang="ko-KR" sz="800" dirty="0" smtClean="0">
+              <a:latin typeface="나눔고딕" pitchFamily="50" charset="-127"/>
+              <a:ea typeface="나눔고딕" pitchFamily="50" charset="-127"/>
+            </a:endParaRPr>
+          </a:p>
+          <a:p>
+            <a:pPr marL="180975" indent="-180975">
+              <a:buFontTx/>
+              <a:buAutoNum type="arabicParenR"/>
+            </a:pPr>
+            <a:r>
+              <a:rPr lang="en-US" altLang="ko-KR" sz="800" dirty="0" smtClean="0">
+                <a:solidFill>
+                  <a:srgbClr val="0070C0"/>
+                </a:solidFill>
+                <a:latin typeface="나눔고딕" pitchFamily="50" charset="-127"/>
+                <a:ea typeface="나눔고딕" pitchFamily="50" charset="-127"/>
+              </a:rPr>
+              <a:t>Friend’s closeness</a:t>
+            </a:r>
+            <a:r>
+              <a:rPr lang="en-US" altLang="ko-KR" sz="800" dirty="0" smtClean="0">
+                <a:latin typeface="나눔고딕" pitchFamily="50" charset="-127"/>
+                <a:ea typeface="나눔고딕" pitchFamily="50" charset="-127"/>
+              </a:rPr>
+              <a:t>: </a:t>
+            </a:r>
+            <a:r>
+              <a:rPr lang="ko-KR" altLang="en-US" sz="800" dirty="0" smtClean="0">
+                <a:latin typeface="나눔고딕" pitchFamily="50" charset="-127"/>
+                <a:ea typeface="나눔고딕" pitchFamily="50" charset="-127"/>
+              </a:rPr>
+              <a:t>친구가 나에게 가지는 친밀도로 </a:t>
+            </a:r>
+            <a:r>
+              <a:rPr lang="en-US" altLang="ko-KR" sz="800" dirty="0" smtClean="0">
+                <a:latin typeface="나눔고딕" pitchFamily="50" charset="-127"/>
+                <a:ea typeface="나눔고딕" pitchFamily="50" charset="-127"/>
+              </a:rPr>
+              <a:t>Friend’s comment + Friend’s like </a:t>
+            </a:r>
+            <a:r>
+              <a:rPr lang="ko-KR" altLang="en-US" sz="800" dirty="0" smtClean="0">
+                <a:latin typeface="나눔고딕" pitchFamily="50" charset="-127"/>
+                <a:ea typeface="나눔고딕" pitchFamily="50" charset="-127"/>
+              </a:rPr>
+              <a:t>수를 합함</a:t>
+            </a:r>
+            <a:r>
+              <a:rPr lang="en-US" altLang="ko-KR" sz="800" dirty="0" smtClean="0">
+                <a:latin typeface="나눔고딕" pitchFamily="50" charset="-127"/>
+                <a:ea typeface="나눔고딕" pitchFamily="50" charset="-127"/>
+              </a:rPr>
+              <a:t>.</a:t>
+            </a:r>
+          </a:p>
+          <a:p>
+            <a:pPr marL="180975" indent="-180975">
+              <a:buFontTx/>
+              <a:buAutoNum type="arabicParenR"/>
+            </a:pPr>
+            <a:r>
+              <a:rPr lang="en-US" altLang="ko-KR" sz="800" dirty="0" smtClean="0">
+                <a:solidFill>
+                  <a:srgbClr val="0070C0"/>
+                </a:solidFill>
+                <a:latin typeface="나눔고딕" pitchFamily="50" charset="-127"/>
+                <a:ea typeface="나눔고딕" pitchFamily="50" charset="-127"/>
+              </a:rPr>
+              <a:t>My </a:t>
+            </a:r>
+            <a:r>
+              <a:rPr lang="en-US" altLang="ko-KR" sz="800" dirty="0">
+                <a:solidFill>
+                  <a:srgbClr val="0070C0"/>
+                </a:solidFill>
+                <a:latin typeface="나눔고딕" pitchFamily="50" charset="-127"/>
+                <a:ea typeface="나눔고딕" pitchFamily="50" charset="-127"/>
+              </a:rPr>
+              <a:t>closeness</a:t>
+            </a:r>
+            <a:r>
+              <a:rPr lang="en-US" altLang="ko-KR" sz="800" dirty="0">
+                <a:latin typeface="나눔고딕" pitchFamily="50" charset="-127"/>
+                <a:ea typeface="나눔고딕" pitchFamily="50" charset="-127"/>
+              </a:rPr>
+              <a:t>: </a:t>
+            </a:r>
+            <a:r>
+              <a:rPr lang="ko-KR" altLang="en-US" sz="800" dirty="0" smtClean="0">
+                <a:latin typeface="나눔고딕" pitchFamily="50" charset="-127"/>
+                <a:ea typeface="나눔고딕" pitchFamily="50" charset="-127"/>
+              </a:rPr>
+              <a:t>내</a:t>
+            </a:r>
+            <a:r>
+              <a:rPr lang="ko-KR" altLang="en-US" sz="800" dirty="0">
+                <a:latin typeface="나눔고딕" pitchFamily="50" charset="-127"/>
+                <a:ea typeface="나눔고딕" pitchFamily="50" charset="-127"/>
+              </a:rPr>
+              <a:t>가</a:t>
+            </a:r>
+            <a:r>
+              <a:rPr lang="ko-KR" altLang="en-US" sz="800" dirty="0" smtClean="0">
+                <a:latin typeface="나눔고딕" pitchFamily="50" charset="-127"/>
+                <a:ea typeface="나눔고딕" pitchFamily="50" charset="-127"/>
+              </a:rPr>
+              <a:t> 친구에게 </a:t>
+            </a:r>
+            <a:r>
+              <a:rPr lang="ko-KR" altLang="en-US" sz="800" dirty="0">
+                <a:latin typeface="나눔고딕" pitchFamily="50" charset="-127"/>
+                <a:ea typeface="나눔고딕" pitchFamily="50" charset="-127"/>
+              </a:rPr>
+              <a:t>가지는 친밀도로 </a:t>
+            </a:r>
+            <a:r>
+              <a:rPr lang="en-US" altLang="ko-KR" sz="800" dirty="0" smtClean="0">
+                <a:latin typeface="나눔고딕" pitchFamily="50" charset="-127"/>
+                <a:ea typeface="나눔고딕" pitchFamily="50" charset="-127"/>
+              </a:rPr>
+              <a:t>My </a:t>
+            </a:r>
+            <a:r>
+              <a:rPr lang="en-US" altLang="ko-KR" sz="800" dirty="0">
+                <a:latin typeface="나눔고딕" pitchFamily="50" charset="-127"/>
+                <a:ea typeface="나눔고딕" pitchFamily="50" charset="-127"/>
+              </a:rPr>
+              <a:t>comment + </a:t>
+            </a:r>
+            <a:r>
+              <a:rPr lang="en-US" altLang="ko-KR" sz="800" dirty="0" smtClean="0">
+                <a:latin typeface="나눔고딕" pitchFamily="50" charset="-127"/>
+                <a:ea typeface="나눔고딕" pitchFamily="50" charset="-127"/>
+              </a:rPr>
+              <a:t>My </a:t>
+            </a:r>
+            <a:r>
+              <a:rPr lang="en-US" altLang="ko-KR" sz="800" dirty="0">
+                <a:latin typeface="나눔고딕" pitchFamily="50" charset="-127"/>
+                <a:ea typeface="나눔고딕" pitchFamily="50" charset="-127"/>
+              </a:rPr>
+              <a:t>like </a:t>
+            </a:r>
+            <a:r>
+              <a:rPr lang="ko-KR" altLang="en-US" sz="800" dirty="0">
+                <a:latin typeface="나눔고딕" pitchFamily="50" charset="-127"/>
+                <a:ea typeface="나눔고딕" pitchFamily="50" charset="-127"/>
+              </a:rPr>
+              <a:t>수를 합함</a:t>
+            </a:r>
+            <a:r>
+              <a:rPr lang="en-US" altLang="ko-KR" sz="800" dirty="0" smtClean="0">
+                <a:latin typeface="나눔고딕" pitchFamily="50" charset="-127"/>
+                <a:ea typeface="나눔고딕" pitchFamily="50" charset="-127"/>
+              </a:rPr>
+              <a:t>.</a:t>
+            </a:r>
+          </a:p>
+          <a:p>
+            <a:pPr marL="180975" indent="-180975">
+              <a:buFontTx/>
+              <a:buAutoNum type="arabicParenR"/>
+            </a:pPr>
+            <a:r>
+              <a:rPr lang="en-US" altLang="ko-KR" sz="800" dirty="0" smtClean="0">
+                <a:solidFill>
+                  <a:srgbClr val="0070C0"/>
+                </a:solidFill>
+                <a:latin typeface="나눔고딕" pitchFamily="50" charset="-127"/>
+                <a:ea typeface="나눔고딕" pitchFamily="50" charset="-127"/>
+              </a:rPr>
+              <a:t>Mutual </a:t>
+            </a:r>
+            <a:r>
+              <a:rPr lang="en-US" altLang="ko-KR" sz="800" dirty="0">
+                <a:solidFill>
+                  <a:srgbClr val="0070C0"/>
+                </a:solidFill>
+                <a:latin typeface="나눔고딕" pitchFamily="50" charset="-127"/>
+                <a:ea typeface="나눔고딕" pitchFamily="50" charset="-127"/>
+              </a:rPr>
+              <a:t>closeness</a:t>
+            </a:r>
+            <a:r>
+              <a:rPr lang="en-US" altLang="ko-KR" sz="800" dirty="0">
+                <a:latin typeface="나눔고딕" pitchFamily="50" charset="-127"/>
+                <a:ea typeface="나눔고딕" pitchFamily="50" charset="-127"/>
+              </a:rPr>
+              <a:t>: </a:t>
+            </a:r>
+            <a:r>
+              <a:rPr lang="ko-KR" altLang="en-US" sz="800" dirty="0" smtClean="0">
+                <a:latin typeface="나눔고딕" pitchFamily="50" charset="-127"/>
+                <a:ea typeface="나눔고딕" pitchFamily="50" charset="-127"/>
+              </a:rPr>
+              <a:t>서로에게 가지는 상호 친밀도로 </a:t>
+            </a:r>
+            <a:r>
+              <a:rPr lang="en-US" altLang="ko-KR" sz="800" dirty="0" smtClean="0">
+                <a:latin typeface="나눔고딕" pitchFamily="50" charset="-127"/>
+                <a:ea typeface="나눔고딕" pitchFamily="50" charset="-127"/>
+              </a:rPr>
+              <a:t>Friend’s closeness + My closeness </a:t>
+            </a:r>
+            <a:r>
+              <a:rPr lang="ko-KR" altLang="en-US" sz="800" dirty="0" smtClean="0">
+                <a:latin typeface="나눔고딕" pitchFamily="50" charset="-127"/>
+                <a:ea typeface="나눔고딕" pitchFamily="50" charset="-127"/>
+              </a:rPr>
+              <a:t>수를 </a:t>
+            </a:r>
+            <a:r>
+              <a:rPr lang="ko-KR" altLang="en-US" sz="800" dirty="0">
+                <a:latin typeface="나눔고딕" pitchFamily="50" charset="-127"/>
+                <a:ea typeface="나눔고딕" pitchFamily="50" charset="-127"/>
+              </a:rPr>
+              <a:t>합함</a:t>
+            </a:r>
+            <a:r>
+              <a:rPr lang="en-US" altLang="ko-KR" sz="800" dirty="0" smtClean="0">
+                <a:latin typeface="나눔고딕" pitchFamily="50" charset="-127"/>
+                <a:ea typeface="나눔고딕" pitchFamily="50" charset="-127"/>
+              </a:rPr>
+              <a:t>.</a:t>
+            </a:r>
+            <a:endParaRPr lang="en-US" altLang="ko-KR" sz="800" dirty="0" smtClean="0">
+              <a:latin typeface="나눔고딕" pitchFamily="50" charset="-127"/>
+              <a:ea typeface="나눔고딕" pitchFamily="50" charset="-127"/>
+            </a:endParaRPr>
+          </a:p>
+        </p:txBody>
+      </p:sp>
+      <p:sp>
+        <p:nvSpPr>
+          <p:cNvPr id="122" name="Oval 251"/>
+          <p:cNvSpPr/>
+          <p:nvPr/>
+        </p:nvSpPr>
+        <p:spPr>
+          <a:xfrm>
+            <a:off x="5831184" y="1805880"/>
+            <a:ext cx="180976" cy="180975"/>
+          </a:xfrm>
+          <a:prstGeom prst="ellipse">
+            <a:avLst/>
+          </a:prstGeom>
+          <a:solidFill>
+            <a:srgbClr val="C00000"/>
+          </a:solidFill>
+          <a:ln>
+            <a:noFill/>
+          </a:ln>
+        </p:spPr>
+        <p:style>
+          <a:lnRef idx="2">
+            <a:schemeClr val="accent1">
+              <a:shade val="50000"/>
+            </a:schemeClr>
+          </a:lnRef>
+          <a:fillRef idx="1">
+            <a:schemeClr val="accent1"/>
+          </a:fillRef>
+          <a:effectRef idx="0">
+            <a:schemeClr val="accent1"/>
+          </a:effectRef>
+          <a:fontRef idx="minor">
+            <a:schemeClr val="lt1"/>
+          </a:fontRef>
+        </p:style>
+        <p:txBody>
+          <a:bodyPr anchor="ctr"/>
+          <a:lstStyle/>
+          <a:p>
+            <a:pPr algn="ctr">
+              <a:defRPr/>
+            </a:pPr>
+            <a:r>
+              <a:rPr lang="en-US" altLang="ko-KR" sz="800" b="1" dirty="0" smtClean="0">
+                <a:solidFill>
+                  <a:prstClr val="white"/>
+                </a:solidFill>
+              </a:rPr>
+              <a:t>4</a:t>
+            </a:r>
+            <a:endParaRPr lang="ko-KR" altLang="en-US" sz="800" b="1" dirty="0">
+              <a:solidFill>
+                <a:prstClr val="white"/>
+              </a:solidFill>
+            </a:endParaRPr>
+          </a:p>
+        </p:txBody>
+      </p:sp>
+      <p:sp>
+        <p:nvSpPr>
+          <p:cNvPr id="38" name="Oval 251"/>
+          <p:cNvSpPr/>
+          <p:nvPr/>
+        </p:nvSpPr>
+        <p:spPr>
+          <a:xfrm>
+            <a:off x="6062506" y="1806566"/>
+            <a:ext cx="180976" cy="180975"/>
+          </a:xfrm>
+          <a:prstGeom prst="ellipse">
+            <a:avLst/>
+          </a:prstGeom>
+          <a:solidFill>
+            <a:srgbClr val="C00000"/>
+          </a:solidFill>
+          <a:ln>
+            <a:noFill/>
+          </a:ln>
+        </p:spPr>
+        <p:style>
+          <a:lnRef idx="2">
+            <a:schemeClr val="accent1">
+              <a:shade val="50000"/>
+            </a:schemeClr>
+          </a:lnRef>
+          <a:fillRef idx="1">
+            <a:schemeClr val="accent1"/>
+          </a:fillRef>
+          <a:effectRef idx="0">
+            <a:schemeClr val="accent1"/>
+          </a:effectRef>
+          <a:fontRef idx="minor">
+            <a:schemeClr val="lt1"/>
+          </a:fontRef>
+        </p:style>
+        <p:txBody>
+          <a:bodyPr anchor="ctr"/>
+          <a:lstStyle/>
+          <a:p>
+            <a:pPr algn="ctr">
+              <a:defRPr/>
+            </a:pPr>
+            <a:r>
+              <a:rPr lang="en-US" altLang="ko-KR" sz="800" b="1" dirty="0" smtClean="0">
+                <a:solidFill>
+                  <a:prstClr val="white"/>
+                </a:solidFill>
+              </a:rPr>
+              <a:t>5</a:t>
+            </a:r>
+            <a:endParaRPr lang="ko-KR" altLang="en-US" sz="800" b="1" dirty="0">
+              <a:solidFill>
+                <a:prstClr val="white"/>
+              </a:solidFill>
+            </a:endParaRPr>
+          </a:p>
+        </p:txBody>
+      </p:sp>
+      <p:grpSp>
+        <p:nvGrpSpPr>
+          <p:cNvPr id="39" name="그룹 38"/>
+          <p:cNvGrpSpPr/>
+          <p:nvPr/>
+        </p:nvGrpSpPr>
+        <p:grpSpPr>
+          <a:xfrm>
+            <a:off x="6921158" y="5495754"/>
+            <a:ext cx="2102086" cy="215444"/>
+            <a:chOff x="6921158" y="1376044"/>
+            <a:chExt cx="2102086" cy="215444"/>
+          </a:xfrm>
+        </p:grpSpPr>
+        <p:sp>
+          <p:nvSpPr>
+            <p:cNvPr id="40" name="Text Box 37"/>
+            <p:cNvSpPr txBox="1">
+              <a:spLocks noChangeArrowheads="1"/>
+            </p:cNvSpPr>
+            <p:nvPr/>
+          </p:nvSpPr>
+          <p:spPr bwMode="auto">
+            <a:xfrm>
+              <a:off x="7065158" y="1376044"/>
+              <a:ext cx="1958086" cy="215444"/>
+            </a:xfrm>
+            <a:prstGeom prst="rect">
+              <a:avLst/>
+            </a:prstGeom>
+            <a:noFill/>
+            <a:ln w="9525" algn="ctr">
+              <a:noFill/>
+              <a:miter lim="800000"/>
+              <a:headEnd/>
+              <a:tailEnd/>
+            </a:ln>
+          </p:spPr>
+          <p:txBody>
+            <a:bodyPr wrap="square">
+              <a:spAutoFit/>
+            </a:bodyPr>
+            <a:lstStyle/>
+            <a:p>
+              <a:pPr algn="l" rtl="0" fontAlgn="base" latinLnBrk="1">
+                <a:spcBef>
+                  <a:spcPct val="0"/>
+                </a:spcBef>
+                <a:spcAft>
+                  <a:spcPct val="0"/>
+                </a:spcAft>
+              </a:pPr>
+              <a:r>
+                <a:rPr kumimoji="1" lang="en-US" altLang="ko-KR" sz="800" b="1" dirty="0" smtClean="0">
+                  <a:solidFill>
+                    <a:srgbClr val="000000"/>
+                  </a:solidFill>
+                  <a:latin typeface="나눔고딕" pitchFamily="50" charset="-127"/>
+                  <a:ea typeface="나눔고딕" pitchFamily="50" charset="-127"/>
+                </a:rPr>
+                <a:t>[Go to Friend’s Wall] </a:t>
+              </a:r>
+              <a:r>
+                <a:rPr kumimoji="1" lang="ko-KR" altLang="en-US" sz="800" b="1" dirty="0" smtClean="0">
+                  <a:solidFill>
+                    <a:srgbClr val="000000"/>
+                  </a:solidFill>
+                  <a:latin typeface="나눔고딕" pitchFamily="50" charset="-127"/>
+                  <a:ea typeface="나눔고딕" pitchFamily="50" charset="-127"/>
+                </a:rPr>
+                <a:t>버튼</a:t>
+              </a:r>
+              <a:endParaRPr kumimoji="1" lang="ko-KR" altLang="en-US" sz="800" b="1" kern="1200" dirty="0">
+                <a:solidFill>
+                  <a:srgbClr val="000000"/>
+                </a:solidFill>
+                <a:latin typeface="나눔고딕" pitchFamily="50" charset="-127"/>
+                <a:ea typeface="나눔고딕" pitchFamily="50" charset="-127"/>
+                <a:cs typeface="+mn-cs"/>
+              </a:endParaRPr>
+            </a:p>
+          </p:txBody>
+        </p:sp>
+        <p:sp>
+          <p:nvSpPr>
+            <p:cNvPr id="41" name="Oval 251"/>
+            <p:cNvSpPr/>
+            <p:nvPr/>
+          </p:nvSpPr>
+          <p:spPr>
+            <a:xfrm>
+              <a:off x="6921158" y="1417574"/>
+              <a:ext cx="144000" cy="144000"/>
+            </a:xfrm>
+            <a:prstGeom prst="ellipse">
+              <a:avLst/>
+            </a:prstGeom>
+            <a:solidFill>
+              <a:srgbClr val="FF0000"/>
+            </a:solidFill>
+            <a:ln>
+              <a:noFill/>
+            </a:ln>
+          </p:spPr>
+          <p:style>
+            <a:lnRef idx="2">
+              <a:schemeClr val="accent1">
+                <a:shade val="50000"/>
+              </a:schemeClr>
+            </a:lnRef>
+            <a:fillRef idx="1">
+              <a:schemeClr val="accent1"/>
+            </a:fillRef>
+            <a:effectRef idx="0">
+              <a:schemeClr val="accent1"/>
+            </a:effectRef>
+            <a:fontRef idx="minor">
+              <a:schemeClr val="lt1"/>
+            </a:fontRef>
+          </p:style>
+          <p:txBody>
+            <a:bodyPr anchor="ctr"/>
+            <a:lstStyle/>
+            <a:p>
+              <a:pPr algn="ctr">
+                <a:defRPr/>
+              </a:pPr>
+              <a:r>
+                <a:rPr lang="en-US" altLang="ko-KR" sz="800" b="1" dirty="0" smtClean="0">
+                  <a:solidFill>
+                    <a:prstClr val="white"/>
+                  </a:solidFill>
+                </a:rPr>
+                <a:t>4</a:t>
+              </a:r>
+              <a:endParaRPr lang="ko-KR" altLang="en-US" sz="800" b="1" dirty="0">
+                <a:solidFill>
+                  <a:prstClr val="white"/>
+                </a:solidFill>
+              </a:endParaRPr>
+            </a:p>
+          </p:txBody>
+        </p:sp>
+      </p:grpSp>
+      <p:sp>
+        <p:nvSpPr>
+          <p:cNvPr id="42" name="직사각형 41"/>
+          <p:cNvSpPr/>
+          <p:nvPr/>
+        </p:nvSpPr>
+        <p:spPr>
+          <a:xfrm>
+            <a:off x="6863005" y="5661248"/>
+            <a:ext cx="2151810" cy="338554"/>
+          </a:xfrm>
+          <a:prstGeom prst="rect">
+            <a:avLst/>
+          </a:prstGeom>
+          <a:noFill/>
+        </p:spPr>
+        <p:txBody>
+          <a:bodyPr wrap="square">
+            <a:spAutoFit/>
+          </a:bodyPr>
+          <a:lstStyle/>
+          <a:p>
+            <a:pPr marL="180975" indent="-180975">
+              <a:buAutoNum type="arabicParenR"/>
+            </a:pPr>
+            <a:r>
+              <a:rPr lang="ko-KR" altLang="en-US" sz="800" dirty="0" smtClean="0">
+                <a:latin typeface="나눔고딕" pitchFamily="50" charset="-127"/>
+                <a:ea typeface="나눔고딕" pitchFamily="50" charset="-127"/>
+              </a:rPr>
+              <a:t>친구의 </a:t>
+            </a:r>
+            <a:r>
+              <a:rPr lang="en-US" altLang="ko-KR" sz="800" dirty="0" smtClean="0">
+                <a:latin typeface="나눔고딕" pitchFamily="50" charset="-127"/>
+                <a:ea typeface="나눔고딕" pitchFamily="50" charset="-127"/>
+              </a:rPr>
+              <a:t>Facebook </a:t>
+            </a:r>
+            <a:r>
+              <a:rPr lang="ko-KR" altLang="en-US" sz="800" dirty="0" smtClean="0">
+                <a:latin typeface="나눔고딕" pitchFamily="50" charset="-127"/>
+                <a:ea typeface="나눔고딕" pitchFamily="50" charset="-127"/>
+              </a:rPr>
+              <a:t>사이트 담벼락 </a:t>
+            </a:r>
+            <a:r>
+              <a:rPr lang="ko-KR" altLang="en-US" sz="800" dirty="0" err="1" smtClean="0">
+                <a:latin typeface="나눔고딕" pitchFamily="50" charset="-127"/>
+                <a:ea typeface="나눔고딕" pitchFamily="50" charset="-127"/>
+              </a:rPr>
+              <a:t>웹페이지</a:t>
+            </a:r>
+            <a:r>
+              <a:rPr lang="ko-KR" altLang="en-US" sz="800" dirty="0" smtClean="0">
+                <a:latin typeface="나눔고딕" pitchFamily="50" charset="-127"/>
+                <a:ea typeface="나눔고딕" pitchFamily="50" charset="-127"/>
+              </a:rPr>
+              <a:t> 화면을 </a:t>
+            </a:r>
+            <a:r>
+              <a:rPr lang="ko-KR" altLang="en-US" sz="800" dirty="0" err="1" smtClean="0">
+                <a:latin typeface="나눔고딕" pitchFamily="50" charset="-127"/>
+                <a:ea typeface="나눔고딕" pitchFamily="50" charset="-127"/>
+              </a:rPr>
+              <a:t>팝업한다</a:t>
+            </a:r>
+            <a:r>
+              <a:rPr lang="en-US" altLang="ko-KR" sz="800" dirty="0" smtClean="0">
+                <a:latin typeface="나눔고딕" pitchFamily="50" charset="-127"/>
+                <a:ea typeface="나눔고딕" pitchFamily="50" charset="-127"/>
+              </a:rPr>
+              <a:t>.</a:t>
+            </a:r>
+            <a:endParaRPr lang="en-US" altLang="ko-KR" sz="800" dirty="0" smtClean="0">
+              <a:latin typeface="나눔고딕" pitchFamily="50" charset="-127"/>
+              <a:ea typeface="나눔고딕" pitchFamily="50" charset="-127"/>
+            </a:endParaRPr>
+          </a:p>
+        </p:txBody>
+      </p:sp>
     </p:spTree>
     <p:extLst>
       <p:ext uri="{BB962C8B-B14F-4D97-AF65-F5344CB8AC3E}">
@@ -18107,7 +20667,7 @@
 </p:sld>
 </file>
 
-<file path=ppt/slides/slide14.xml><?xml version="1.0" encoding="utf-8"?>
+<file path=ppt/slides/slide15.xml><?xml version="1.0" encoding="utf-8"?>
 <p:sld xmlns:a="http://schemas.openxmlformats.org/drawingml/2006/main" xmlns:r="http://schemas.openxmlformats.org/officeDocument/2006/relationships" xmlns:p="http://schemas.openxmlformats.org/presentationml/2006/main">
   <p:cSld>
     <p:spTree>
@@ -18552,7 +21112,7 @@
 </p:sld>
 </file>
 
-<file path=ppt/slides/slide15.xml><?xml version="1.0" encoding="utf-8"?>
+<file path=ppt/slides/slide16.xml><?xml version="1.0" encoding="utf-8"?>
 <p:sld xmlns:a="http://schemas.openxmlformats.org/drawingml/2006/main" xmlns:r="http://schemas.openxmlformats.org/officeDocument/2006/relationships" xmlns:p="http://schemas.openxmlformats.org/presentationml/2006/main">
   <p:cSld>
     <p:spTree>
@@ -18997,7 +21557,7 @@
 </p:sld>
 </file>
 
-<file path=ppt/slides/slide16.xml><?xml version="1.0" encoding="utf-8"?>
+<file path=ppt/slides/slide17.xml><?xml version="1.0" encoding="utf-8"?>
 <p:sld xmlns:a="http://schemas.openxmlformats.org/drawingml/2006/main" xmlns:r="http://schemas.openxmlformats.org/officeDocument/2006/relationships" xmlns:p="http://schemas.openxmlformats.org/presentationml/2006/main">
   <p:cSld>
     <p:spTree>
@@ -19442,7 +22002,7 @@
 </p:sld>
 </file>
 
-<file path=ppt/slides/slide17.xml><?xml version="1.0" encoding="utf-8"?>
+<file path=ppt/slides/slide18.xml><?xml version="1.0" encoding="utf-8"?>
 <p:sld xmlns:a="http://schemas.openxmlformats.org/drawingml/2006/main" xmlns:r="http://schemas.openxmlformats.org/officeDocument/2006/relationships" xmlns:p="http://schemas.openxmlformats.org/presentationml/2006/main">
   <p:cSld>
     <p:spTree>
@@ -19490,7 +22050,6 @@
               <a:rPr lang="ko-KR" altLang="en-US" dirty="0"/>
               <a:t>컨트롤 모음</a:t>
             </a:r>
-            <a:endParaRPr lang="ko-KR" altLang="en-US" dirty="0"/>
           </a:p>
         </p:txBody>
       </p:sp>
@@ -20249,7 +22808,7 @@
 </p:sld>
 </file>
 
-<file path=ppt/slides/slide18.xml><?xml version="1.0" encoding="utf-8"?>
+<file path=ppt/slides/slide19.xml><?xml version="1.0" encoding="utf-8"?>
 <p:sld xmlns:a="http://schemas.openxmlformats.org/drawingml/2006/main" xmlns:r="http://schemas.openxmlformats.org/officeDocument/2006/relationships" xmlns:p="http://schemas.openxmlformats.org/presentationml/2006/main">
   <p:cSld>
     <p:spTree>
@@ -24462,7 +27021,15 @@
             </a:r>
             <a:r>
               <a:rPr lang="en-US" altLang="ko-KR" dirty="0" smtClean="0"/>
-              <a:t>contents(status, link, photo, video)</a:t>
+              <a:t>post</a:t>
+            </a:r>
+            <a:r>
+              <a:rPr lang="en-US" altLang="ko-KR" dirty="0" smtClean="0"/>
+              <a:t>(status</a:t>
+            </a:r>
+            <a:r>
+              <a:rPr lang="en-US" altLang="ko-KR" dirty="0" smtClean="0"/>
+              <a:t>, link, photo, video)</a:t>
             </a:r>
             <a:r>
               <a:rPr lang="ko-KR" altLang="en-US" dirty="0" smtClean="0"/>
@@ -24537,8 +27104,12 @@
               <a:t>내 친구의 </a:t>
             </a:r>
             <a:r>
+              <a:rPr lang="en-US" altLang="ko-KR" dirty="0" smtClean="0"/>
+              <a:t>post(status</a:t>
+            </a:r>
+            <a:r>
               <a:rPr lang="en-US" altLang="ko-KR" dirty="0"/>
-              <a:t>contents(status, link, photo, video)</a:t>
+              <a:t>, link, photo, video)</a:t>
             </a:r>
             <a:r>
               <a:rPr lang="ko-KR" altLang="en-US" dirty="0"/>
@@ -24627,8 +27198,12 @@
               <a:t>내 친구의 </a:t>
             </a:r>
             <a:r>
+              <a:rPr lang="en-US" altLang="ko-KR" dirty="0" smtClean="0"/>
+              <a:t>post(status</a:t>
+            </a:r>
+            <a:r>
               <a:rPr lang="en-US" altLang="ko-KR" dirty="0"/>
-              <a:t>contents(status, link, photo, video)</a:t>
+              <a:t>, link, photo, video)</a:t>
             </a:r>
             <a:r>
               <a:rPr lang="ko-KR" altLang="en-US" dirty="0"/>

--- a/trunk/beeblz/beeblz-facebook/doc/facebook_sna_v0.1_20101216_배영규.pptx
+++ b/trunk/beeblz/beeblz-facebook/doc/facebook_sna_v0.1_20101216_배영규.pptx
@@ -209,7 +209,7 @@
             <a:fld id="{21DA05FE-2E34-4811-A625-7B96675ED22B}" type="datetimeFigureOut">
               <a:rPr lang="ko-KR" altLang="en-US" smtClean="0"/>
               <a:pPr/>
-              <a:t>2010-12-22</a:t>
+              <a:t>2010-12-23</a:t>
             </a:fld>
             <a:endParaRPr lang="ko-KR" altLang="en-US" dirty="0"/>
           </a:p>
@@ -10192,7 +10192,7 @@
                 <a:latin typeface="나눔고딕" pitchFamily="50" charset="-127"/>
                 <a:ea typeface="나눔고딕" pitchFamily="50" charset="-127"/>
               </a:rPr>
-              <a:t>post(status</a:t>
+              <a:t>contents(status</a:t>
             </a:r>
             <a:r>
               <a:rPr lang="en-US" altLang="ko-KR" sz="800" dirty="0">
@@ -10295,7 +10295,7 @@
                 <a:latin typeface="나눔고딕" pitchFamily="50" charset="-127"/>
                 <a:ea typeface="나눔고딕" pitchFamily="50" charset="-127"/>
               </a:rPr>
-              <a:t>post(status</a:t>
+              <a:t>contents(status</a:t>
             </a:r>
             <a:r>
               <a:rPr lang="en-US" altLang="ko-KR" sz="800" dirty="0">
@@ -11780,56 +11780,21 @@
                 <a:latin typeface="나눔고딕" pitchFamily="50" charset="-127"/>
                 <a:ea typeface="나눔고딕" pitchFamily="50" charset="-127"/>
               </a:rPr>
-              <a:t>그래프 상의 </a:t>
-            </a:r>
-            <a:r>
-              <a:rPr lang="ko-KR" altLang="en-US" sz="800" strike="sngStrike" dirty="0" err="1" smtClean="0">
-                <a:latin typeface="나눔고딕" pitchFamily="50" charset="-127"/>
-                <a:ea typeface="나눔고딕" pitchFamily="50" charset="-127"/>
-              </a:rPr>
-              <a:t>노드를</a:t>
+              <a:t>그래프 상의 노드를 더블클릭하면 아래와 같이 </a:t>
+            </a:r>
+            <a:r>
+              <a:rPr lang="en-US" altLang="ko-KR" sz="800" strike="sngStrike" dirty="0">
+                <a:latin typeface="나눔고딕" pitchFamily="50" charset="-127"/>
+                <a:ea typeface="나눔고딕" pitchFamily="50" charset="-127"/>
+              </a:rPr>
+              <a:t>[Find friends of friend who are not my friends &amp; Rank them all] </a:t>
             </a:r>
             <a:r>
               <a:rPr lang="ko-KR" altLang="en-US" sz="800" strike="sngStrike" dirty="0" smtClean="0">
                 <a:latin typeface="나눔고딕" pitchFamily="50" charset="-127"/>
                 <a:ea typeface="나눔고딕" pitchFamily="50" charset="-127"/>
               </a:rPr>
-              <a:t> </a:t>
-            </a:r>
-            <a:r>
-              <a:rPr lang="ko-KR" altLang="en-US" sz="800" strike="sngStrike" dirty="0" err="1" smtClean="0">
-                <a:latin typeface="나눔고딕" pitchFamily="50" charset="-127"/>
-                <a:ea typeface="나눔고딕" pitchFamily="50" charset="-127"/>
-              </a:rPr>
-              <a:t>더블클릭하면</a:t>
-            </a:r>
-            <a:r>
-              <a:rPr lang="ko-KR" altLang="en-US" sz="800" strike="sngStrike" dirty="0" smtClean="0">
-                <a:latin typeface="나눔고딕" pitchFamily="50" charset="-127"/>
-                <a:ea typeface="나눔고딕" pitchFamily="50" charset="-127"/>
-              </a:rPr>
-              <a:t> 아래와 같이 </a:t>
-            </a:r>
-            <a:r>
-              <a:rPr lang="en-US" altLang="ko-KR" sz="800" strike="sngStrike" dirty="0">
-                <a:latin typeface="나눔고딕" pitchFamily="50" charset="-127"/>
-                <a:ea typeface="나눔고딕" pitchFamily="50" charset="-127"/>
-              </a:rPr>
-              <a:t>[Find friends of friend who are not my friends &amp; Rank them all] </a:t>
-            </a:r>
-            <a:r>
-              <a:rPr lang="ko-KR" altLang="en-US" sz="800" strike="sngStrike" dirty="0" smtClean="0">
-                <a:latin typeface="나눔고딕" pitchFamily="50" charset="-127"/>
-                <a:ea typeface="나눔고딕" pitchFamily="50" charset="-127"/>
-              </a:rPr>
-              <a:t>버튼과 동일하게 </a:t>
-            </a:r>
-            <a:r>
-              <a:rPr lang="ko-KR" altLang="en-US" sz="800" strike="sngStrike" dirty="0" smtClean="0">
-                <a:latin typeface="나눔고딕" pitchFamily="50" charset="-127"/>
-                <a:ea typeface="나눔고딕" pitchFamily="50" charset="-127"/>
-              </a:rPr>
-              <a:t>동작한다</a:t>
+              <a:t>버튼과 동일하게 동작한다</a:t>
             </a:r>
             <a:r>
               <a:rPr lang="en-US" altLang="ko-KR" sz="800" strike="sngStrike" dirty="0" smtClean="0">
@@ -11848,103 +11813,85 @@
                 <a:latin typeface="나눔고딕" pitchFamily="50" charset="-127"/>
                 <a:ea typeface="나눔고딕" pitchFamily="50" charset="-127"/>
               </a:rPr>
-              <a:t>그래프 상의 </a:t>
-            </a:r>
-            <a:r>
-              <a:rPr lang="ko-KR" altLang="en-US" sz="800" dirty="0" err="1">
-                <a:latin typeface="나눔고딕" pitchFamily="50" charset="-127"/>
-                <a:ea typeface="나눔고딕" pitchFamily="50" charset="-127"/>
-              </a:rPr>
-              <a:t>노드를</a:t>
+              <a:t>그래프 상의 노드를 </a:t>
+            </a:r>
+            <a:r>
+              <a:rPr lang="ko-KR" altLang="en-US" sz="800" dirty="0" smtClean="0">
+                <a:latin typeface="나눔고딕" pitchFamily="50" charset="-127"/>
+                <a:ea typeface="나눔고딕" pitchFamily="50" charset="-127"/>
+              </a:rPr>
+              <a:t>더블클릭하면 내 친구가 아닌 친구의 </a:t>
+            </a:r>
+            <a:r>
+              <a:rPr lang="ko-KR" altLang="en-US" sz="800" dirty="0" smtClean="0">
+                <a:latin typeface="나눔고딕" pitchFamily="50" charset="-127"/>
+                <a:ea typeface="나눔고딕" pitchFamily="50" charset="-127"/>
+              </a:rPr>
+              <a:t>친</a:t>
             </a:r>
             <a:r>
               <a:rPr lang="ko-KR" altLang="en-US" sz="800" dirty="0">
                 <a:latin typeface="나눔고딕" pitchFamily="50" charset="-127"/>
                 <a:ea typeface="나눔고딕" pitchFamily="50" charset="-127"/>
               </a:rPr>
-              <a:t> </a:t>
-            </a:r>
-            <a:r>
-              <a:rPr lang="ko-KR" altLang="en-US" sz="800" dirty="0" err="1" smtClean="0">
-                <a:latin typeface="나눔고딕" pitchFamily="50" charset="-127"/>
-                <a:ea typeface="나눔고딕" pitchFamily="50" charset="-127"/>
-              </a:rPr>
-              <a:t>더블클릭하면</a:t>
+              <a:t>구</a:t>
             </a:r>
             <a:r>
               <a:rPr lang="ko-KR" altLang="en-US" sz="800" dirty="0" smtClean="0">
                 <a:latin typeface="나눔고딕" pitchFamily="50" charset="-127"/>
                 <a:ea typeface="나눔고딕" pitchFamily="50" charset="-127"/>
               </a:rPr>
-              <a:t> 내 친구가 아닌 친구의 </a:t>
-            </a:r>
-            <a:r>
-              <a:rPr lang="ko-KR" altLang="en-US" sz="800" dirty="0" err="1" smtClean="0">
-                <a:latin typeface="나눔고딕" pitchFamily="50" charset="-127"/>
-                <a:ea typeface="나눔고딕" pitchFamily="50" charset="-127"/>
-              </a:rPr>
-              <a:t>친그들</a:t>
+              <a:t>들 </a:t>
+            </a:r>
+            <a:r>
+              <a:rPr lang="en-US" altLang="ko-KR" sz="800" dirty="0" smtClean="0">
+                <a:latin typeface="나눔고딕" pitchFamily="50" charset="-127"/>
+                <a:ea typeface="나눔고딕" pitchFamily="50" charset="-127"/>
+              </a:rPr>
+              <a:t>node, edge</a:t>
             </a:r>
             <a:r>
               <a:rPr lang="ko-KR" altLang="en-US" sz="800" dirty="0" smtClean="0">
                 <a:latin typeface="나눔고딕" pitchFamily="50" charset="-127"/>
                 <a:ea typeface="나눔고딕" pitchFamily="50" charset="-127"/>
               </a:rPr>
-              <a:t> </a:t>
+              <a:t>들을 그래프상에 표시한다</a:t>
             </a:r>
             <a:r>
               <a:rPr lang="en-US" altLang="ko-KR" sz="800" dirty="0" smtClean="0">
                 <a:latin typeface="나눔고딕" pitchFamily="50" charset="-127"/>
                 <a:ea typeface="나눔고딕" pitchFamily="50" charset="-127"/>
               </a:rPr>
-              <a:t>node, edge</a:t>
+              <a:t>.(</a:t>
             </a:r>
             <a:r>
               <a:rPr lang="ko-KR" altLang="en-US" sz="800" dirty="0" smtClean="0">
                 <a:latin typeface="나눔고딕" pitchFamily="50" charset="-127"/>
                 <a:ea typeface="나눔고딕" pitchFamily="50" charset="-127"/>
               </a:rPr>
-              <a:t>들을 그래프상에 표시한다</a:t>
+              <a:t>단</a:t>
             </a:r>
             <a:r>
               <a:rPr lang="en-US" altLang="ko-KR" sz="800" dirty="0" smtClean="0">
                 <a:latin typeface="나눔고딕" pitchFamily="50" charset="-127"/>
                 <a:ea typeface="나눔고딕" pitchFamily="50" charset="-127"/>
               </a:rPr>
-              <a:t>.(</a:t>
+              <a:t>, [Ranking] </a:t>
             </a:r>
             <a:r>
               <a:rPr lang="ko-KR" altLang="en-US" sz="800" dirty="0" smtClean="0">
                 <a:latin typeface="나눔고딕" pitchFamily="50" charset="-127"/>
                 <a:ea typeface="나눔고딕" pitchFamily="50" charset="-127"/>
               </a:rPr>
-              <a:t>단</a:t>
+              <a:t>메뉴가 먼저 실행되어 있어야 함</a:t>
             </a:r>
             <a:r>
               <a:rPr lang="en-US" altLang="ko-KR" sz="800" dirty="0" smtClean="0">
                 <a:latin typeface="나눔고딕" pitchFamily="50" charset="-127"/>
                 <a:ea typeface="나눔고딕" pitchFamily="50" charset="-127"/>
               </a:rPr>
-              <a:t>, [Ranking] </a:t>
-            </a:r>
-            <a:r>
-              <a:rPr lang="ko-KR" altLang="en-US" sz="800" dirty="0" smtClean="0">
-                <a:latin typeface="나눔고딕" pitchFamily="50" charset="-127"/>
-                <a:ea typeface="나눔고딕" pitchFamily="50" charset="-127"/>
-              </a:rPr>
-              <a:t>메뉴가 먼저 실행되어 있어야 함</a:t>
-            </a:r>
-            <a:r>
-              <a:rPr lang="en-US" altLang="ko-KR" sz="800" dirty="0" smtClean="0">
-                <a:latin typeface="나눔고딕" pitchFamily="50" charset="-127"/>
-                <a:ea typeface="나눔고딕" pitchFamily="50" charset="-127"/>
-              </a:rPr>
               <a:t>.)</a:t>
             </a:r>
-            <a:endParaRPr lang="en-US" altLang="ko-KR" sz="800" dirty="0" smtClean="0">
-              <a:latin typeface="나눔고딕" pitchFamily="50" charset="-127"/>
-              <a:ea typeface="나눔고딕" pitchFamily="50" charset="-127"/>
-            </a:endParaRPr>
           </a:p>
         </p:txBody>
       </p:sp>
@@ -12159,27 +12106,7 @@
                   <a:latin typeface="나눔고딕" pitchFamily="50" charset="-127"/>
                   <a:ea typeface="나눔고딕" pitchFamily="50" charset="-127"/>
                 </a:rPr>
-                <a:t>[Find friends of friend </a:t>
-              </a:r>
-              <a:r>
-                <a:rPr kumimoji="1" lang="en-US" altLang="ko-KR" sz="800" b="1" strike="sngStrike" dirty="0" smtClean="0">
-                  <a:solidFill>
-                    <a:srgbClr val="000000"/>
-                  </a:solidFill>
-                  <a:latin typeface="나눔고딕" pitchFamily="50" charset="-127"/>
-                  <a:ea typeface="나눔고딕" pitchFamily="50" charset="-127"/>
-                </a:rPr>
-                <a:t>&amp; </a:t>
-              </a:r>
-              <a:r>
-                <a:rPr kumimoji="1" lang="en-US" altLang="ko-KR" sz="800" b="1" strike="sngStrike" dirty="0" smtClean="0">
-                  <a:solidFill>
-                    <a:srgbClr val="000000"/>
-                  </a:solidFill>
-                  <a:latin typeface="나눔고딕" pitchFamily="50" charset="-127"/>
-                  <a:ea typeface="나눔고딕" pitchFamily="50" charset="-127"/>
-                </a:rPr>
-                <a:t>Rank them all] </a:t>
+                <a:t>[Find friends of friend &amp; Rank them all] </a:t>
               </a:r>
               <a:r>
                 <a:rPr kumimoji="1" lang="ko-KR" altLang="en-US" sz="800" b="1" strike="sngStrike" dirty="0" smtClean="0">
@@ -12323,11 +12250,18 @@
               <a:t>동안 내 친구의 </a:t>
             </a:r>
             <a:r>
+              <a:rPr lang="en-US" altLang="ko-KR" sz="800" strike="sngStrike" dirty="0" smtClean="0">
+                <a:latin typeface="나눔고딕" pitchFamily="50" charset="-127"/>
+                <a:ea typeface="나눔고딕" pitchFamily="50" charset="-127"/>
+              </a:rPr>
+              <a:t>contents(status</a:t>
+            </a:r>
+            <a:r>
               <a:rPr lang="en-US" altLang="ko-KR" sz="800" strike="sngStrike" dirty="0">
                 <a:latin typeface="나눔고딕" pitchFamily="50" charset="-127"/>
                 <a:ea typeface="나눔고딕" pitchFamily="50" charset="-127"/>
               </a:rPr>
-              <a:t>post(status, link, photo, video)</a:t>
+              <a:t>, link, photo, video)</a:t>
             </a:r>
             <a:r>
               <a:rPr lang="ko-KR" altLang="en-US" sz="800" strike="sngStrike" dirty="0">
@@ -19584,21 +19518,7 @@
                 <a:latin typeface="나눔고딕" pitchFamily="50" charset="-127"/>
                 <a:ea typeface="나눔고딕" pitchFamily="50" charset="-127"/>
               </a:rPr>
-              <a:t>테이블에 </a:t>
-            </a:r>
-            <a:r>
-              <a:rPr lang="ko-KR" altLang="en-US" sz="800" dirty="0" smtClean="0">
-                <a:latin typeface="나눔고딕" pitchFamily="50" charset="-127"/>
-                <a:ea typeface="나눔고딕" pitchFamily="50" charset="-127"/>
-              </a:rPr>
-              <a:t>친구의 친구 리스트를 </a:t>
-            </a:r>
-            <a:r>
-              <a:rPr lang="ko-KR" altLang="en-US" sz="800" dirty="0" smtClean="0">
-                <a:latin typeface="나눔고딕" pitchFamily="50" charset="-127"/>
-                <a:ea typeface="나눔고딕" pitchFamily="50" charset="-127"/>
-              </a:rPr>
-              <a:t>표시하고</a:t>
+              <a:t>테이블에 친구의 친구 리스트를 표시하고</a:t>
             </a:r>
             <a:r>
               <a:rPr lang="en-US" altLang="ko-KR" sz="800" dirty="0" smtClean="0">
@@ -19712,57 +19632,7 @@
                   <a:latin typeface="나눔고딕" pitchFamily="50" charset="-127"/>
                   <a:ea typeface="나눔고딕" pitchFamily="50" charset="-127"/>
                 </a:rPr>
-                <a:t>[Find </a:t>
-              </a:r>
-              <a:r>
-                <a:rPr kumimoji="1" lang="en-US" altLang="ko-KR" sz="800" b="1" dirty="0" smtClean="0">
-                  <a:solidFill>
-                    <a:srgbClr val="000000"/>
-                  </a:solidFill>
-                  <a:latin typeface="나눔고딕" pitchFamily="50" charset="-127"/>
-                  <a:ea typeface="나눔고딕" pitchFamily="50" charset="-127"/>
-                </a:rPr>
-                <a:t>more </a:t>
-              </a:r>
-              <a:r>
-                <a:rPr kumimoji="1" lang="en-US" altLang="ko-KR" sz="800" b="1" dirty="0" smtClean="0">
-                  <a:solidFill>
-                    <a:srgbClr val="000000"/>
-                  </a:solidFill>
-                  <a:latin typeface="나눔고딕" pitchFamily="50" charset="-127"/>
-                  <a:ea typeface="나눔고딕" pitchFamily="50" charset="-127"/>
-                </a:rPr>
-                <a:t>friends </a:t>
-              </a:r>
-              <a:r>
-                <a:rPr kumimoji="1" lang="en-US" altLang="ko-KR" sz="800" b="1" dirty="0" smtClean="0">
-                  <a:solidFill>
-                    <a:srgbClr val="000000"/>
-                  </a:solidFill>
-                  <a:latin typeface="나눔고딕" pitchFamily="50" charset="-127"/>
-                  <a:ea typeface="나눔고딕" pitchFamily="50" charset="-127"/>
-                </a:rPr>
-                <a:t>of friend </a:t>
-              </a:r>
-              <a:r>
-                <a:rPr kumimoji="1" lang="en-US" altLang="ko-KR" sz="800" b="1" dirty="0" smtClean="0">
-                  <a:solidFill>
-                    <a:srgbClr val="000000"/>
-                  </a:solidFill>
-                  <a:latin typeface="나눔고딕" pitchFamily="50" charset="-127"/>
-                  <a:ea typeface="나눔고딕" pitchFamily="50" charset="-127"/>
-                </a:rPr>
-                <a:t>&amp; </a:t>
-              </a:r>
-              <a:r>
-                <a:rPr kumimoji="1" lang="en-US" altLang="ko-KR" sz="800" b="1" dirty="0" smtClean="0">
-                  <a:solidFill>
-                    <a:srgbClr val="000000"/>
-                  </a:solidFill>
-                  <a:latin typeface="나눔고딕" pitchFamily="50" charset="-127"/>
-                  <a:ea typeface="나눔고딕" pitchFamily="50" charset="-127"/>
-                </a:rPr>
-                <a:t>Rank them all] </a:t>
+                <a:t>[Find more friends of friend &amp; Rank them all] </a:t>
               </a:r>
               <a:r>
                 <a:rPr kumimoji="1" lang="ko-KR" altLang="en-US" sz="800" b="1" dirty="0" smtClean="0">
@@ -19906,11 +19776,18 @@
               <a:t>동안 내 친구의 </a:t>
             </a:r>
             <a:r>
+              <a:rPr lang="en-US" altLang="ko-KR" sz="800" dirty="0" smtClean="0">
+                <a:latin typeface="나눔고딕" pitchFamily="50" charset="-127"/>
+                <a:ea typeface="나눔고딕" pitchFamily="50" charset="-127"/>
+              </a:rPr>
+              <a:t>contents(status</a:t>
+            </a:r>
+            <a:r>
               <a:rPr lang="en-US" altLang="ko-KR" sz="800" dirty="0">
                 <a:latin typeface="나눔고딕" pitchFamily="50" charset="-127"/>
                 <a:ea typeface="나눔고딕" pitchFamily="50" charset="-127"/>
               </a:rPr>
-              <a:t>post(status, link, photo, video)</a:t>
+              <a:t>, link, photo, video)</a:t>
             </a:r>
             <a:r>
               <a:rPr lang="ko-KR" altLang="en-US" sz="800" dirty="0">
@@ -20408,11 +20285,18 @@
               <a:t>친구가 나의 </a:t>
             </a:r>
             <a:r>
+              <a:rPr lang="en-US" altLang="ko-KR" sz="800" dirty="0" smtClean="0">
+                <a:latin typeface="나눔고딕" pitchFamily="50" charset="-127"/>
+                <a:ea typeface="나눔고딕" pitchFamily="50" charset="-127"/>
+              </a:rPr>
+              <a:t>contents(status</a:t>
+            </a:r>
+            <a:r>
               <a:rPr lang="en-US" altLang="ko-KR" sz="800" dirty="0">
                 <a:latin typeface="나눔고딕" pitchFamily="50" charset="-127"/>
                 <a:ea typeface="나눔고딕" pitchFamily="50" charset="-127"/>
               </a:rPr>
-              <a:t>post(status, link, photo, video)</a:t>
+              <a:t>, link, photo, video)</a:t>
             </a:r>
             <a:r>
               <a:rPr lang="ko-KR" altLang="en-US" sz="800" dirty="0">
@@ -20512,11 +20396,25 @@
               <a:t>동안 친구가 나의 </a:t>
             </a:r>
             <a:r>
+              <a:rPr lang="en-US" altLang="ko-KR" sz="800" dirty="0" smtClean="0">
+                <a:latin typeface="나눔고딕" pitchFamily="50" charset="-127"/>
+                <a:ea typeface="나눔고딕" pitchFamily="50" charset="-127"/>
+              </a:rPr>
+              <a:t>contents</a:t>
+            </a:r>
+            <a:r>
+              <a:rPr lang="en-US" altLang="ko-KR" sz="800" dirty="0" smtClean="0">
+                <a:latin typeface="나눔고딕" pitchFamily="50" charset="-127"/>
+                <a:ea typeface="나눔고딕" pitchFamily="50" charset="-127"/>
+              </a:rPr>
+              <a:t>(status</a:t>
+            </a:r>
+            <a:r>
               <a:rPr lang="en-US" altLang="ko-KR" sz="800" dirty="0">
                 <a:latin typeface="나눔고딕" pitchFamily="50" charset="-127"/>
                 <a:ea typeface="나눔고딕" pitchFamily="50" charset="-127"/>
               </a:rPr>
-              <a:t>post(status, link, photo, video)</a:t>
+              <a:t>, link, photo, video)</a:t>
             </a:r>
             <a:r>
               <a:rPr lang="ko-KR" altLang="en-US" sz="800" dirty="0">
@@ -20567,73 +20465,70 @@
                 <a:latin typeface="나눔고딕" pitchFamily="50" charset="-127"/>
                 <a:ea typeface="나눔고딕" pitchFamily="50" charset="-127"/>
               </a:rPr>
-              <a:t>My </a:t>
+              <a:t>My comment</a:t>
             </a:r>
             <a:r>
               <a:rPr lang="en-US" altLang="ko-KR" sz="800" dirty="0" smtClean="0">
-                <a:solidFill>
-                  <a:srgbClr val="0070C0"/>
-                </a:solidFill>
-                <a:latin typeface="나눔고딕" pitchFamily="50" charset="-127"/>
-                <a:ea typeface="나눔고딕" pitchFamily="50" charset="-127"/>
-              </a:rPr>
-              <a:t>comment</a:t>
+                <a:latin typeface="나눔고딕" pitchFamily="50" charset="-127"/>
+                <a:ea typeface="나눔고딕" pitchFamily="50" charset="-127"/>
+              </a:rPr>
+              <a:t>: </a:t>
+            </a:r>
+            <a:r>
+              <a:rPr lang="ko-KR" altLang="en-US" sz="800" dirty="0">
+                <a:latin typeface="나눔고딕" pitchFamily="50" charset="-127"/>
+                <a:ea typeface="나눔고딕" pitchFamily="50" charset="-127"/>
+              </a:rPr>
+              <a:t>특정기간</a:t>
+            </a:r>
+            <a:r>
+              <a:rPr lang="en-US" altLang="ko-KR" sz="800" dirty="0">
+                <a:latin typeface="나눔고딕" pitchFamily="50" charset="-127"/>
+                <a:ea typeface="나눔고딕" pitchFamily="50" charset="-127"/>
+              </a:rPr>
+              <a:t>(1</a:t>
+            </a:r>
+            <a:r>
+              <a:rPr lang="ko-KR" altLang="en-US" sz="800" dirty="0">
+                <a:latin typeface="나눔고딕" pitchFamily="50" charset="-127"/>
+                <a:ea typeface="나눔고딕" pitchFamily="50" charset="-127"/>
+              </a:rPr>
+              <a:t>개월</a:t>
+            </a:r>
+            <a:r>
+              <a:rPr lang="en-US" altLang="ko-KR" sz="800" dirty="0">
+                <a:latin typeface="나눔고딕" pitchFamily="50" charset="-127"/>
+                <a:ea typeface="나눔고딕" pitchFamily="50" charset="-127"/>
+              </a:rPr>
+              <a:t>)</a:t>
+            </a:r>
+            <a:r>
+              <a:rPr lang="ko-KR" altLang="en-US" sz="800" dirty="0">
+                <a:latin typeface="나눔고딕" pitchFamily="50" charset="-127"/>
+                <a:ea typeface="나눔고딕" pitchFamily="50" charset="-127"/>
+              </a:rPr>
+              <a:t>동안 내</a:t>
+            </a:r>
+            <a:r>
+              <a:rPr lang="ko-KR" altLang="en-US" sz="800" dirty="0" smtClean="0">
+                <a:latin typeface="나눔고딕" pitchFamily="50" charset="-127"/>
+                <a:ea typeface="나눔고딕" pitchFamily="50" charset="-127"/>
+              </a:rPr>
+              <a:t>가 친구의 </a:t>
             </a:r>
             <a:r>
               <a:rPr lang="en-US" altLang="ko-KR" sz="800" dirty="0" smtClean="0">
                 <a:latin typeface="나눔고딕" pitchFamily="50" charset="-127"/>
                 <a:ea typeface="나눔고딕" pitchFamily="50" charset="-127"/>
               </a:rPr>
-              <a:t>: </a:t>
-            </a:r>
-            <a:r>
-              <a:rPr lang="ko-KR" altLang="en-US" sz="800" dirty="0">
-                <a:latin typeface="나눔고딕" pitchFamily="50" charset="-127"/>
-                <a:ea typeface="나눔고딕" pitchFamily="50" charset="-127"/>
-              </a:rPr>
-              <a:t>특정기간</a:t>
+              <a:t>contents(status</a:t>
             </a:r>
             <a:r>
               <a:rPr lang="en-US" altLang="ko-KR" sz="800" dirty="0">
                 <a:latin typeface="나눔고딕" pitchFamily="50" charset="-127"/>
                 <a:ea typeface="나눔고딕" pitchFamily="50" charset="-127"/>
               </a:rPr>
-              <a:t>(1</a:t>
-            </a:r>
-            <a:r>
-              <a:rPr lang="ko-KR" altLang="en-US" sz="800" dirty="0">
-                <a:latin typeface="나눔고딕" pitchFamily="50" charset="-127"/>
-                <a:ea typeface="나눔고딕" pitchFamily="50" charset="-127"/>
-              </a:rPr>
-              <a:t>개월</a:t>
-            </a:r>
-            <a:r>
-              <a:rPr lang="en-US" altLang="ko-KR" sz="800" dirty="0">
-                <a:latin typeface="나눔고딕" pitchFamily="50" charset="-127"/>
-                <a:ea typeface="나눔고딕" pitchFamily="50" charset="-127"/>
-              </a:rPr>
-              <a:t>)</a:t>
-            </a:r>
-            <a:r>
-              <a:rPr lang="ko-KR" altLang="en-US" sz="800" dirty="0">
-                <a:latin typeface="나눔고딕" pitchFamily="50" charset="-127"/>
-                <a:ea typeface="나눔고딕" pitchFamily="50" charset="-127"/>
-              </a:rPr>
-              <a:t>동안 내</a:t>
-            </a:r>
-            <a:r>
-              <a:rPr lang="ko-KR" altLang="en-US" sz="800" dirty="0" smtClean="0">
-                <a:latin typeface="나눔고딕" pitchFamily="50" charset="-127"/>
-                <a:ea typeface="나눔고딕" pitchFamily="50" charset="-127"/>
-              </a:rPr>
-              <a:t>가 친구의 </a:t>
-            </a:r>
-            <a:r>
-              <a:rPr lang="en-US" altLang="ko-KR" sz="800" dirty="0">
-                <a:latin typeface="나눔고딕" pitchFamily="50" charset="-127"/>
-                <a:ea typeface="나눔고딕" pitchFamily="50" charset="-127"/>
-              </a:rPr>
-              <a:t>post(status, link, photo, video)</a:t>
+              <a:t>, link, photo, video)</a:t>
             </a:r>
             <a:r>
               <a:rPr lang="ko-KR" altLang="en-US" sz="800" dirty="0">
@@ -20684,66 +20579,63 @@
                 <a:latin typeface="나눔고딕" pitchFamily="50" charset="-127"/>
                 <a:ea typeface="나눔고딕" pitchFamily="50" charset="-127"/>
               </a:rPr>
-              <a:t>My </a:t>
+              <a:t>My like</a:t>
             </a:r>
             <a:r>
               <a:rPr lang="en-US" altLang="ko-KR" sz="800" dirty="0" smtClean="0">
-                <a:solidFill>
-                  <a:srgbClr val="0070C0"/>
-                </a:solidFill>
-                <a:latin typeface="나눔고딕" pitchFamily="50" charset="-127"/>
-                <a:ea typeface="나눔고딕" pitchFamily="50" charset="-127"/>
-              </a:rPr>
-              <a:t>like</a:t>
+                <a:latin typeface="나눔고딕" pitchFamily="50" charset="-127"/>
+                <a:ea typeface="나눔고딕" pitchFamily="50" charset="-127"/>
+              </a:rPr>
+              <a:t>: </a:t>
+            </a:r>
+            <a:r>
+              <a:rPr lang="ko-KR" altLang="en-US" sz="800" dirty="0">
+                <a:latin typeface="나눔고딕" pitchFamily="50" charset="-127"/>
+                <a:ea typeface="나눔고딕" pitchFamily="50" charset="-127"/>
+              </a:rPr>
+              <a:t>특정기간</a:t>
+            </a:r>
+            <a:r>
+              <a:rPr lang="en-US" altLang="ko-KR" sz="800" dirty="0">
+                <a:latin typeface="나눔고딕" pitchFamily="50" charset="-127"/>
+                <a:ea typeface="나눔고딕" pitchFamily="50" charset="-127"/>
+              </a:rPr>
+              <a:t>(1</a:t>
+            </a:r>
+            <a:r>
+              <a:rPr lang="ko-KR" altLang="en-US" sz="800" dirty="0">
+                <a:latin typeface="나눔고딕" pitchFamily="50" charset="-127"/>
+                <a:ea typeface="나눔고딕" pitchFamily="50" charset="-127"/>
+              </a:rPr>
+              <a:t>개월</a:t>
+            </a:r>
+            <a:r>
+              <a:rPr lang="en-US" altLang="ko-KR" sz="800" dirty="0">
+                <a:latin typeface="나눔고딕" pitchFamily="50" charset="-127"/>
+                <a:ea typeface="나눔고딕" pitchFamily="50" charset="-127"/>
+              </a:rPr>
+              <a:t>)</a:t>
+            </a:r>
+            <a:r>
+              <a:rPr lang="ko-KR" altLang="en-US" sz="800" dirty="0">
+                <a:latin typeface="나눔고딕" pitchFamily="50" charset="-127"/>
+                <a:ea typeface="나눔고딕" pitchFamily="50" charset="-127"/>
+              </a:rPr>
+              <a:t>동안 내가 친구의 </a:t>
             </a:r>
             <a:r>
               <a:rPr lang="en-US" altLang="ko-KR" sz="800" dirty="0" smtClean="0">
                 <a:latin typeface="나눔고딕" pitchFamily="50" charset="-127"/>
                 <a:ea typeface="나눔고딕" pitchFamily="50" charset="-127"/>
               </a:rPr>
-              <a:t>: </a:t>
-            </a:r>
-            <a:r>
-              <a:rPr lang="ko-KR" altLang="en-US" sz="800" dirty="0">
-                <a:latin typeface="나눔고딕" pitchFamily="50" charset="-127"/>
-                <a:ea typeface="나눔고딕" pitchFamily="50" charset="-127"/>
-              </a:rPr>
-              <a:t>특정기간</a:t>
+              <a:t>contents(status</a:t>
             </a:r>
             <a:r>
               <a:rPr lang="en-US" altLang="ko-KR" sz="800" dirty="0">
                 <a:latin typeface="나눔고딕" pitchFamily="50" charset="-127"/>
                 <a:ea typeface="나눔고딕" pitchFamily="50" charset="-127"/>
               </a:rPr>
-              <a:t>(1</a:t>
-            </a:r>
-            <a:r>
-              <a:rPr lang="ko-KR" altLang="en-US" sz="800" dirty="0">
-                <a:latin typeface="나눔고딕" pitchFamily="50" charset="-127"/>
-                <a:ea typeface="나눔고딕" pitchFamily="50" charset="-127"/>
-              </a:rPr>
-              <a:t>개월</a:t>
-            </a:r>
-            <a:r>
-              <a:rPr lang="en-US" altLang="ko-KR" sz="800" dirty="0">
-                <a:latin typeface="나눔고딕" pitchFamily="50" charset="-127"/>
-                <a:ea typeface="나눔고딕" pitchFamily="50" charset="-127"/>
-              </a:rPr>
-              <a:t>)</a:t>
-            </a:r>
-            <a:r>
-              <a:rPr lang="ko-KR" altLang="en-US" sz="800" dirty="0">
-                <a:latin typeface="나눔고딕" pitchFamily="50" charset="-127"/>
-                <a:ea typeface="나눔고딕" pitchFamily="50" charset="-127"/>
-              </a:rPr>
-              <a:t>동안 내가 친구의 </a:t>
-            </a:r>
-            <a:r>
-              <a:rPr lang="en-US" altLang="ko-KR" sz="800" dirty="0">
-                <a:latin typeface="나눔고딕" pitchFamily="50" charset="-127"/>
-                <a:ea typeface="나눔고딕" pitchFamily="50" charset="-127"/>
-              </a:rPr>
-              <a:t>post(status, link, photo, video)</a:t>
+              <a:t>, link, photo, video)</a:t>
             </a:r>
             <a:r>
               <a:rPr lang="ko-KR" altLang="en-US" sz="800" dirty="0">
@@ -22543,17 +22435,7 @@
                           <a:latin typeface="나눔고딕" pitchFamily="50" charset="-127"/>
                           <a:ea typeface="나눔고딕" pitchFamily="50" charset="-127"/>
                         </a:rPr>
-                        <a:t>’s </a:t>
-                      </a:r>
-                      <a:r>
-                        <a:rPr lang="en-US" altLang="ko-KR" sz="700" baseline="0" dirty="0" smtClean="0">
-                          <a:solidFill>
-                            <a:schemeClr val="tx1"/>
-                          </a:solidFill>
-                          <a:latin typeface="나눔고딕" pitchFamily="50" charset="-127"/>
-                          <a:ea typeface="나눔고딕" pitchFamily="50" charset="-127"/>
-                        </a:rPr>
-                        <a:t>comment</a:t>
+                        <a:t>’s comment</a:t>
                       </a:r>
                       <a:endParaRPr lang="ko-KR" altLang="en-US" sz="700" dirty="0" smtClean="0">
                         <a:solidFill>
@@ -22664,17 +22546,7 @@
                           <a:latin typeface="나눔고딕" pitchFamily="50" charset="-127"/>
                           <a:ea typeface="나눔고딕" pitchFamily="50" charset="-127"/>
                         </a:rPr>
-                        <a:t>’s </a:t>
-                      </a:r>
-                      <a:r>
-                        <a:rPr lang="en-US" altLang="ko-KR" sz="700" baseline="0" dirty="0" smtClean="0">
-                          <a:solidFill>
-                            <a:schemeClr val="tx1"/>
-                          </a:solidFill>
-                          <a:latin typeface="나눔고딕" pitchFamily="50" charset="-127"/>
-                          <a:ea typeface="나눔고딕" pitchFamily="50" charset="-127"/>
-                        </a:rPr>
-                        <a:t>like</a:t>
+                        <a:t>’s like</a:t>
                       </a:r>
                       <a:endParaRPr lang="ko-KR" altLang="en-US" sz="700" dirty="0" smtClean="0">
                         <a:solidFill>
@@ -26838,17 +26710,7 @@
                   <a:latin typeface="나눔고딕" pitchFamily="50" charset="-127"/>
                   <a:ea typeface="나눔고딕" pitchFamily="50" charset="-127"/>
                 </a:rPr>
-                <a:t>[</a:t>
-              </a:r>
-              <a:r>
-                <a:rPr kumimoji="1" lang="en-US" altLang="ko-KR" sz="800" b="1" dirty="0" smtClean="0">
-                  <a:solidFill>
-                    <a:srgbClr val="000000"/>
-                  </a:solidFill>
-                  <a:latin typeface="나눔고딕" pitchFamily="50" charset="-127"/>
-                  <a:ea typeface="나눔고딕" pitchFamily="50" charset="-127"/>
-                </a:rPr>
-                <a:t>Add as Friend] </a:t>
+                <a:t>[Add as Friend] </a:t>
               </a:r>
               <a:r>
                 <a:rPr kumimoji="1" lang="ko-KR" altLang="en-US" sz="800" b="1" dirty="0" smtClean="0">
@@ -27044,75 +26906,43 @@
                 <a:latin typeface="나눔고딕" pitchFamily="50" charset="-127"/>
                 <a:ea typeface="나눔고딕" pitchFamily="50" charset="-127"/>
               </a:rPr>
-              <a:t>친구 신청 버튼을 클릭하면 </a:t>
-            </a:r>
-            <a:r>
-              <a:rPr lang="ko-KR" altLang="en-US" sz="800" dirty="0" err="1" smtClean="0">
-                <a:latin typeface="나눔고딕" pitchFamily="50" charset="-127"/>
-                <a:ea typeface="나눔고딕" pitchFamily="50" charset="-127"/>
-              </a:rPr>
-              <a:t>확인창이</a:t>
+              <a:t>친구 신청 버튼을 클릭하면 확인창이 팝업되고 </a:t>
+            </a:r>
+            <a:r>
+              <a:rPr lang="en-US" altLang="ko-KR" sz="800" dirty="0" smtClean="0">
+                <a:latin typeface="나눔고딕" pitchFamily="50" charset="-127"/>
+                <a:ea typeface="나눔고딕" pitchFamily="50" charset="-127"/>
+              </a:rPr>
+              <a:t>“Ok”</a:t>
             </a:r>
             <a:r>
               <a:rPr lang="ko-KR" altLang="en-US" sz="800" dirty="0" smtClean="0">
                 <a:latin typeface="나눔고딕" pitchFamily="50" charset="-127"/>
                 <a:ea typeface="나눔고딕" pitchFamily="50" charset="-127"/>
               </a:rPr>
-              <a:t> </a:t>
-            </a:r>
-            <a:r>
-              <a:rPr lang="ko-KR" altLang="en-US" sz="800" dirty="0" err="1" smtClean="0">
-                <a:latin typeface="나눔고딕" pitchFamily="50" charset="-127"/>
-                <a:ea typeface="나눔고딕" pitchFamily="50" charset="-127"/>
-              </a:rPr>
-              <a:t>팝업되고</a:t>
+              <a:t>버튼을 클릭하면 친구신청 </a:t>
+            </a:r>
+            <a:r>
+              <a:rPr lang="en-US" altLang="ko-KR" sz="800" dirty="0" smtClean="0">
+                <a:latin typeface="나눔고딕" pitchFamily="50" charset="-127"/>
+                <a:ea typeface="나눔고딕" pitchFamily="50" charset="-127"/>
+              </a:rPr>
+              <a:t>API</a:t>
             </a:r>
             <a:r>
               <a:rPr lang="ko-KR" altLang="en-US" sz="800" dirty="0" smtClean="0">
                 <a:latin typeface="나눔고딕" pitchFamily="50" charset="-127"/>
                 <a:ea typeface="나눔고딕" pitchFamily="50" charset="-127"/>
               </a:rPr>
-              <a:t> </a:t>
+              <a:t>를 호출하여 친구신청을 요청한다</a:t>
             </a:r>
             <a:r>
               <a:rPr lang="en-US" altLang="ko-KR" sz="800" dirty="0" smtClean="0">
                 <a:latin typeface="나눔고딕" pitchFamily="50" charset="-127"/>
                 <a:ea typeface="나눔고딕" pitchFamily="50" charset="-127"/>
               </a:rPr>
-              <a:t>“Ok”</a:t>
-            </a:r>
-            <a:r>
-              <a:rPr lang="ko-KR" altLang="en-US" sz="800" dirty="0" smtClean="0">
-                <a:latin typeface="나눔고딕" pitchFamily="50" charset="-127"/>
-                <a:ea typeface="나눔고딕" pitchFamily="50" charset="-127"/>
-              </a:rPr>
-              <a:t>버튼을 클릭하면 친구신청 </a:t>
-            </a:r>
-            <a:r>
-              <a:rPr lang="en-US" altLang="ko-KR" sz="800" dirty="0" smtClean="0">
-                <a:latin typeface="나눔고딕" pitchFamily="50" charset="-127"/>
-                <a:ea typeface="나눔고딕" pitchFamily="50" charset="-127"/>
-              </a:rPr>
-              <a:t>API</a:t>
-            </a:r>
-            <a:r>
-              <a:rPr lang="ko-KR" altLang="en-US" sz="800" dirty="0" smtClean="0">
-                <a:latin typeface="나눔고딕" pitchFamily="50" charset="-127"/>
-                <a:ea typeface="나눔고딕" pitchFamily="50" charset="-127"/>
-              </a:rPr>
-              <a:t>를 호출하여 친구신청을 요청한다</a:t>
-            </a:r>
-            <a:r>
-              <a:rPr lang="en-US" altLang="ko-KR" sz="800" dirty="0" smtClean="0">
-                <a:latin typeface="나눔고딕" pitchFamily="50" charset="-127"/>
-                <a:ea typeface="나눔고딕" pitchFamily="50" charset="-127"/>
-              </a:rPr>
               <a:t>.</a:t>
             </a:r>
-            <a:endParaRPr lang="en-US" altLang="ko-KR" sz="800" dirty="0" smtClean="0">
-              <a:latin typeface="나눔고딕" pitchFamily="50" charset="-127"/>
-              <a:ea typeface="나눔고딕" pitchFamily="50" charset="-127"/>
-            </a:endParaRPr>
           </a:p>
         </p:txBody>
       </p:sp>
@@ -27149,18 +26979,18 @@
               <a:t>[My Friends] </a:t>
             </a:r>
             <a:r>
-              <a:rPr lang="ko-KR" altLang="en-US" sz="800" dirty="0" err="1" smtClean="0">
-                <a:latin typeface="나눔고딕" pitchFamily="50" charset="-127"/>
-                <a:ea typeface="나눔고딕" pitchFamily="50" charset="-127"/>
-              </a:rPr>
-              <a:t>테이블에에서</a:t>
-            </a:r>
-            <a:r>
               <a:rPr lang="ko-KR" altLang="en-US" sz="800" dirty="0" smtClean="0">
                 <a:latin typeface="나눔고딕" pitchFamily="50" charset="-127"/>
                 <a:ea typeface="나눔고딕" pitchFamily="50" charset="-127"/>
               </a:rPr>
-              <a:t> 선택된 친구의 이름을 </a:t>
+              <a:t>테이블에서 </a:t>
+            </a:r>
+            <a:r>
+              <a:rPr lang="ko-KR" altLang="en-US" sz="800" dirty="0" smtClean="0">
+                <a:latin typeface="나눔고딕" pitchFamily="50" charset="-127"/>
+                <a:ea typeface="나눔고딕" pitchFamily="50" charset="-127"/>
+              </a:rPr>
+              <a:t>선택된 친구의 이름을 </a:t>
             </a:r>
             <a:r>
               <a:rPr lang="en-US" altLang="ko-KR" sz="800" dirty="0" smtClean="0">
@@ -27197,10 +27027,6 @@
               </a:rPr>
               <a:t>.</a:t>
             </a:r>
-            <a:endParaRPr lang="en-US" altLang="ko-KR" sz="800" dirty="0" smtClean="0">
-              <a:latin typeface="나눔고딕" pitchFamily="50" charset="-127"/>
-              <a:ea typeface="나눔고딕" pitchFamily="50" charset="-127"/>
-            </a:endParaRPr>
           </a:p>
         </p:txBody>
       </p:sp>
@@ -27454,7 +27280,7 @@
         <p:spPr bwMode="auto">
           <a:xfrm>
             <a:off x="303309" y="4365104"/>
-            <a:ext cx="6205291" cy="1656184"/>
+            <a:ext cx="6205291" cy="1800200"/>
           </a:xfrm>
           <a:prstGeom prst="rect">
             <a:avLst/>
@@ -27687,7 +27513,7 @@
         <p:spPr>
           <a:xfrm>
             <a:off x="311739" y="4776862"/>
-            <a:ext cx="6229302" cy="1200329"/>
+            <a:ext cx="6229302" cy="1323439"/>
           </a:xfrm>
           <a:prstGeom prst="rect">
             <a:avLst/>
@@ -27766,39 +27592,25 @@
               <a:t>동안 </a:t>
             </a:r>
             <a:r>
-              <a:rPr lang="ko-KR" altLang="en-US" sz="800" dirty="0" err="1" smtClean="0">
-                <a:latin typeface="나눔고딕" pitchFamily="50" charset="-127"/>
-                <a:ea typeface="나눔고딕" pitchFamily="50" charset="-127"/>
-              </a:rPr>
-              <a:t>내친구의</a:t>
-            </a:r>
-            <a:r>
               <a:rPr lang="ko-KR" altLang="en-US" sz="800" dirty="0" smtClean="0">
                 <a:latin typeface="나눔고딕" pitchFamily="50" charset="-127"/>
                 <a:ea typeface="나눔고딕" pitchFamily="50" charset="-127"/>
               </a:rPr>
-              <a:t> 친구가 </a:t>
-            </a:r>
-            <a:r>
-              <a:rPr lang="ko-KR" altLang="en-US" sz="800" dirty="0" err="1" smtClean="0">
-                <a:latin typeface="나눔고딕" pitchFamily="50" charset="-127"/>
-                <a:ea typeface="나눔고딕" pitchFamily="50" charset="-127"/>
-              </a:rPr>
-              <a:t>내친구의</a:t>
-            </a:r>
-            <a:r>
-              <a:rPr lang="ko-KR" altLang="en-US" sz="800" dirty="0" smtClean="0">
-                <a:latin typeface="나눔고딕" pitchFamily="50" charset="-127"/>
-                <a:ea typeface="나눔고딕" pitchFamily="50" charset="-127"/>
-              </a:rPr>
-              <a:t> </a:t>
+              <a:t>내친구의 친구가 내친구의 </a:t>
+            </a:r>
+            <a:r>
+              <a:rPr lang="en-US" altLang="ko-KR" sz="800" dirty="0" smtClean="0">
+                <a:latin typeface="나눔고딕" pitchFamily="50" charset="-127"/>
+                <a:ea typeface="나눔고딕" pitchFamily="50" charset="-127"/>
+              </a:rPr>
+              <a:t>contents(status</a:t>
             </a:r>
             <a:r>
               <a:rPr lang="en-US" altLang="ko-KR" sz="800" dirty="0">
                 <a:latin typeface="나눔고딕" pitchFamily="50" charset="-127"/>
                 <a:ea typeface="나눔고딕" pitchFamily="50" charset="-127"/>
               </a:rPr>
-              <a:t>post(status, link, photo, video)</a:t>
+              <a:t>, link, photo, video)</a:t>
             </a:r>
             <a:r>
               <a:rPr lang="ko-KR" altLang="en-US" sz="800" dirty="0">
@@ -27898,39 +27710,25 @@
               <a:t>동안 </a:t>
             </a:r>
             <a:r>
-              <a:rPr lang="ko-KR" altLang="en-US" sz="800" dirty="0" err="1" smtClean="0">
-                <a:latin typeface="나눔고딕" pitchFamily="50" charset="-127"/>
-                <a:ea typeface="나눔고딕" pitchFamily="50" charset="-127"/>
-              </a:rPr>
-              <a:t>내친구의</a:t>
-            </a:r>
-            <a:r>
               <a:rPr lang="ko-KR" altLang="en-US" sz="800" dirty="0" smtClean="0">
                 <a:latin typeface="나눔고딕" pitchFamily="50" charset="-127"/>
                 <a:ea typeface="나눔고딕" pitchFamily="50" charset="-127"/>
               </a:rPr>
-              <a:t> 친구가 </a:t>
-            </a:r>
-            <a:r>
-              <a:rPr lang="ko-KR" altLang="en-US" sz="800" dirty="0" err="1" smtClean="0">
-                <a:latin typeface="나눔고딕" pitchFamily="50" charset="-127"/>
-                <a:ea typeface="나눔고딕" pitchFamily="50" charset="-127"/>
-              </a:rPr>
-              <a:t>내친구의</a:t>
-            </a:r>
-            <a:r>
-              <a:rPr lang="ko-KR" altLang="en-US" sz="800" dirty="0" smtClean="0">
-                <a:latin typeface="나눔고딕" pitchFamily="50" charset="-127"/>
-                <a:ea typeface="나눔고딕" pitchFamily="50" charset="-127"/>
-              </a:rPr>
-              <a:t> </a:t>
+              <a:t>내친구의 친구가 내친구의 </a:t>
+            </a:r>
+            <a:r>
+              <a:rPr lang="en-US" altLang="ko-KR" sz="800" dirty="0" smtClean="0">
+                <a:latin typeface="나눔고딕" pitchFamily="50" charset="-127"/>
+                <a:ea typeface="나눔고딕" pitchFamily="50" charset="-127"/>
+              </a:rPr>
+              <a:t>contents(status</a:t>
             </a:r>
             <a:r>
               <a:rPr lang="en-US" altLang="ko-KR" sz="800" dirty="0">
                 <a:latin typeface="나눔고딕" pitchFamily="50" charset="-127"/>
                 <a:ea typeface="나눔고딕" pitchFamily="50" charset="-127"/>
               </a:rPr>
-              <a:t>post(status, link, photo, video)</a:t>
+              <a:t>, link, photo, video)</a:t>
             </a:r>
             <a:r>
               <a:rPr lang="ko-KR" altLang="en-US" sz="800" dirty="0">
@@ -28043,11 +27841,25 @@
               <a:t>내친구가  나와 상호친구의 </a:t>
             </a:r>
             <a:r>
+              <a:rPr lang="en-US" altLang="ko-KR" sz="800" dirty="0" smtClean="0">
+                <a:latin typeface="나눔고딕" pitchFamily="50" charset="-127"/>
+                <a:ea typeface="나눔고딕" pitchFamily="50" charset="-127"/>
+              </a:rPr>
+              <a:t>contents</a:t>
+            </a:r>
+            <a:r>
+              <a:rPr lang="en-US" altLang="ko-KR" sz="800" dirty="0" smtClean="0">
+                <a:latin typeface="나눔고딕" pitchFamily="50" charset="-127"/>
+                <a:ea typeface="나눔고딕" pitchFamily="50" charset="-127"/>
+              </a:rPr>
+              <a:t>(status</a:t>
+            </a:r>
+            <a:r>
               <a:rPr lang="en-US" altLang="ko-KR" sz="800" dirty="0">
                 <a:latin typeface="나눔고딕" pitchFamily="50" charset="-127"/>
                 <a:ea typeface="나눔고딕" pitchFamily="50" charset="-127"/>
               </a:rPr>
-              <a:t>post(status, link, photo, video)</a:t>
+              <a:t>, link, photo, video)</a:t>
             </a:r>
             <a:r>
               <a:rPr lang="ko-KR" altLang="en-US" sz="800" dirty="0">
@@ -28180,11 +27992,25 @@
               <a:t>내친구가 나와 상호친구의 </a:t>
             </a:r>
             <a:r>
+              <a:rPr lang="en-US" altLang="ko-KR" sz="800" dirty="0" smtClean="0">
+                <a:latin typeface="나눔고딕" pitchFamily="50" charset="-127"/>
+                <a:ea typeface="나눔고딕" pitchFamily="50" charset="-127"/>
+              </a:rPr>
+              <a:t>contents</a:t>
+            </a:r>
+            <a:r>
+              <a:rPr lang="en-US" altLang="ko-KR" sz="800" dirty="0" smtClean="0">
+                <a:latin typeface="나눔고딕" pitchFamily="50" charset="-127"/>
+                <a:ea typeface="나눔고딕" pitchFamily="50" charset="-127"/>
+              </a:rPr>
+              <a:t>(status</a:t>
+            </a:r>
+            <a:r>
               <a:rPr lang="en-US" altLang="ko-KR" sz="800" dirty="0">
                 <a:latin typeface="나눔고딕" pitchFamily="50" charset="-127"/>
                 <a:ea typeface="나눔고딕" pitchFamily="50" charset="-127"/>
               </a:rPr>
-              <a:t>post(status, link, photo, video)</a:t>
+              <a:t>, link, photo, video)</a:t>
             </a:r>
             <a:r>
               <a:rPr lang="ko-KR" altLang="en-US" sz="800" dirty="0">
@@ -28269,32 +28095,11 @@
               <a:t>: </a:t>
             </a:r>
             <a:r>
-              <a:rPr lang="ko-KR" altLang="en-US" sz="800" dirty="0" err="1" smtClean="0">
-                <a:latin typeface="나눔고딕" pitchFamily="50" charset="-127"/>
-                <a:ea typeface="나눔고딕" pitchFamily="50" charset="-127"/>
-              </a:rPr>
-              <a:t>내친구의</a:t>
-            </a:r>
-            <a:r>
               <a:rPr lang="ko-KR" altLang="en-US" sz="800" dirty="0" smtClean="0">
                 <a:latin typeface="나눔고딕" pitchFamily="50" charset="-127"/>
                 <a:ea typeface="나눔고딕" pitchFamily="50" charset="-127"/>
               </a:rPr>
-              <a:t> 친구가 </a:t>
-            </a:r>
-            <a:r>
-              <a:rPr lang="ko-KR" altLang="en-US" sz="800" dirty="0" err="1" smtClean="0">
-                <a:latin typeface="나눔고딕" pitchFamily="50" charset="-127"/>
-                <a:ea typeface="나눔고딕" pitchFamily="50" charset="-127"/>
-              </a:rPr>
-              <a:t>내친구에게</a:t>
-            </a:r>
-            <a:r>
-              <a:rPr lang="ko-KR" altLang="en-US" sz="800" dirty="0" smtClean="0">
-                <a:latin typeface="나눔고딕" pitchFamily="50" charset="-127"/>
-                <a:ea typeface="나눔고딕" pitchFamily="50" charset="-127"/>
-              </a:rPr>
-              <a:t> </a:t>
+              <a:t>내친구의 친구가 내친구에게 </a:t>
             </a:r>
             <a:r>
               <a:rPr lang="ko-KR" altLang="en-US" sz="800" dirty="0">
@@ -30918,17 +30723,7 @@
                   <a:latin typeface="나눔고딕" pitchFamily="50" charset="-127"/>
                   <a:ea typeface="나눔고딕" pitchFamily="50" charset="-127"/>
                 </a:rPr>
-                <a:t>[</a:t>
-              </a:r>
-              <a:r>
-                <a:rPr kumimoji="1" lang="en-US" altLang="ko-KR" sz="800" b="1" dirty="0" smtClean="0">
-                  <a:solidFill>
-                    <a:srgbClr val="000000"/>
-                  </a:solidFill>
-                  <a:latin typeface="나눔고딕" pitchFamily="50" charset="-127"/>
-                  <a:ea typeface="나눔고딕" pitchFamily="50" charset="-127"/>
-                </a:rPr>
-                <a:t>Recommend  Friend] </a:t>
+                <a:t>[Recommend  Friend] </a:t>
               </a:r>
               <a:r>
                 <a:rPr kumimoji="1" lang="ko-KR" altLang="en-US" sz="800" b="1" dirty="0" smtClean="0">
@@ -31056,75 +30851,29 @@
                 <a:latin typeface="나눔고딕" pitchFamily="50" charset="-127"/>
                 <a:ea typeface="나눔고딕" pitchFamily="50" charset="-127"/>
               </a:rPr>
-              <a:t> 버튼을 클릭하면 </a:t>
-            </a:r>
-            <a:r>
-              <a:rPr lang="ko-KR" altLang="en-US" sz="800" dirty="0" err="1" smtClean="0">
-                <a:latin typeface="나눔고딕" pitchFamily="50" charset="-127"/>
-                <a:ea typeface="나눔고딕" pitchFamily="50" charset="-127"/>
-              </a:rPr>
-              <a:t>확인창이</a:t>
+              <a:t> 버튼을 클릭하면 확인창이 팝업되고 </a:t>
+            </a:r>
+            <a:r>
+              <a:rPr lang="en-US" altLang="ko-KR" sz="800" dirty="0" smtClean="0">
+                <a:latin typeface="나눔고딕" pitchFamily="50" charset="-127"/>
+                <a:ea typeface="나눔고딕" pitchFamily="50" charset="-127"/>
+              </a:rPr>
+              <a:t>“Ok”</a:t>
             </a:r>
             <a:r>
               <a:rPr lang="ko-KR" altLang="en-US" sz="800" dirty="0" smtClean="0">
                 <a:latin typeface="나눔고딕" pitchFamily="50" charset="-127"/>
                 <a:ea typeface="나눔고딕" pitchFamily="50" charset="-127"/>
               </a:rPr>
-              <a:t> </a:t>
-            </a:r>
-            <a:r>
-              <a:rPr lang="ko-KR" altLang="en-US" sz="800" dirty="0" err="1" smtClean="0">
-                <a:latin typeface="나눔고딕" pitchFamily="50" charset="-127"/>
-                <a:ea typeface="나눔고딕" pitchFamily="50" charset="-127"/>
-              </a:rPr>
-              <a:t>팝업되고</a:t>
-            </a:r>
-            <a:r>
-              <a:rPr lang="ko-KR" altLang="en-US" sz="800" dirty="0" smtClean="0">
-                <a:latin typeface="나눔고딕" pitchFamily="50" charset="-127"/>
-                <a:ea typeface="나눔고딕" pitchFamily="50" charset="-127"/>
-              </a:rPr>
-              <a:t> </a:t>
+              <a:t>버튼을 클릭하면 친구추천을 포스팅 한다</a:t>
             </a:r>
             <a:r>
               <a:rPr lang="en-US" altLang="ko-KR" sz="800" dirty="0" smtClean="0">
                 <a:latin typeface="나눔고딕" pitchFamily="50" charset="-127"/>
                 <a:ea typeface="나눔고딕" pitchFamily="50" charset="-127"/>
               </a:rPr>
-              <a:t>“Ok”</a:t>
-            </a:r>
-            <a:r>
-              <a:rPr lang="ko-KR" altLang="en-US" sz="800" dirty="0" smtClean="0">
-                <a:latin typeface="나눔고딕" pitchFamily="50" charset="-127"/>
-                <a:ea typeface="나눔고딕" pitchFamily="50" charset="-127"/>
-              </a:rPr>
-              <a:t>버튼을 클릭하면 친구추천을 </a:t>
-            </a:r>
-            <a:r>
-              <a:rPr lang="ko-KR" altLang="en-US" sz="800" dirty="0" err="1" smtClean="0">
-                <a:latin typeface="나눔고딕" pitchFamily="50" charset="-127"/>
-                <a:ea typeface="나눔고딕" pitchFamily="50" charset="-127"/>
-              </a:rPr>
-              <a:t>포스팅</a:t>
-            </a:r>
-            <a:r>
-              <a:rPr lang="ko-KR" altLang="en-US" sz="800" dirty="0" smtClean="0">
-                <a:latin typeface="나눔고딕" pitchFamily="50" charset="-127"/>
-                <a:ea typeface="나눔고딕" pitchFamily="50" charset="-127"/>
-              </a:rPr>
-              <a:t> 한다</a:t>
-            </a:r>
-            <a:r>
-              <a:rPr lang="en-US" altLang="ko-KR" sz="800" dirty="0" smtClean="0">
-                <a:latin typeface="나눔고딕" pitchFamily="50" charset="-127"/>
-                <a:ea typeface="나눔고딕" pitchFamily="50" charset="-127"/>
-              </a:rPr>
               <a:t>.</a:t>
             </a:r>
-            <a:endParaRPr lang="en-US" altLang="ko-KR" sz="800" dirty="0" smtClean="0">
-              <a:latin typeface="나눔고딕" pitchFamily="50" charset="-127"/>
-              <a:ea typeface="나눔고딕" pitchFamily="50" charset="-127"/>
-            </a:endParaRPr>
           </a:p>
         </p:txBody>
       </p:sp>
@@ -31161,18 +30910,18 @@
               <a:t>[My Friends] </a:t>
             </a:r>
             <a:r>
-              <a:rPr lang="ko-KR" altLang="en-US" sz="800" dirty="0" err="1" smtClean="0">
-                <a:latin typeface="나눔고딕" pitchFamily="50" charset="-127"/>
-                <a:ea typeface="나눔고딕" pitchFamily="50" charset="-127"/>
-              </a:rPr>
-              <a:t>테이블에에서</a:t>
-            </a:r>
-            <a:r>
               <a:rPr lang="ko-KR" altLang="en-US" sz="800" dirty="0" smtClean="0">
                 <a:latin typeface="나눔고딕" pitchFamily="50" charset="-127"/>
                 <a:ea typeface="나눔고딕" pitchFamily="50" charset="-127"/>
               </a:rPr>
-              <a:t> 선택된 친구의 이름을 </a:t>
+              <a:t>테이블에서 </a:t>
+            </a:r>
+            <a:r>
+              <a:rPr lang="ko-KR" altLang="en-US" sz="800" dirty="0" smtClean="0">
+                <a:latin typeface="나눔고딕" pitchFamily="50" charset="-127"/>
+                <a:ea typeface="나눔고딕" pitchFamily="50" charset="-127"/>
+              </a:rPr>
+              <a:t>선택된 친구의 이름을 </a:t>
             </a:r>
             <a:r>
               <a:rPr lang="en-US" altLang="ko-KR" sz="800" dirty="0" smtClean="0">
@@ -31209,10 +30958,6 @@
               </a:rPr>
               <a:t>.</a:t>
             </a:r>
-            <a:endParaRPr lang="en-US" altLang="ko-KR" sz="800" dirty="0" smtClean="0">
-              <a:latin typeface="나눔고딕" pitchFamily="50" charset="-127"/>
-              <a:ea typeface="나눔고딕" pitchFamily="50" charset="-127"/>
-            </a:endParaRPr>
           </a:p>
         </p:txBody>
       </p:sp>
@@ -31799,35 +31544,7 @@
                   <a:latin typeface="나눔고딕" pitchFamily="50" charset="-127"/>
                   <a:ea typeface="나눔고딕" pitchFamily="50" charset="-127"/>
                 </a:rPr>
-                <a:t>Send a friend </a:t>
-              </a:r>
-              <a:r>
-                <a:rPr lang="en-US" altLang="ko-KR" sz="800" dirty="0" smtClean="0">
-                  <a:latin typeface="나눔고딕" pitchFamily="50" charset="-127"/>
-                  <a:ea typeface="나눔고딕" pitchFamily="50" charset="-127"/>
-                </a:rPr>
-                <a:t>recommendation </a:t>
-              </a:r>
-              <a:r>
-                <a:rPr lang="en-US" altLang="ko-KR" sz="800" dirty="0" smtClean="0">
-                  <a:latin typeface="나눔고딕" pitchFamily="50" charset="-127"/>
-                  <a:ea typeface="나눔고딕" pitchFamily="50" charset="-127"/>
-                </a:rPr>
-                <a:t> to “Louie </a:t>
-              </a:r>
-              <a:r>
-                <a:rPr lang="en-US" altLang="ko-KR" sz="800" dirty="0" err="1" smtClean="0">
-                  <a:latin typeface="나눔고딕" pitchFamily="50" charset="-127"/>
-                  <a:ea typeface="나눔고딕" pitchFamily="50" charset="-127"/>
-                </a:rPr>
-                <a:t>Bae</a:t>
-              </a:r>
-              <a:r>
-                <a:rPr lang="en-US" altLang="ko-KR" sz="800" dirty="0" smtClean="0">
-                  <a:latin typeface="나눔고딕" pitchFamily="50" charset="-127"/>
-                  <a:ea typeface="나눔고딕" pitchFamily="50" charset="-127"/>
-                </a:rPr>
-                <a:t>”?</a:t>
+                <a:t>Send a friend recommendation  to “Louie Bae”?</a:t>
               </a:r>
               <a:endParaRPr lang="ko-KR" altLang="en-US" sz="800" dirty="0">
                 <a:latin typeface="나눔고딕" pitchFamily="50" charset="-127"/>
@@ -32117,27 +31834,7 @@
                 <a:latin typeface="나눔고딕" pitchFamily="50" charset="-127"/>
                 <a:ea typeface="나눔고딕" pitchFamily="50" charset="-127"/>
               </a:rPr>
-              <a:t>Louie </a:t>
-            </a:r>
-            <a:r>
-              <a:rPr lang="en-US" altLang="ko-KR" sz="800" b="1" dirty="0" err="1" smtClean="0">
-                <a:solidFill>
-                  <a:srgbClr val="0070C0"/>
-                </a:solidFill>
-                <a:latin typeface="나눔고딕" pitchFamily="50" charset="-127"/>
-                <a:ea typeface="나눔고딕" pitchFamily="50" charset="-127"/>
-              </a:rPr>
-              <a:t>Bae</a:t>
-            </a:r>
-            <a:r>
-              <a:rPr lang="en-US" altLang="ko-KR" sz="800" b="1" dirty="0" smtClean="0">
-                <a:solidFill>
-                  <a:srgbClr val="0070C0"/>
-                </a:solidFill>
-                <a:latin typeface="나눔고딕" pitchFamily="50" charset="-127"/>
-                <a:ea typeface="나눔고딕" pitchFamily="50" charset="-127"/>
-              </a:rPr>
-              <a:t> </a:t>
+              <a:t>Louie Bae </a:t>
             </a:r>
             <a:r>
               <a:rPr lang="en-US" altLang="ko-KR" sz="800" dirty="0" smtClean="0">
@@ -32171,7 +31868,7 @@
               <a:t>친구신청</a:t>
             </a:r>
             <a:r>
-              <a:rPr lang="en-US" altLang="ko-KR" sz="800" dirty="0" err="1" smtClean="0">
+              <a:rPr lang="en-US" altLang="ko-KR" sz="800" dirty="0" smtClean="0">
                 <a:latin typeface="나눔고딕" pitchFamily="50" charset="-127"/>
                 <a:ea typeface="나눔고딕" pitchFamily="50" charset="-127"/>
               </a:rPr>
@@ -32367,21 +32064,7 @@
                 <a:latin typeface="나눔고딕" pitchFamily="50" charset="-127"/>
                 <a:ea typeface="나눔고딕" pitchFamily="50" charset="-127"/>
               </a:rPr>
-              <a:t>사이트 </a:t>
-            </a:r>
-            <a:r>
-              <a:rPr lang="ko-KR" altLang="en-US" sz="800" dirty="0" err="1" smtClean="0">
-                <a:latin typeface="나눔고딕" pitchFamily="50" charset="-127"/>
-                <a:ea typeface="나눔고딕" pitchFamily="50" charset="-127"/>
-              </a:rPr>
-              <a:t>포스팅</a:t>
-            </a:r>
-            <a:r>
-              <a:rPr lang="ko-KR" altLang="en-US" sz="800" dirty="0" smtClean="0">
-                <a:latin typeface="나눔고딕" pitchFamily="50" charset="-127"/>
-                <a:ea typeface="나눔고딕" pitchFamily="50" charset="-127"/>
-              </a:rPr>
-              <a:t> 내용</a:t>
+              <a:t>사이트 포스팅 내용</a:t>
             </a:r>
             <a:endParaRPr lang="ko-KR" altLang="en-US" sz="800" dirty="0">
               <a:latin typeface="나눔고딕" pitchFamily="50" charset="-127"/>
@@ -32754,117 +32437,78 @@
                 <a:latin typeface="나눔고딕" pitchFamily="50" charset="-127"/>
                 <a:ea typeface="나눔고딕" pitchFamily="50" charset="-127"/>
               </a:rPr>
-              <a:t>[</a:t>
+              <a:t>[Graph Share]</a:t>
+            </a:r>
+            <a:r>
+              <a:rPr lang="ko-KR" altLang="en-US" sz="800" dirty="0" smtClean="0">
+                <a:latin typeface="나눔고딕" pitchFamily="50" charset="-127"/>
+                <a:ea typeface="나눔고딕" pitchFamily="50" charset="-127"/>
+              </a:rPr>
+              <a:t>를 클릭하면</a:t>
             </a:r>
             <a:r>
               <a:rPr lang="en-US" altLang="ko-KR" sz="800" dirty="0" smtClean="0">
                 <a:latin typeface="나눔고딕" pitchFamily="50" charset="-127"/>
                 <a:ea typeface="나눔고딕" pitchFamily="50" charset="-127"/>
               </a:rPr>
-              <a:t>Graph Share]</a:t>
+              <a:t>,  </a:t>
             </a:r>
             <a:r>
               <a:rPr lang="ko-KR" altLang="en-US" sz="800" dirty="0" smtClean="0">
                 <a:latin typeface="나눔고딕" pitchFamily="50" charset="-127"/>
                 <a:ea typeface="나눔고딕" pitchFamily="50" charset="-127"/>
               </a:rPr>
-              <a:t>를 클릭하면</a:t>
+              <a:t>확인창을 팝업하고 </a:t>
             </a:r>
             <a:r>
               <a:rPr lang="en-US" altLang="ko-KR" sz="800" dirty="0" smtClean="0">
                 <a:latin typeface="나눔고딕" pitchFamily="50" charset="-127"/>
                 <a:ea typeface="나눔고딕" pitchFamily="50" charset="-127"/>
               </a:rPr>
-              <a:t>,  </a:t>
-            </a:r>
-            <a:r>
-              <a:rPr lang="ko-KR" altLang="en-US" sz="800" dirty="0" err="1" smtClean="0">
-                <a:latin typeface="나눔고딕" pitchFamily="50" charset="-127"/>
-                <a:ea typeface="나눔고딕" pitchFamily="50" charset="-127"/>
-              </a:rPr>
-              <a:t>확인창을</a:t>
+              <a:t>“Ok”</a:t>
             </a:r>
             <a:r>
               <a:rPr lang="ko-KR" altLang="en-US" sz="800" dirty="0" smtClean="0">
                 <a:latin typeface="나눔고딕" pitchFamily="50" charset="-127"/>
                 <a:ea typeface="나눔고딕" pitchFamily="50" charset="-127"/>
               </a:rPr>
-              <a:t> 팝업하고 </a:t>
+              <a:t>를 클릭하면 </a:t>
             </a:r>
             <a:r>
               <a:rPr lang="en-US" altLang="ko-KR" sz="800" dirty="0" smtClean="0">
                 <a:latin typeface="나눔고딕" pitchFamily="50" charset="-127"/>
                 <a:ea typeface="나눔고딕" pitchFamily="50" charset="-127"/>
               </a:rPr>
-              <a:t>“Ok”</a:t>
+              <a:t>Graph</a:t>
             </a:r>
             <a:r>
               <a:rPr lang="ko-KR" altLang="en-US" sz="800" dirty="0" smtClean="0">
                 <a:latin typeface="나눔고딕" pitchFamily="50" charset="-127"/>
                 <a:ea typeface="나눔고딕" pitchFamily="50" charset="-127"/>
               </a:rPr>
-              <a:t>를 클릭하면 </a:t>
+              <a:t>를 이미지를 변환후 </a:t>
             </a:r>
             <a:r>
               <a:rPr lang="en-US" altLang="ko-KR" sz="800" dirty="0" smtClean="0">
                 <a:latin typeface="나눔고딕" pitchFamily="50" charset="-127"/>
                 <a:ea typeface="나눔고딕" pitchFamily="50" charset="-127"/>
               </a:rPr>
-              <a:t>Graph</a:t>
+              <a:t>Facebook </a:t>
             </a:r>
             <a:r>
               <a:rPr lang="ko-KR" altLang="en-US" sz="800" dirty="0" smtClean="0">
                 <a:latin typeface="나눔고딕" pitchFamily="50" charset="-127"/>
                 <a:ea typeface="나눔고딕" pitchFamily="50" charset="-127"/>
               </a:rPr>
-              <a:t>를 이미지를 </a:t>
-            </a:r>
-            <a:r>
-              <a:rPr lang="ko-KR" altLang="en-US" sz="800" dirty="0" err="1" smtClean="0">
-                <a:latin typeface="나눔고딕" pitchFamily="50" charset="-127"/>
-                <a:ea typeface="나눔고딕" pitchFamily="50" charset="-127"/>
-              </a:rPr>
-              <a:t>변환후</a:t>
-            </a:r>
-            <a:r>
-              <a:rPr lang="ko-KR" altLang="en-US" sz="800" dirty="0" smtClean="0">
-                <a:latin typeface="나눔고딕" pitchFamily="50" charset="-127"/>
-                <a:ea typeface="나눔고딕" pitchFamily="50" charset="-127"/>
-              </a:rPr>
-              <a:t> </a:t>
+              <a:t>사이트에 그래프를 포스팅한다</a:t>
             </a:r>
             <a:r>
               <a:rPr lang="en-US" altLang="ko-KR" sz="800" dirty="0" smtClean="0">
                 <a:latin typeface="나눔고딕" pitchFamily="50" charset="-127"/>
                 <a:ea typeface="나눔고딕" pitchFamily="50" charset="-127"/>
               </a:rPr>
-              <a:t>Facebook </a:t>
-            </a:r>
-            <a:r>
-              <a:rPr lang="ko-KR" altLang="en-US" sz="800" dirty="0" smtClean="0">
-                <a:latin typeface="나눔고딕" pitchFamily="50" charset="-127"/>
-                <a:ea typeface="나눔고딕" pitchFamily="50" charset="-127"/>
-              </a:rPr>
-              <a:t>사이트에 그래프를 </a:t>
-            </a:r>
-            <a:r>
-              <a:rPr lang="ko-KR" altLang="en-US" sz="800" dirty="0" err="1" smtClean="0">
-                <a:latin typeface="나눔고딕" pitchFamily="50" charset="-127"/>
-                <a:ea typeface="나눔고딕" pitchFamily="50" charset="-127"/>
-              </a:rPr>
-              <a:t>포스팅한다</a:t>
-            </a:r>
-            <a:r>
-              <a:rPr lang="en-US" altLang="ko-KR" sz="800" dirty="0" smtClean="0">
-                <a:latin typeface="나눔고딕" pitchFamily="50" charset="-127"/>
-                <a:ea typeface="나눔고딕" pitchFamily="50" charset="-127"/>
-              </a:rPr>
               <a:t>.</a:t>
             </a:r>
-            <a:endParaRPr lang="en-US" altLang="ko-KR" sz="800" dirty="0" smtClean="0">
-              <a:latin typeface="나눔고딕" pitchFamily="50" charset="-127"/>
-              <a:ea typeface="나눔고딕" pitchFamily="50" charset="-127"/>
-            </a:endParaRPr>
           </a:p>
         </p:txBody>
       </p:sp>
@@ -33428,27 +33072,7 @@
                 <a:latin typeface="나눔고딕" pitchFamily="50" charset="-127"/>
                 <a:ea typeface="나눔고딕" pitchFamily="50" charset="-127"/>
               </a:rPr>
-              <a:t>Louie </a:t>
-            </a:r>
-            <a:r>
-              <a:rPr lang="en-US" altLang="ko-KR" sz="800" b="1" dirty="0" err="1" smtClean="0">
-                <a:solidFill>
-                  <a:srgbClr val="0070C0"/>
-                </a:solidFill>
-                <a:latin typeface="나눔고딕" pitchFamily="50" charset="-127"/>
-                <a:ea typeface="나눔고딕" pitchFamily="50" charset="-127"/>
-              </a:rPr>
-              <a:t>Bae</a:t>
-            </a:r>
-            <a:r>
-              <a:rPr lang="en-US" altLang="ko-KR" sz="800" b="1" dirty="0" smtClean="0">
-                <a:solidFill>
-                  <a:srgbClr val="0070C0"/>
-                </a:solidFill>
-                <a:latin typeface="나눔고딕" pitchFamily="50" charset="-127"/>
-                <a:ea typeface="나눔고딕" pitchFamily="50" charset="-127"/>
-              </a:rPr>
-              <a:t> </a:t>
+              <a:t>Louie Bae </a:t>
             </a:r>
             <a:r>
               <a:rPr lang="en-US" altLang="ko-KR" sz="800" b="1" dirty="0" smtClean="0">
@@ -33631,21 +33255,7 @@
                 <a:latin typeface="나눔고딕" pitchFamily="50" charset="-127"/>
                 <a:ea typeface="나눔고딕" pitchFamily="50" charset="-127"/>
               </a:rPr>
-              <a:t>사이트 </a:t>
-            </a:r>
-            <a:r>
-              <a:rPr lang="ko-KR" altLang="en-US" sz="800" dirty="0" err="1" smtClean="0">
-                <a:latin typeface="나눔고딕" pitchFamily="50" charset="-127"/>
-                <a:ea typeface="나눔고딕" pitchFamily="50" charset="-127"/>
-              </a:rPr>
-              <a:t>포스팅</a:t>
-            </a:r>
-            <a:r>
-              <a:rPr lang="ko-KR" altLang="en-US" sz="800" dirty="0" smtClean="0">
-                <a:latin typeface="나눔고딕" pitchFamily="50" charset="-127"/>
-                <a:ea typeface="나눔고딕" pitchFamily="50" charset="-127"/>
-              </a:rPr>
-              <a:t> 내용</a:t>
+              <a:t>사이트 포스팅 내용</a:t>
             </a:r>
             <a:endParaRPr lang="ko-KR" altLang="en-US" sz="800" dirty="0">
               <a:latin typeface="나눔고딕" pitchFamily="50" charset="-127"/>
@@ -37699,7 +37309,11 @@
             </a:r>
             <a:r>
               <a:rPr lang="en-US" altLang="ko-KR" dirty="0" smtClean="0"/>
-              <a:t>post(status, link, photo, video)</a:t>
+              <a:t>contents(status</a:t>
+            </a:r>
+            <a:r>
+              <a:rPr lang="en-US" altLang="ko-KR" dirty="0" smtClean="0"/>
+              <a:t>, link, photo, video)</a:t>
             </a:r>
             <a:r>
               <a:rPr lang="ko-KR" altLang="en-US" dirty="0" smtClean="0"/>
@@ -37775,7 +37389,11 @@
             </a:r>
             <a:r>
               <a:rPr lang="en-US" altLang="ko-KR" dirty="0" smtClean="0"/>
-              <a:t>post(status</a:t>
+              <a:t>contents(</a:t>
+            </a:r>
+            <a:r>
+              <a:rPr lang="en-US" altLang="ko-KR" dirty="0" smtClean="0"/>
+              <a:t>status</a:t>
             </a:r>
             <a:r>
               <a:rPr lang="en-US" altLang="ko-KR" dirty="0"/>
@@ -37869,7 +37487,7 @@
             </a:r>
             <a:r>
               <a:rPr lang="en-US" altLang="ko-KR" dirty="0" smtClean="0"/>
-              <a:t>post(status</a:t>
+              <a:t>contents(status</a:t>
             </a:r>
             <a:r>
               <a:rPr lang="en-US" altLang="ko-KR" dirty="0"/>
@@ -37973,7 +37591,19 @@
           <a:p>
             <a:r>
               <a:rPr lang="ko-KR" altLang="en-US" dirty="0" smtClean="0"/>
-              <a:t>선호도별 친구 </a:t>
+              <a:t>관심</a:t>
+            </a:r>
+            <a:r>
+              <a:rPr lang="ko-KR" altLang="en-US" dirty="0"/>
+              <a:t>사</a:t>
+            </a:r>
+            <a:r>
+              <a:rPr lang="ko-KR" altLang="en-US" dirty="0" smtClean="0"/>
+              <a:t>별 </a:t>
+            </a:r>
+            <a:r>
+              <a:rPr lang="ko-KR" altLang="en-US" dirty="0" smtClean="0"/>
+              <a:t>친구 </a:t>
             </a:r>
             <a:r>
               <a:rPr lang="en-US" altLang="ko-KR" dirty="0" smtClean="0"/>
